--- a/Integrity_Tree_updated.pptx
+++ b/Integrity_Tree_updated.pptx
@@ -5,7 +5,7 @@
     <p:sldMasterId id="2147483648" r:id="rId4"/>
   </p:sldMasterIdLst>
   <p:notesMasterIdLst>
-    <p:notesMasterId r:id="rId31"/>
+    <p:notesMasterId r:id="rId34"/>
   </p:notesMasterIdLst>
   <p:sldIdLst>
     <p:sldId id="256" r:id="rId5"/>
@@ -26,14 +26,17 @@
     <p:sldId id="286" r:id="rId20"/>
     <p:sldId id="267" r:id="rId21"/>
     <p:sldId id="276" r:id="rId22"/>
-    <p:sldId id="278" r:id="rId23"/>
-    <p:sldId id="279" r:id="rId24"/>
-    <p:sldId id="282" r:id="rId25"/>
-    <p:sldId id="269" r:id="rId26"/>
-    <p:sldId id="271" r:id="rId27"/>
-    <p:sldId id="283" r:id="rId28"/>
-    <p:sldId id="287" r:id="rId29"/>
-    <p:sldId id="270" r:id="rId30"/>
+    <p:sldId id="291" r:id="rId23"/>
+    <p:sldId id="292" r:id="rId24"/>
+    <p:sldId id="278" r:id="rId25"/>
+    <p:sldId id="279" r:id="rId26"/>
+    <p:sldId id="293" r:id="rId27"/>
+    <p:sldId id="282" r:id="rId28"/>
+    <p:sldId id="269" r:id="rId29"/>
+    <p:sldId id="271" r:id="rId30"/>
+    <p:sldId id="283" r:id="rId31"/>
+    <p:sldId id="287" r:id="rId32"/>
+    <p:sldId id="270" r:id="rId33"/>
   </p:sldIdLst>
   <p:sldSz cx="12192000" cy="6858000"/>
   <p:notesSz cx="6858000" cy="9144000"/>
@@ -3939,9 +3942,43 @@
           <a:bodyPr/>
           <a:lstStyle/>
           <a:p>
+            <a:pPr marL="171450" indent="-171450">
+              <a:buFont typeface="Arial" panose="020B0604020202020204" pitchFamily="34" charset="0"/>
+              <a:buChar char="•"/>
+            </a:pPr>
             <a:r>
               <a:rPr lang="en-GB" dirty="0"/>
-              <a:t>* Note: Explain “CURRENT_STATE”</a:t>
+              <a:t>Note: Explain that the tree is virtual in both cases…</a:t>
+            </a:r>
+          </a:p>
+          <a:p>
+            <a:pPr marL="171450" indent="-171450">
+              <a:buFont typeface="Arial" panose="020B0604020202020204" pitchFamily="34" charset="0"/>
+              <a:buChar char="•"/>
+            </a:pPr>
+            <a:r>
+              <a:rPr lang="en-GB" dirty="0"/>
+              <a:t>Change in block leads to change in root</a:t>
+            </a:r>
+          </a:p>
+          <a:p>
+            <a:pPr marL="171450" indent="-171450">
+              <a:buFont typeface="Arial" panose="020B0604020202020204" pitchFamily="34" charset="0"/>
+              <a:buChar char="•"/>
+            </a:pPr>
+            <a:r>
+              <a:rPr lang="en-GB" dirty="0"/>
+              <a:t>Pre state on the left </a:t>
+            </a:r>
+          </a:p>
+          <a:p>
+            <a:pPr marL="171450" indent="-171450">
+              <a:buFont typeface="Arial" panose="020B0604020202020204" pitchFamily="34" charset="0"/>
+              <a:buChar char="•"/>
+            </a:pPr>
+            <a:r>
+              <a:rPr lang="en-GB" dirty="0"/>
+              <a:t>Post state on the right</a:t>
             </a:r>
           </a:p>
         </p:txBody>
@@ -3972,7 +4009,7 @@
     </p:spTree>
     <p:extLst>
       <p:ext uri="{BB962C8B-B14F-4D97-AF65-F5344CB8AC3E}">
-        <p14:creationId xmlns:p14="http://schemas.microsoft.com/office/powerpoint/2010/main" val="1730860144"/>
+        <p14:creationId xmlns:p14="http://schemas.microsoft.com/office/powerpoint/2010/main" val="2316381447"/>
       </p:ext>
     </p:extLst>
   </p:cSld>
@@ -4059,6 +4096,267 @@
     </p:spTree>
     <p:extLst>
       <p:ext uri="{BB962C8B-B14F-4D97-AF65-F5344CB8AC3E}">
+        <p14:creationId xmlns:p14="http://schemas.microsoft.com/office/powerpoint/2010/main" val="3685569246"/>
+      </p:ext>
+    </p:extLst>
+  </p:cSld>
+  <p:clrMapOvr>
+    <a:masterClrMapping/>
+  </p:clrMapOvr>
+</p:notes>
+</file>
+
+<file path=ppt/notesSlides/notesSlide12.xml><?xml version="1.0" encoding="utf-8"?>
+<p:notes xmlns:a="http://schemas.openxmlformats.org/drawingml/2006/main" xmlns:r="http://schemas.openxmlformats.org/officeDocument/2006/relationships" xmlns:p="http://schemas.openxmlformats.org/presentationml/2006/main">
+  <p:cSld>
+    <p:spTree>
+      <p:nvGrpSpPr>
+        <p:cNvPr id="1" name=""/>
+        <p:cNvGrpSpPr/>
+        <p:nvPr/>
+      </p:nvGrpSpPr>
+      <p:grpSpPr>
+        <a:xfrm>
+          <a:off x="0" y="0"/>
+          <a:ext cx="0" cy="0"/>
+          <a:chOff x="0" y="0"/>
+          <a:chExt cx="0" cy="0"/>
+        </a:xfrm>
+      </p:grpSpPr>
+      <p:sp>
+        <p:nvSpPr>
+          <p:cNvPr id="2" name="Slide Image Placeholder 1"/>
+          <p:cNvSpPr>
+            <a:spLocks noGrp="1" noRot="1" noChangeAspect="1"/>
+          </p:cNvSpPr>
+          <p:nvPr>
+            <p:ph type="sldImg"/>
+          </p:nvPr>
+        </p:nvSpPr>
+        <p:spPr/>
+      </p:sp>
+      <p:sp>
+        <p:nvSpPr>
+          <p:cNvPr id="3" name="Notes Placeholder 2"/>
+          <p:cNvSpPr>
+            <a:spLocks noGrp="1"/>
+          </p:cNvSpPr>
+          <p:nvPr>
+            <p:ph type="body" idx="1"/>
+          </p:nvPr>
+        </p:nvSpPr>
+        <p:spPr/>
+        <p:txBody>
+          <a:bodyPr/>
+          <a:lstStyle/>
+          <a:p>
+            <a:r>
+              <a:rPr lang="en-GB" dirty="0"/>
+              <a:t>* Note: Explain “CURRENT_STATE”</a:t>
+            </a:r>
+          </a:p>
+        </p:txBody>
+      </p:sp>
+      <p:sp>
+        <p:nvSpPr>
+          <p:cNvPr id="4" name="Slide Number Placeholder 3"/>
+          <p:cNvSpPr>
+            <a:spLocks noGrp="1"/>
+          </p:cNvSpPr>
+          <p:nvPr>
+            <p:ph type="sldNum" sz="quarter" idx="5"/>
+          </p:nvPr>
+        </p:nvSpPr>
+        <p:spPr/>
+        <p:txBody>
+          <a:bodyPr/>
+          <a:lstStyle/>
+          <a:p>
+            <a:fld id="{4B725628-3A68-42F4-BA86-981817953149}" type="slidenum">
+              <a:rPr lang="en-US" smtClean="0"/>
+              <a:t>22</a:t>
+            </a:fld>
+            <a:endParaRPr lang="en-US" dirty="0"/>
+          </a:p>
+        </p:txBody>
+      </p:sp>
+    </p:spTree>
+    <p:extLst>
+      <p:ext uri="{BB962C8B-B14F-4D97-AF65-F5344CB8AC3E}">
+        <p14:creationId xmlns:p14="http://schemas.microsoft.com/office/powerpoint/2010/main" val="1730860144"/>
+      </p:ext>
+    </p:extLst>
+  </p:cSld>
+  <p:clrMapOvr>
+    <a:masterClrMapping/>
+  </p:clrMapOvr>
+</p:notes>
+</file>
+
+<file path=ppt/notesSlides/notesSlide13.xml><?xml version="1.0" encoding="utf-8"?>
+<p:notes xmlns:a="http://schemas.openxmlformats.org/drawingml/2006/main" xmlns:r="http://schemas.openxmlformats.org/officeDocument/2006/relationships" xmlns:p="http://schemas.openxmlformats.org/presentationml/2006/main">
+  <p:cSld>
+    <p:spTree>
+      <p:nvGrpSpPr>
+        <p:cNvPr id="1" name=""/>
+        <p:cNvGrpSpPr/>
+        <p:nvPr/>
+      </p:nvGrpSpPr>
+      <p:grpSpPr>
+        <a:xfrm>
+          <a:off x="0" y="0"/>
+          <a:ext cx="0" cy="0"/>
+          <a:chOff x="0" y="0"/>
+          <a:chExt cx="0" cy="0"/>
+        </a:xfrm>
+      </p:grpSpPr>
+      <p:sp>
+        <p:nvSpPr>
+          <p:cNvPr id="2" name="Slide Image Placeholder 1"/>
+          <p:cNvSpPr>
+            <a:spLocks noGrp="1" noRot="1" noChangeAspect="1"/>
+          </p:cNvSpPr>
+          <p:nvPr>
+            <p:ph type="sldImg"/>
+          </p:nvPr>
+        </p:nvSpPr>
+        <p:spPr/>
+      </p:sp>
+      <p:sp>
+        <p:nvSpPr>
+          <p:cNvPr id="3" name="Notes Placeholder 2"/>
+          <p:cNvSpPr>
+            <a:spLocks noGrp="1"/>
+          </p:cNvSpPr>
+          <p:nvPr>
+            <p:ph type="body" idx="1"/>
+          </p:nvPr>
+        </p:nvSpPr>
+        <p:spPr/>
+        <p:txBody>
+          <a:bodyPr/>
+          <a:lstStyle/>
+          <a:p>
+            <a:r>
+              <a:rPr lang="en-GB" dirty="0"/>
+              <a:t>Note: Step # “Calculate New Root”  --- Mention that cache is updated as well. </a:t>
+            </a:r>
+          </a:p>
+        </p:txBody>
+      </p:sp>
+      <p:sp>
+        <p:nvSpPr>
+          <p:cNvPr id="4" name="Slide Number Placeholder 3"/>
+          <p:cNvSpPr>
+            <a:spLocks noGrp="1"/>
+          </p:cNvSpPr>
+          <p:nvPr>
+            <p:ph type="sldNum" sz="quarter" idx="5"/>
+          </p:nvPr>
+        </p:nvSpPr>
+        <p:spPr/>
+        <p:txBody>
+          <a:bodyPr/>
+          <a:lstStyle/>
+          <a:p>
+            <a:fld id="{4B725628-3A68-42F4-BA86-981817953149}" type="slidenum">
+              <a:rPr lang="en-US" smtClean="0"/>
+              <a:t>23</a:t>
+            </a:fld>
+            <a:endParaRPr lang="en-US" dirty="0"/>
+          </a:p>
+        </p:txBody>
+      </p:sp>
+    </p:spTree>
+    <p:extLst>
+      <p:ext uri="{BB962C8B-B14F-4D97-AF65-F5344CB8AC3E}">
+        <p14:creationId xmlns:p14="http://schemas.microsoft.com/office/powerpoint/2010/main" val="2140516959"/>
+      </p:ext>
+    </p:extLst>
+  </p:cSld>
+  <p:clrMapOvr>
+    <a:masterClrMapping/>
+  </p:clrMapOvr>
+</p:notes>
+</file>
+
+<file path=ppt/notesSlides/notesSlide14.xml><?xml version="1.0" encoding="utf-8"?>
+<p:notes xmlns:a="http://schemas.openxmlformats.org/drawingml/2006/main" xmlns:r="http://schemas.openxmlformats.org/officeDocument/2006/relationships" xmlns:p="http://schemas.openxmlformats.org/presentationml/2006/main">
+  <p:cSld>
+    <p:spTree>
+      <p:nvGrpSpPr>
+        <p:cNvPr id="1" name=""/>
+        <p:cNvGrpSpPr/>
+        <p:nvPr/>
+      </p:nvGrpSpPr>
+      <p:grpSpPr>
+        <a:xfrm>
+          <a:off x="0" y="0"/>
+          <a:ext cx="0" cy="0"/>
+          <a:chOff x="0" y="0"/>
+          <a:chExt cx="0" cy="0"/>
+        </a:xfrm>
+      </p:grpSpPr>
+      <p:sp>
+        <p:nvSpPr>
+          <p:cNvPr id="2" name="Slide Image Placeholder 1"/>
+          <p:cNvSpPr>
+            <a:spLocks noGrp="1" noRot="1" noChangeAspect="1"/>
+          </p:cNvSpPr>
+          <p:nvPr>
+            <p:ph type="sldImg"/>
+          </p:nvPr>
+        </p:nvSpPr>
+        <p:spPr/>
+      </p:sp>
+      <p:sp>
+        <p:nvSpPr>
+          <p:cNvPr id="3" name="Notes Placeholder 2"/>
+          <p:cNvSpPr>
+            <a:spLocks noGrp="1"/>
+          </p:cNvSpPr>
+          <p:nvPr>
+            <p:ph type="body" idx="1"/>
+          </p:nvPr>
+        </p:nvSpPr>
+        <p:spPr/>
+        <p:txBody>
+          <a:bodyPr/>
+          <a:lstStyle/>
+          <a:p>
+            <a:r>
+              <a:rPr lang="en-GB" dirty="0"/>
+              <a:t>With Cache</a:t>
+            </a:r>
+          </a:p>
+        </p:txBody>
+      </p:sp>
+      <p:sp>
+        <p:nvSpPr>
+          <p:cNvPr id="4" name="Slide Number Placeholder 3"/>
+          <p:cNvSpPr>
+            <a:spLocks noGrp="1"/>
+          </p:cNvSpPr>
+          <p:nvPr>
+            <p:ph type="sldNum" sz="quarter" idx="5"/>
+          </p:nvPr>
+        </p:nvSpPr>
+        <p:spPr/>
+        <p:txBody>
+          <a:bodyPr/>
+          <a:lstStyle/>
+          <a:p>
+            <a:fld id="{4B725628-3A68-42F4-BA86-981817953149}" type="slidenum">
+              <a:rPr lang="en-US" smtClean="0"/>
+              <a:t>24</a:t>
+            </a:fld>
+            <a:endParaRPr lang="en-US" dirty="0"/>
+          </a:p>
+        </p:txBody>
+      </p:sp>
+    </p:spTree>
+    <p:extLst>
+      <p:ext uri="{BB962C8B-B14F-4D97-AF65-F5344CB8AC3E}">
         <p14:creationId xmlns:p14="http://schemas.microsoft.com/office/powerpoint/2010/main" val="4282471896"/>
       </p:ext>
     </p:extLst>
@@ -4069,7 +4367,157 @@
 </p:notes>
 </file>
 
-<file path=ppt/notesSlides/notesSlide12.xml><?xml version="1.0" encoding="utf-8"?>
+<file path=ppt/notesSlides/notesSlide15.xml><?xml version="1.0" encoding="utf-8"?>
+<p:notes xmlns:a="http://schemas.openxmlformats.org/drawingml/2006/main" xmlns:r="http://schemas.openxmlformats.org/officeDocument/2006/relationships" xmlns:p="http://schemas.openxmlformats.org/presentationml/2006/main">
+  <p:cSld>
+    <p:spTree>
+      <p:nvGrpSpPr>
+        <p:cNvPr id="1" name=""/>
+        <p:cNvGrpSpPr/>
+        <p:nvPr/>
+      </p:nvGrpSpPr>
+      <p:grpSpPr>
+        <a:xfrm>
+          <a:off x="0" y="0"/>
+          <a:ext cx="0" cy="0"/>
+          <a:chOff x="0" y="0"/>
+          <a:chExt cx="0" cy="0"/>
+        </a:xfrm>
+      </p:grpSpPr>
+      <p:sp>
+        <p:nvSpPr>
+          <p:cNvPr id="2" name="Slide Image Placeholder 1"/>
+          <p:cNvSpPr>
+            <a:spLocks noGrp="1" noRot="1" noChangeAspect="1"/>
+          </p:cNvSpPr>
+          <p:nvPr>
+            <p:ph type="sldImg"/>
+          </p:nvPr>
+        </p:nvSpPr>
+        <p:spPr/>
+      </p:sp>
+      <p:sp>
+        <p:nvSpPr>
+          <p:cNvPr id="3" name="Notes Placeholder 2"/>
+          <p:cNvSpPr>
+            <a:spLocks noGrp="1"/>
+          </p:cNvSpPr>
+          <p:nvPr>
+            <p:ph type="body" idx="1"/>
+          </p:nvPr>
+        </p:nvSpPr>
+        <p:spPr/>
+        <p:txBody>
+          <a:bodyPr/>
+          <a:lstStyle/>
+          <a:p>
+            <a:pPr marL="285750" indent="-285750" algn="just">
+              <a:buFont typeface="Arial" panose="020B0604020202020204" pitchFamily="34" charset="0"/>
+              <a:buChar char="•"/>
+            </a:pPr>
+            <a:r>
+              <a:rPr lang="en-US" sz="1800" dirty="0">
+                <a:effectLst/>
+                <a:latin typeface="Times New Roman" panose="02020603050405020304" pitchFamily="18" charset="0"/>
+                <a:ea typeface="Times New Roman" panose="02020603050405020304" pitchFamily="18" charset="0"/>
+              </a:rPr>
+              <a:t>With </a:t>
+            </a:r>
+            <a:r>
+              <a:rPr lang="en-US" sz="1800" dirty="0" err="1">
+                <a:effectLst/>
+                <a:latin typeface="Times New Roman" panose="02020603050405020304" pitchFamily="18" charset="0"/>
+                <a:ea typeface="Times New Roman" panose="02020603050405020304" pitchFamily="18" charset="0"/>
+              </a:rPr>
+              <a:t>Verfiy</a:t>
+            </a:r>
+            <a:r>
+              <a:rPr lang="en-US" sz="1800" dirty="0">
+                <a:effectLst/>
+                <a:latin typeface="Times New Roman" panose="02020603050405020304" pitchFamily="18" charset="0"/>
+                <a:ea typeface="Times New Roman" panose="02020603050405020304" pitchFamily="18" charset="0"/>
+              </a:rPr>
+              <a:t> Integrity takes more time than without</a:t>
+            </a:r>
+          </a:p>
+          <a:p>
+            <a:pPr marL="285750" indent="-285750" algn="just">
+              <a:buFont typeface="Arial" panose="020B0604020202020204" pitchFamily="34" charset="0"/>
+              <a:buChar char="•"/>
+            </a:pPr>
+            <a:r>
+              <a:rPr lang="en-US" sz="1800" dirty="0">
+                <a:effectLst/>
+                <a:latin typeface="Times New Roman" panose="02020603050405020304" pitchFamily="18" charset="0"/>
+                <a:ea typeface="Times New Roman" panose="02020603050405020304" pitchFamily="18" charset="0"/>
+              </a:rPr>
+              <a:t>Cache effectiveness comes handy when integrity is verified. (as can be seen in decrease in red graphs)</a:t>
+            </a:r>
+          </a:p>
+          <a:p>
+            <a:pPr marL="285750" indent="-285750" algn="just">
+              <a:buFont typeface="Arial" panose="020B0604020202020204" pitchFamily="34" charset="0"/>
+              <a:buChar char="•"/>
+            </a:pPr>
+            <a:r>
+              <a:rPr lang="en-US" sz="1800" dirty="0">
+                <a:effectLst/>
+                <a:latin typeface="Times New Roman" panose="02020603050405020304" pitchFamily="18" charset="0"/>
+                <a:ea typeface="Times New Roman" panose="02020603050405020304" pitchFamily="18" charset="0"/>
+              </a:rPr>
+              <a:t>Read of 4KB is slower than read of 64B (Logic :)</a:t>
+            </a:r>
+          </a:p>
+          <a:p>
+            <a:pPr marL="285750" indent="-285750" algn="just">
+              <a:buFont typeface="Arial" panose="020B0604020202020204" pitchFamily="34" charset="0"/>
+              <a:buChar char="•"/>
+            </a:pPr>
+            <a:endParaRPr lang="en-US" sz="1800" dirty="0">
+              <a:effectLst/>
+              <a:latin typeface="Times New Roman" panose="02020603050405020304" pitchFamily="18" charset="0"/>
+              <a:ea typeface="Times New Roman" panose="02020603050405020304" pitchFamily="18" charset="0"/>
+            </a:endParaRPr>
+          </a:p>
+        </p:txBody>
+      </p:sp>
+      <p:sp>
+        <p:nvSpPr>
+          <p:cNvPr id="4" name="Slide Number Placeholder 3"/>
+          <p:cNvSpPr>
+            <a:spLocks noGrp="1"/>
+          </p:cNvSpPr>
+          <p:nvPr>
+            <p:ph type="sldNum" sz="quarter" idx="5"/>
+          </p:nvPr>
+        </p:nvSpPr>
+        <p:spPr/>
+        <p:txBody>
+          <a:bodyPr/>
+          <a:lstStyle/>
+          <a:p>
+            <a:fld id="{4B725628-3A68-42F4-BA86-981817953149}" type="slidenum">
+              <a:rPr lang="en-US" smtClean="0"/>
+              <a:t>27</a:t>
+            </a:fld>
+            <a:endParaRPr lang="en-US" dirty="0"/>
+          </a:p>
+        </p:txBody>
+      </p:sp>
+    </p:spTree>
+    <p:extLst>
+      <p:ext uri="{BB962C8B-B14F-4D97-AF65-F5344CB8AC3E}">
+        <p14:creationId xmlns:p14="http://schemas.microsoft.com/office/powerpoint/2010/main" val="2543179501"/>
+      </p:ext>
+    </p:extLst>
+  </p:cSld>
+  <p:clrMapOvr>
+    <a:masterClrMapping/>
+  </p:clrMapOvr>
+</p:notes>
+</file>
+
+<file path=ppt/notesSlides/notesSlide16.xml><?xml version="1.0" encoding="utf-8"?>
 <p:notes xmlns:a="http://schemas.openxmlformats.org/drawingml/2006/main" xmlns:r="http://schemas.openxmlformats.org/officeDocument/2006/relationships" xmlns:p="http://schemas.openxmlformats.org/presentationml/2006/main">
   <p:cSld>
     <p:spTree>
@@ -4134,7 +4582,7 @@
                 <a:latin typeface="Times New Roman" panose="02020603050405020304" pitchFamily="18" charset="0"/>
                 <a:ea typeface="Times New Roman" panose="02020603050405020304" pitchFamily="18" charset="0"/>
               </a:rPr>
-              <a:t>Its noted that write is 1,096x faster without integrity check, and read is 22,920x faster under the same conditions.</a:t>
+              <a:t>It's noted that write is 1,096x faster without integrity check, and read is 22,920x faster under the same conditions.</a:t>
             </a:r>
           </a:p>
           <a:p>
@@ -4242,199 +4690,7 @@
           <a:p>
             <a:fld id="{4B725628-3A68-42F4-BA86-981817953149}" type="slidenum">
               <a:rPr lang="en-US" smtClean="0"/>
-              <a:t>24</a:t>
-            </a:fld>
-            <a:endParaRPr lang="en-US" dirty="0"/>
-          </a:p>
-        </p:txBody>
-      </p:sp>
-    </p:spTree>
-    <p:extLst>
-      <p:ext uri="{BB962C8B-B14F-4D97-AF65-F5344CB8AC3E}">
-        <p14:creationId xmlns:p14="http://schemas.microsoft.com/office/powerpoint/2010/main" val="2543179501"/>
-      </p:ext>
-    </p:extLst>
-  </p:cSld>
-  <p:clrMapOvr>
-    <a:masterClrMapping/>
-  </p:clrMapOvr>
-</p:notes>
-</file>
-
-<file path=ppt/notesSlides/notesSlide13.xml><?xml version="1.0" encoding="utf-8"?>
-<p:notes xmlns:a="http://schemas.openxmlformats.org/drawingml/2006/main" xmlns:r="http://schemas.openxmlformats.org/officeDocument/2006/relationships" xmlns:p="http://schemas.openxmlformats.org/presentationml/2006/main">
-  <p:cSld>
-    <p:spTree>
-      <p:nvGrpSpPr>
-        <p:cNvPr id="1" name=""/>
-        <p:cNvGrpSpPr/>
-        <p:nvPr/>
-      </p:nvGrpSpPr>
-      <p:grpSpPr>
-        <a:xfrm>
-          <a:off x="0" y="0"/>
-          <a:ext cx="0" cy="0"/>
-          <a:chOff x="0" y="0"/>
-          <a:chExt cx="0" cy="0"/>
-        </a:xfrm>
-      </p:grpSpPr>
-      <p:sp>
-        <p:nvSpPr>
-          <p:cNvPr id="2" name="Slide Image Placeholder 1"/>
-          <p:cNvSpPr>
-            <a:spLocks noGrp="1" noRot="1" noChangeAspect="1"/>
-          </p:cNvSpPr>
-          <p:nvPr>
-            <p:ph type="sldImg"/>
-          </p:nvPr>
-        </p:nvSpPr>
-        <p:spPr/>
-      </p:sp>
-      <p:sp>
-        <p:nvSpPr>
-          <p:cNvPr id="3" name="Notes Placeholder 2"/>
-          <p:cNvSpPr>
-            <a:spLocks noGrp="1"/>
-          </p:cNvSpPr>
-          <p:nvPr>
-            <p:ph type="body" idx="1"/>
-          </p:nvPr>
-        </p:nvSpPr>
-        <p:spPr/>
-        <p:txBody>
-          <a:bodyPr/>
-          <a:lstStyle/>
-          <a:p>
-            <a:pPr indent="128270" algn="just"/>
-            <a:r>
-              <a:rPr lang="en-US" sz="1800" dirty="0">
-                <a:effectLst/>
-                <a:latin typeface="Times New Roman" panose="02020603050405020304" pitchFamily="18" charset="0"/>
-                <a:ea typeface="Times New Roman" panose="02020603050405020304" pitchFamily="18" charset="0"/>
-              </a:rPr>
-              <a:t>* Based on our results, it can be seen that the constant-integrity check has a significant impact on memory performance.</a:t>
-            </a:r>
-          </a:p>
-          <a:p>
-            <a:pPr marL="285750" indent="-285750" algn="just">
-              <a:buFont typeface="Arial" panose="020B0604020202020204" pitchFamily="34" charset="0"/>
-              <a:buChar char="•"/>
-            </a:pPr>
-            <a:r>
-              <a:rPr lang="en-US" sz="1800" dirty="0">
-                <a:effectLst/>
-                <a:latin typeface="Times New Roman" panose="02020603050405020304" pitchFamily="18" charset="0"/>
-                <a:ea typeface="Times New Roman" panose="02020603050405020304" pitchFamily="18" charset="0"/>
-              </a:rPr>
-              <a:t>Its noted that write is 1,096x faster without integrity check, and read is 22,920x faster under the same conditions.</a:t>
-            </a:r>
-          </a:p>
-          <a:p>
-            <a:pPr marL="285750" indent="-285750" algn="just">
-              <a:buFont typeface="Arial" panose="020B0604020202020204" pitchFamily="34" charset="0"/>
-              <a:buChar char="•"/>
-            </a:pPr>
-            <a:r>
-              <a:rPr lang="en-US" sz="1800" dirty="0">
-                <a:effectLst/>
-                <a:latin typeface="Times New Roman" panose="02020603050405020304" pitchFamily="18" charset="0"/>
-                <a:ea typeface="Times New Roman" panose="02020603050405020304" pitchFamily="18" charset="0"/>
-              </a:rPr>
-              <a:t>However, we were able to cut down the integrity-check overhead significantly when using cache. </a:t>
-            </a:r>
-          </a:p>
-          <a:p>
-            <a:pPr marL="285750" indent="-285750" algn="just">
-              <a:buFont typeface="Arial" panose="020B0604020202020204" pitchFamily="34" charset="0"/>
-              <a:buChar char="•"/>
-            </a:pPr>
-            <a:r>
-              <a:rPr lang="en-US" sz="1800" dirty="0">
-                <a:effectLst/>
-                <a:latin typeface="Times New Roman" panose="02020603050405020304" pitchFamily="18" charset="0"/>
-                <a:ea typeface="Times New Roman" panose="02020603050405020304" pitchFamily="18" charset="0"/>
-              </a:rPr>
-              <a:t>Since, with cache, write slowdown is 5x when checking integrity, and read slowdown is 2.29x under the same circumstances.</a:t>
-            </a:r>
-          </a:p>
-          <a:p>
-            <a:pPr marL="285750" indent="-285750" algn="just">
-              <a:buFont typeface="Arial" panose="020B0604020202020204" pitchFamily="34" charset="0"/>
-              <a:buChar char="•"/>
-            </a:pPr>
-            <a:r>
-              <a:rPr lang="en-US" sz="1800" dirty="0">
-                <a:effectLst/>
-                <a:latin typeface="Times New Roman" panose="02020603050405020304" pitchFamily="18" charset="0"/>
-                <a:ea typeface="Times New Roman" panose="02020603050405020304" pitchFamily="18" charset="0"/>
-              </a:rPr>
-              <a:t> It is also noted that reading 4KB block is 2.2x slower than reading a 64B block. </a:t>
-            </a:r>
-          </a:p>
-          <a:p>
-            <a:pPr marL="285750" indent="-285750" algn="just">
-              <a:buFont typeface="Arial" panose="020B0604020202020204" pitchFamily="34" charset="0"/>
-              <a:buChar char="•"/>
-            </a:pPr>
-            <a:r>
-              <a:rPr lang="en-US" sz="1800" dirty="0">
-                <a:effectLst/>
-                <a:latin typeface="Times New Roman" panose="02020603050405020304" pitchFamily="18" charset="0"/>
-                <a:ea typeface="Times New Roman" panose="02020603050405020304" pitchFamily="18" charset="0"/>
-              </a:rPr>
-              <a:t> And write of 4KB is 0.625x slower than writing 64B.</a:t>
-            </a:r>
-          </a:p>
-          <a:p>
-            <a:pPr marL="285750" indent="-285750" algn="just">
-              <a:buFont typeface="Arial" panose="020B0604020202020204" pitchFamily="34" charset="0"/>
-              <a:buChar char="•"/>
-            </a:pPr>
-            <a:endParaRPr lang="en-GB" sz="1800" dirty="0">
-              <a:effectLst/>
-              <a:latin typeface="Times New Roman" panose="02020603050405020304" pitchFamily="18" charset="0"/>
-              <a:ea typeface="Times New Roman" panose="02020603050405020304" pitchFamily="18" charset="0"/>
-            </a:endParaRPr>
-          </a:p>
-          <a:p>
-            <a:pPr indent="128270" algn="just"/>
-            <a:r>
-              <a:rPr lang="en-US" sz="1800" dirty="0">
-                <a:effectLst/>
-                <a:latin typeface="Times New Roman" panose="02020603050405020304" pitchFamily="18" charset="0"/>
-                <a:ea typeface="Times New Roman" panose="02020603050405020304" pitchFamily="18" charset="0"/>
-              </a:rPr>
-              <a:t>It can be noted that integrity comes with a heavy price to pay, since the performance of read/write is seriously affected when using integrity checks. The important role of Cache in Merkle-tree based integrity system is portrayed in our results as well.  We leave it to future work to further optimize memory access latency. </a:t>
-            </a:r>
-            <a:endParaRPr lang="en-GB" sz="1800" dirty="0">
-              <a:effectLst/>
-              <a:latin typeface="Times New Roman" panose="02020603050405020304" pitchFamily="18" charset="0"/>
-              <a:ea typeface="Times New Roman" panose="02020603050405020304" pitchFamily="18" charset="0"/>
-            </a:endParaRPr>
-          </a:p>
-          <a:p>
-            <a:endParaRPr lang="en-GB" dirty="0"/>
-          </a:p>
-        </p:txBody>
-      </p:sp>
-      <p:sp>
-        <p:nvSpPr>
-          <p:cNvPr id="4" name="Slide Number Placeholder 3"/>
-          <p:cNvSpPr>
-            <a:spLocks noGrp="1"/>
-          </p:cNvSpPr>
-          <p:nvPr>
-            <p:ph type="sldNum" sz="quarter" idx="5"/>
-          </p:nvPr>
-        </p:nvSpPr>
-        <p:spPr/>
-        <p:txBody>
-          <a:bodyPr/>
-          <a:lstStyle/>
-          <a:p>
-            <a:fld id="{4B725628-3A68-42F4-BA86-981817953149}" type="slidenum">
-              <a:rPr lang="en-US" smtClean="0"/>
-              <a:t>25</a:t>
+              <a:t>28</a:t>
             </a:fld>
             <a:endParaRPr lang="en-US" dirty="0"/>
           </a:p>
@@ -4774,6 +5030,15 @@
             <a:r>
               <a:rPr lang="en-GB" dirty="0"/>
               <a:t>What should we write instead of “Our System”</a:t>
+            </a:r>
+          </a:p>
+          <a:p>
+            <a:endParaRPr lang="en-GB" dirty="0"/>
+          </a:p>
+          <a:p>
+            <a:r>
+              <a:rPr lang="en-GB" dirty="0"/>
+              <a:t>Note: Explain how does Log solve the power-shutdown issue (Recovery Process)</a:t>
             </a:r>
           </a:p>
         </p:txBody>
@@ -5138,9 +5403,43 @@
           <a:bodyPr/>
           <a:lstStyle/>
           <a:p>
+            <a:pPr marL="171450" indent="-171450">
+              <a:buFont typeface="Arial" panose="020B0604020202020204" pitchFamily="34" charset="0"/>
+              <a:buChar char="•"/>
+            </a:pPr>
             <a:r>
               <a:rPr lang="en-GB" dirty="0"/>
-              <a:t>* Note: Explain “CURRENT_STATE”</a:t>
+              <a:t>Note: Explain that the tree is virtual in both cases…</a:t>
+            </a:r>
+          </a:p>
+          <a:p>
+            <a:pPr marL="171450" indent="-171450">
+              <a:buFont typeface="Arial" panose="020B0604020202020204" pitchFamily="34" charset="0"/>
+              <a:buChar char="•"/>
+            </a:pPr>
+            <a:r>
+              <a:rPr lang="en-GB" dirty="0"/>
+              <a:t>Change in block leads to change in root</a:t>
+            </a:r>
+          </a:p>
+          <a:p>
+            <a:pPr marL="171450" indent="-171450">
+              <a:buFont typeface="Arial" panose="020B0604020202020204" pitchFamily="34" charset="0"/>
+              <a:buChar char="•"/>
+            </a:pPr>
+            <a:r>
+              <a:rPr lang="en-GB" dirty="0"/>
+              <a:t>Pre state on the left </a:t>
+            </a:r>
+          </a:p>
+          <a:p>
+            <a:pPr marL="171450" indent="-171450">
+              <a:buFont typeface="Arial" panose="020B0604020202020204" pitchFamily="34" charset="0"/>
+              <a:buChar char="•"/>
+            </a:pPr>
+            <a:r>
+              <a:rPr lang="en-GB" dirty="0"/>
+              <a:t>Post state on the right</a:t>
             </a:r>
           </a:p>
         </p:txBody>
@@ -5171,7 +5470,7 @@
     </p:spTree>
     <p:extLst>
       <p:ext uri="{BB962C8B-B14F-4D97-AF65-F5344CB8AC3E}">
-        <p14:creationId xmlns:p14="http://schemas.microsoft.com/office/powerpoint/2010/main" val="3685569246"/>
+        <p14:creationId xmlns:p14="http://schemas.microsoft.com/office/powerpoint/2010/main" val="3199563162"/>
       </p:ext>
     </p:extLst>
   </p:cSld>
@@ -26409,42 +26708,6 @@
           </a:p>
         </p:txBody>
       </p:sp>
-      <p:sp>
-        <p:nvSpPr>
-          <p:cNvPr id="22" name="TextBox 21">
-            <a:extLst>
-              <a:ext uri="{FF2B5EF4-FFF2-40B4-BE49-F238E27FC236}">
-                <a16:creationId xmlns:a16="http://schemas.microsoft.com/office/drawing/2014/main" id="{7A111537-2F45-4A8C-9E06-FB236F5022A2}"/>
-              </a:ext>
-            </a:extLst>
-          </p:cNvPr>
-          <p:cNvSpPr txBox="1"/>
-          <p:nvPr/>
-        </p:nvSpPr>
-        <p:spPr>
-          <a:xfrm>
-            <a:off x="3300639" y="2656777"/>
-            <a:ext cx="698809" cy="369332"/>
-          </a:xfrm>
-          <a:prstGeom prst="rect">
-            <a:avLst/>
-          </a:prstGeom>
-          <a:noFill/>
-        </p:spPr>
-        <p:txBody>
-          <a:bodyPr wrap="square" rtlCol="0">
-            <a:spAutoFit/>
-          </a:bodyPr>
-          <a:lstStyle/>
-          <a:p>
-            <a:r>
-              <a:rPr lang="en-US" dirty="0"/>
-              <a:t>Key</a:t>
-            </a:r>
-            <a:endParaRPr lang="en-GB" dirty="0"/>
-          </a:p>
-        </p:txBody>
-      </p:sp>
       <p:cxnSp>
         <p:nvCxnSpPr>
           <p:cNvPr id="61" name="Straight Arrow Connector 60">
@@ -26499,7 +26762,6 @@
           </p:cNvPr>
           <p:cNvCxnSpPr>
             <a:cxnSpLocks/>
-            <a:stCxn id="22" idx="3"/>
             <a:endCxn id="15" idx="0"/>
           </p:cNvCxnSpPr>
           <p:nvPr/>
@@ -26574,38 +26836,6 @@
           </a:fontRef>
         </p:style>
       </p:cxnSp>
-      <p:sp>
-        <p:nvSpPr>
-          <p:cNvPr id="87" name="TextBox 86">
-            <a:extLst>
-              <a:ext uri="{FF2B5EF4-FFF2-40B4-BE49-F238E27FC236}">
-                <a16:creationId xmlns:a16="http://schemas.microsoft.com/office/drawing/2014/main" id="{BF2698A6-D13C-4AD7-8BD9-5ED6A5347909}"/>
-              </a:ext>
-            </a:extLst>
-          </p:cNvPr>
-          <p:cNvSpPr txBox="1"/>
-          <p:nvPr/>
-        </p:nvSpPr>
-        <p:spPr>
-          <a:xfrm>
-            <a:off x="6038385" y="2882590"/>
-            <a:ext cx="914400" cy="914400"/>
-          </a:xfrm>
-          <a:prstGeom prst="rect">
-            <a:avLst/>
-          </a:prstGeom>
-          <a:noFill/>
-        </p:spPr>
-        <p:txBody>
-          <a:bodyPr wrap="square" rtlCol="0">
-            <a:spAutoFit/>
-          </a:bodyPr>
-          <a:lstStyle/>
-          <a:p>
-            <a:endParaRPr lang="en-GB" dirty="0"/>
-          </a:p>
-        </p:txBody>
-      </p:sp>
       <p:sp>
         <p:nvSpPr>
           <p:cNvPr id="88" name="Freeform: Shape 87">
@@ -26837,7 +27067,7 @@
         </p:nvSpPr>
         <p:spPr>
           <a:xfrm>
-            <a:off x="3155911" y="2654708"/>
+            <a:off x="3165853" y="2632626"/>
             <a:ext cx="833595" cy="393483"/>
           </a:xfrm>
           <a:custGeom>
@@ -27665,6 +27895,493 @@
   <p:clrMapOvr>
     <a:overrideClrMapping bg1="dk1" tx1="lt1" bg2="dk2" tx2="lt2" accent1="accent1" accent2="accent2" accent3="accent3" accent4="accent4" accent5="accent5" accent6="accent6" hlink="hlink" folHlink="folHlink"/>
   </p:clrMapOvr>
+  <p:timing>
+    <p:tnLst>
+      <p:par>
+        <p:cTn id="1" dur="indefinite" restart="never" nodeType="tmRoot">
+          <p:childTnLst>
+            <p:seq concurrent="1" nextAc="seek">
+              <p:cTn id="2" dur="indefinite" nodeType="mainSeq">
+                <p:childTnLst>
+                  <p:par>
+                    <p:cTn id="3" fill="hold">
+                      <p:stCondLst>
+                        <p:cond delay="indefinite"/>
+                      </p:stCondLst>
+                      <p:childTnLst>
+                        <p:par>
+                          <p:cTn id="4" fill="hold">
+                            <p:stCondLst>
+                              <p:cond delay="0"/>
+                            </p:stCondLst>
+                            <p:childTnLst>
+                              <p:par>
+                                <p:cTn id="5" presetID="1" presetClass="entr" presetSubtype="0" fill="hold" grpId="0" nodeType="clickEffect">
+                                  <p:stCondLst>
+                                    <p:cond delay="0"/>
+                                  </p:stCondLst>
+                                  <p:childTnLst>
+                                    <p:set>
+                                      <p:cBhvr>
+                                        <p:cTn id="6" dur="1" fill="hold">
+                                          <p:stCondLst>
+                                            <p:cond delay="0"/>
+                                          </p:stCondLst>
+                                        </p:cTn>
+                                        <p:tgtEl>
+                                          <p:spTgt spid="21"/>
+                                        </p:tgtEl>
+                                        <p:attrNameLst>
+                                          <p:attrName>style.visibility</p:attrName>
+                                        </p:attrNameLst>
+                                      </p:cBhvr>
+                                      <p:to>
+                                        <p:strVal val="visible"/>
+                                      </p:to>
+                                    </p:set>
+                                  </p:childTnLst>
+                                </p:cTn>
+                              </p:par>
+                            </p:childTnLst>
+                          </p:cTn>
+                        </p:par>
+                      </p:childTnLst>
+                    </p:cTn>
+                  </p:par>
+                  <p:par>
+                    <p:cTn id="7" fill="hold">
+                      <p:stCondLst>
+                        <p:cond delay="indefinite"/>
+                      </p:stCondLst>
+                      <p:childTnLst>
+                        <p:par>
+                          <p:cTn id="8" fill="hold">
+                            <p:stCondLst>
+                              <p:cond delay="0"/>
+                            </p:stCondLst>
+                            <p:childTnLst>
+                              <p:par>
+                                <p:cTn id="9" presetID="1" presetClass="entr" presetSubtype="0" fill="hold" grpId="0" nodeType="clickEffect">
+                                  <p:stCondLst>
+                                    <p:cond delay="0"/>
+                                  </p:stCondLst>
+                                  <p:childTnLst>
+                                    <p:set>
+                                      <p:cBhvr>
+                                        <p:cTn id="10" dur="1" fill="hold">
+                                          <p:stCondLst>
+                                            <p:cond delay="0"/>
+                                          </p:stCondLst>
+                                        </p:cTn>
+                                        <p:tgtEl>
+                                          <p:spTgt spid="89"/>
+                                        </p:tgtEl>
+                                        <p:attrNameLst>
+                                          <p:attrName>style.visibility</p:attrName>
+                                        </p:attrNameLst>
+                                      </p:cBhvr>
+                                      <p:to>
+                                        <p:strVal val="visible"/>
+                                      </p:to>
+                                    </p:set>
+                                  </p:childTnLst>
+                                </p:cTn>
+                              </p:par>
+                              <p:par>
+                                <p:cTn id="11" presetID="1" presetClass="entr" presetSubtype="0" fill="hold" grpId="0" nodeType="withEffect">
+                                  <p:stCondLst>
+                                    <p:cond delay="0"/>
+                                  </p:stCondLst>
+                                  <p:childTnLst>
+                                    <p:set>
+                                      <p:cBhvr>
+                                        <p:cTn id="12" dur="1" fill="hold">
+                                          <p:stCondLst>
+                                            <p:cond delay="0"/>
+                                          </p:stCondLst>
+                                        </p:cTn>
+                                        <p:tgtEl>
+                                          <p:spTgt spid="88"/>
+                                        </p:tgtEl>
+                                        <p:attrNameLst>
+                                          <p:attrName>style.visibility</p:attrName>
+                                        </p:attrNameLst>
+                                      </p:cBhvr>
+                                      <p:to>
+                                        <p:strVal val="visible"/>
+                                      </p:to>
+                                    </p:set>
+                                  </p:childTnLst>
+                                </p:cTn>
+                              </p:par>
+                              <p:par>
+                                <p:cTn id="13" presetID="1" presetClass="entr" presetSubtype="0" fill="hold" nodeType="withEffect">
+                                  <p:stCondLst>
+                                    <p:cond delay="0"/>
+                                  </p:stCondLst>
+                                  <p:childTnLst>
+                                    <p:set>
+                                      <p:cBhvr>
+                                        <p:cTn id="14" dur="1" fill="hold">
+                                          <p:stCondLst>
+                                            <p:cond delay="0"/>
+                                          </p:stCondLst>
+                                        </p:cTn>
+                                        <p:tgtEl>
+                                          <p:spTgt spid="84"/>
+                                        </p:tgtEl>
+                                        <p:attrNameLst>
+                                          <p:attrName>style.visibility</p:attrName>
+                                        </p:attrNameLst>
+                                      </p:cBhvr>
+                                      <p:to>
+                                        <p:strVal val="visible"/>
+                                      </p:to>
+                                    </p:set>
+                                  </p:childTnLst>
+                                </p:cTn>
+                              </p:par>
+                              <p:par>
+                                <p:cTn id="15" presetID="1" presetClass="entr" presetSubtype="0" fill="hold" nodeType="withEffect">
+                                  <p:stCondLst>
+                                    <p:cond delay="0"/>
+                                  </p:stCondLst>
+                                  <p:childTnLst>
+                                    <p:set>
+                                      <p:cBhvr>
+                                        <p:cTn id="16" dur="1" fill="hold">
+                                          <p:stCondLst>
+                                            <p:cond delay="0"/>
+                                          </p:stCondLst>
+                                        </p:cTn>
+                                        <p:tgtEl>
+                                          <p:spTgt spid="61"/>
+                                        </p:tgtEl>
+                                        <p:attrNameLst>
+                                          <p:attrName>style.visibility</p:attrName>
+                                        </p:attrNameLst>
+                                      </p:cBhvr>
+                                      <p:to>
+                                        <p:strVal val="visible"/>
+                                      </p:to>
+                                    </p:set>
+                                  </p:childTnLst>
+                                </p:cTn>
+                              </p:par>
+                              <p:par>
+                                <p:cTn id="17" presetID="1" presetClass="entr" presetSubtype="0" fill="hold" nodeType="withEffect">
+                                  <p:stCondLst>
+                                    <p:cond delay="0"/>
+                                  </p:stCondLst>
+                                  <p:childTnLst>
+                                    <p:set>
+                                      <p:cBhvr>
+                                        <p:cTn id="18" dur="1" fill="hold">
+                                          <p:stCondLst>
+                                            <p:cond delay="0"/>
+                                          </p:stCondLst>
+                                        </p:cTn>
+                                        <p:tgtEl>
+                                          <p:spTgt spid="83"/>
+                                        </p:tgtEl>
+                                        <p:attrNameLst>
+                                          <p:attrName>style.visibility</p:attrName>
+                                        </p:attrNameLst>
+                                      </p:cBhvr>
+                                      <p:to>
+                                        <p:strVal val="visible"/>
+                                      </p:to>
+                                    </p:set>
+                                  </p:childTnLst>
+                                </p:cTn>
+                              </p:par>
+                            </p:childTnLst>
+                          </p:cTn>
+                        </p:par>
+                      </p:childTnLst>
+                    </p:cTn>
+                  </p:par>
+                  <p:par>
+                    <p:cTn id="19" fill="hold">
+                      <p:stCondLst>
+                        <p:cond delay="indefinite"/>
+                      </p:stCondLst>
+                      <p:childTnLst>
+                        <p:par>
+                          <p:cTn id="20" fill="hold">
+                            <p:stCondLst>
+                              <p:cond delay="0"/>
+                            </p:stCondLst>
+                            <p:childTnLst>
+                              <p:par>
+                                <p:cTn id="21" presetID="1" presetClass="entr" presetSubtype="0" fill="hold" nodeType="clickEffect">
+                                  <p:stCondLst>
+                                    <p:cond delay="0"/>
+                                  </p:stCondLst>
+                                  <p:childTnLst>
+                                    <p:set>
+                                      <p:cBhvr>
+                                        <p:cTn id="22" dur="1" fill="hold">
+                                          <p:stCondLst>
+                                            <p:cond delay="0"/>
+                                          </p:stCondLst>
+                                        </p:cTn>
+                                        <p:tgtEl>
+                                          <p:spTgt spid="95"/>
+                                        </p:tgtEl>
+                                        <p:attrNameLst>
+                                          <p:attrName>style.visibility</p:attrName>
+                                        </p:attrNameLst>
+                                      </p:cBhvr>
+                                      <p:to>
+                                        <p:strVal val="visible"/>
+                                      </p:to>
+                                    </p:set>
+                                  </p:childTnLst>
+                                </p:cTn>
+                              </p:par>
+                              <p:par>
+                                <p:cTn id="23" presetID="1" presetClass="entr" presetSubtype="0" fill="hold" grpId="0" nodeType="withEffect">
+                                  <p:stCondLst>
+                                    <p:cond delay="0"/>
+                                  </p:stCondLst>
+                                  <p:childTnLst>
+                                    <p:set>
+                                      <p:cBhvr>
+                                        <p:cTn id="24" dur="1" fill="hold">
+                                          <p:stCondLst>
+                                            <p:cond delay="0"/>
+                                          </p:stCondLst>
+                                        </p:cTn>
+                                        <p:tgtEl>
+                                          <p:spTgt spid="91"/>
+                                        </p:tgtEl>
+                                        <p:attrNameLst>
+                                          <p:attrName>style.visibility</p:attrName>
+                                        </p:attrNameLst>
+                                      </p:cBhvr>
+                                      <p:to>
+                                        <p:strVal val="visible"/>
+                                      </p:to>
+                                    </p:set>
+                                  </p:childTnLst>
+                                </p:cTn>
+                              </p:par>
+                            </p:childTnLst>
+                          </p:cTn>
+                        </p:par>
+                      </p:childTnLst>
+                    </p:cTn>
+                  </p:par>
+                  <p:par>
+                    <p:cTn id="25" fill="hold">
+                      <p:stCondLst>
+                        <p:cond delay="indefinite"/>
+                      </p:stCondLst>
+                      <p:childTnLst>
+                        <p:par>
+                          <p:cTn id="26" fill="hold">
+                            <p:stCondLst>
+                              <p:cond delay="0"/>
+                            </p:stCondLst>
+                            <p:childTnLst>
+                              <p:par>
+                                <p:cTn id="27" presetID="42" presetClass="entr" presetSubtype="0" fill="hold" grpId="0" nodeType="clickEffect">
+                                  <p:stCondLst>
+                                    <p:cond delay="0"/>
+                                  </p:stCondLst>
+                                  <p:childTnLst>
+                                    <p:set>
+                                      <p:cBhvr>
+                                        <p:cTn id="28" dur="1" fill="hold">
+                                          <p:stCondLst>
+                                            <p:cond delay="0"/>
+                                          </p:stCondLst>
+                                        </p:cTn>
+                                        <p:tgtEl>
+                                          <p:spTgt spid="90"/>
+                                        </p:tgtEl>
+                                        <p:attrNameLst>
+                                          <p:attrName>style.visibility</p:attrName>
+                                        </p:attrNameLst>
+                                      </p:cBhvr>
+                                      <p:to>
+                                        <p:strVal val="visible"/>
+                                      </p:to>
+                                    </p:set>
+                                    <p:animEffect transition="in" filter="fade">
+                                      <p:cBhvr>
+                                        <p:cTn id="29" dur="1000"/>
+                                        <p:tgtEl>
+                                          <p:spTgt spid="90"/>
+                                        </p:tgtEl>
+                                      </p:cBhvr>
+                                    </p:animEffect>
+                                    <p:anim calcmode="lin" valueType="num">
+                                      <p:cBhvr>
+                                        <p:cTn id="30" dur="1000" fill="hold"/>
+                                        <p:tgtEl>
+                                          <p:spTgt spid="90"/>
+                                        </p:tgtEl>
+                                        <p:attrNameLst>
+                                          <p:attrName>ppt_x</p:attrName>
+                                        </p:attrNameLst>
+                                      </p:cBhvr>
+                                      <p:tavLst>
+                                        <p:tav tm="0">
+                                          <p:val>
+                                            <p:strVal val="#ppt_x"/>
+                                          </p:val>
+                                        </p:tav>
+                                        <p:tav tm="100000">
+                                          <p:val>
+                                            <p:strVal val="#ppt_x"/>
+                                          </p:val>
+                                        </p:tav>
+                                      </p:tavLst>
+                                    </p:anim>
+                                    <p:anim calcmode="lin" valueType="num">
+                                      <p:cBhvr>
+                                        <p:cTn id="31" dur="1000" fill="hold"/>
+                                        <p:tgtEl>
+                                          <p:spTgt spid="90"/>
+                                        </p:tgtEl>
+                                        <p:attrNameLst>
+                                          <p:attrName>ppt_y</p:attrName>
+                                        </p:attrNameLst>
+                                      </p:cBhvr>
+                                      <p:tavLst>
+                                        <p:tav tm="0">
+                                          <p:val>
+                                            <p:strVal val="#ppt_y+.1"/>
+                                          </p:val>
+                                        </p:tav>
+                                        <p:tav tm="100000">
+                                          <p:val>
+                                            <p:strVal val="#ppt_y"/>
+                                          </p:val>
+                                        </p:tav>
+                                      </p:tavLst>
+                                    </p:anim>
+                                  </p:childTnLst>
+                                </p:cTn>
+                              </p:par>
+                              <p:par>
+                                <p:cTn id="32" presetID="42" presetClass="entr" presetSubtype="0" fill="hold" nodeType="withEffect">
+                                  <p:stCondLst>
+                                    <p:cond delay="0"/>
+                                  </p:stCondLst>
+                                  <p:childTnLst>
+                                    <p:set>
+                                      <p:cBhvr>
+                                        <p:cTn id="33" dur="1" fill="hold">
+                                          <p:stCondLst>
+                                            <p:cond delay="0"/>
+                                          </p:stCondLst>
+                                        </p:cTn>
+                                        <p:tgtEl>
+                                          <p:spTgt spid="93"/>
+                                        </p:tgtEl>
+                                        <p:attrNameLst>
+                                          <p:attrName>style.visibility</p:attrName>
+                                        </p:attrNameLst>
+                                      </p:cBhvr>
+                                      <p:to>
+                                        <p:strVal val="visible"/>
+                                      </p:to>
+                                    </p:set>
+                                    <p:animEffect transition="in" filter="fade">
+                                      <p:cBhvr>
+                                        <p:cTn id="34" dur="1000"/>
+                                        <p:tgtEl>
+                                          <p:spTgt spid="93"/>
+                                        </p:tgtEl>
+                                      </p:cBhvr>
+                                    </p:animEffect>
+                                    <p:anim calcmode="lin" valueType="num">
+                                      <p:cBhvr>
+                                        <p:cTn id="35" dur="1000" fill="hold"/>
+                                        <p:tgtEl>
+                                          <p:spTgt spid="93"/>
+                                        </p:tgtEl>
+                                        <p:attrNameLst>
+                                          <p:attrName>ppt_x</p:attrName>
+                                        </p:attrNameLst>
+                                      </p:cBhvr>
+                                      <p:tavLst>
+                                        <p:tav tm="0">
+                                          <p:val>
+                                            <p:strVal val="#ppt_x"/>
+                                          </p:val>
+                                        </p:tav>
+                                        <p:tav tm="100000">
+                                          <p:val>
+                                            <p:strVal val="#ppt_x"/>
+                                          </p:val>
+                                        </p:tav>
+                                      </p:tavLst>
+                                    </p:anim>
+                                    <p:anim calcmode="lin" valueType="num">
+                                      <p:cBhvr>
+                                        <p:cTn id="36" dur="1000" fill="hold"/>
+                                        <p:tgtEl>
+                                          <p:spTgt spid="93"/>
+                                        </p:tgtEl>
+                                        <p:attrNameLst>
+                                          <p:attrName>ppt_y</p:attrName>
+                                        </p:attrNameLst>
+                                      </p:cBhvr>
+                                      <p:tavLst>
+                                        <p:tav tm="0">
+                                          <p:val>
+                                            <p:strVal val="#ppt_y+.1"/>
+                                          </p:val>
+                                        </p:tav>
+                                        <p:tav tm="100000">
+                                          <p:val>
+                                            <p:strVal val="#ppt_y"/>
+                                          </p:val>
+                                        </p:tav>
+                                      </p:tavLst>
+                                    </p:anim>
+                                  </p:childTnLst>
+                                </p:cTn>
+                              </p:par>
+                            </p:childTnLst>
+                          </p:cTn>
+                        </p:par>
+                      </p:childTnLst>
+                    </p:cTn>
+                  </p:par>
+                </p:childTnLst>
+              </p:cTn>
+              <p:prevCondLst>
+                <p:cond evt="onPrev" delay="0">
+                  <p:tgtEl>
+                    <p:sldTgt/>
+                  </p:tgtEl>
+                </p:cond>
+              </p:prevCondLst>
+              <p:nextCondLst>
+                <p:cond evt="onNext" delay="0">
+                  <p:tgtEl>
+                    <p:sldTgt/>
+                  </p:tgtEl>
+                </p:cond>
+              </p:nextCondLst>
+            </p:seq>
+          </p:childTnLst>
+        </p:cTn>
+      </p:par>
+    </p:tnLst>
+    <p:bldLst>
+      <p:bldP spid="21" grpId="0" animBg="1"/>
+      <p:bldP spid="88" grpId="0" animBg="1"/>
+      <p:bldP spid="89" grpId="0" animBg="1"/>
+      <p:bldP spid="90" grpId="0" animBg="1"/>
+      <p:bldP spid="91" grpId="0" animBg="1"/>
+    </p:bldLst>
+  </p:timing>
 </p:sld>
 </file>
 
@@ -31165,8 +31882,8 @@
         </p:nvSpPr>
         <p:spPr>
           <a:xfrm>
-            <a:off x="675736" y="2064618"/>
-            <a:ext cx="10977563" cy="2308324"/>
+            <a:off x="762000" y="1905005"/>
+            <a:ext cx="10977563" cy="2431435"/>
           </a:xfrm>
           <a:prstGeom prst="rect">
             <a:avLst/>
@@ -31191,11 +31908,11 @@
               <a:buChar char="§"/>
             </a:pPr>
             <a:r>
-              <a:rPr lang="en-US" dirty="0"/>
+              <a:rPr lang="en-US" sz="2000" dirty="0"/>
               <a:t>What happens</a:t>
             </a:r>
             <a:r>
-              <a:rPr lang="en-GB" dirty="0"/>
+              <a:rPr lang="en-GB" sz="2000" dirty="0"/>
               <a:t> if a power shutdown occurred in the middle of an ongoing write operation?</a:t>
             </a:r>
           </a:p>
@@ -31205,7 +31922,7 @@
               <a:buChar char="§"/>
             </a:pPr>
             <a:r>
-              <a:rPr lang="en-GB" dirty="0"/>
+              <a:rPr lang="en-GB" sz="2000" dirty="0"/>
               <a:t>If Our current system finished the Writing but was cut-off before updating the new root.</a:t>
             </a:r>
           </a:p>
@@ -31215,10 +31932,10 @@
               <a:buChar char="§"/>
             </a:pPr>
             <a:r>
-              <a:rPr lang="en-GB" dirty="0"/>
+              <a:rPr lang="en-GB" sz="2000" dirty="0"/>
               <a:t>In that case, after the restart The system will categorize this partial-write as an attack – thus making the memory unusable.</a:t>
             </a:r>
-            <a:endParaRPr lang="en-US" dirty="0"/>
+            <a:endParaRPr lang="en-US" sz="2000" dirty="0"/>
           </a:p>
           <a:p>
             <a:pPr lvl="1"/>
@@ -31940,7 +32657,7 @@
         </p:nvSpPr>
         <p:spPr>
           <a:xfrm rot="5400000">
-            <a:off x="5297753" y="5459013"/>
+            <a:off x="5318157" y="5443714"/>
             <a:ext cx="1042634" cy="276999"/>
           </a:xfrm>
           <a:prstGeom prst="rect">
@@ -31972,6 +32689,1140 @@
   <p:clrMapOvr>
     <a:overrideClrMapping bg1="dk1" tx1="lt1" bg2="dk2" tx2="lt2" accent1="accent1" accent2="accent2" accent3="accent3" accent4="accent4" accent5="accent5" accent6="accent6" hlink="hlink" folHlink="folHlink"/>
   </p:clrMapOvr>
+  <p:timing>
+    <p:tnLst>
+      <p:par>
+        <p:cTn id="1" dur="indefinite" restart="never" nodeType="tmRoot">
+          <p:childTnLst>
+            <p:seq concurrent="1" nextAc="seek">
+              <p:cTn id="2" dur="indefinite" nodeType="mainSeq">
+                <p:childTnLst>
+                  <p:par>
+                    <p:cTn id="3" fill="hold">
+                      <p:stCondLst>
+                        <p:cond delay="indefinite"/>
+                      </p:stCondLst>
+                      <p:childTnLst>
+                        <p:par>
+                          <p:cTn id="4" fill="hold">
+                            <p:stCondLst>
+                              <p:cond delay="0"/>
+                            </p:stCondLst>
+                            <p:childTnLst>
+                              <p:par>
+                                <p:cTn id="5" presetID="2" presetClass="entr" presetSubtype="4" fill="hold" grpId="0" nodeType="clickEffect">
+                                  <p:stCondLst>
+                                    <p:cond delay="0"/>
+                                  </p:stCondLst>
+                                  <p:childTnLst>
+                                    <p:set>
+                                      <p:cBhvr>
+                                        <p:cTn id="6" dur="1" fill="hold">
+                                          <p:stCondLst>
+                                            <p:cond delay="0"/>
+                                          </p:stCondLst>
+                                        </p:cTn>
+                                        <p:tgtEl>
+                                          <p:spTgt spid="4"/>
+                                        </p:tgtEl>
+                                        <p:attrNameLst>
+                                          <p:attrName>style.visibility</p:attrName>
+                                        </p:attrNameLst>
+                                      </p:cBhvr>
+                                      <p:to>
+                                        <p:strVal val="visible"/>
+                                      </p:to>
+                                    </p:set>
+                                    <p:anim calcmode="lin" valueType="num">
+                                      <p:cBhvr additive="base">
+                                        <p:cTn id="7" dur="500" fill="hold"/>
+                                        <p:tgtEl>
+                                          <p:spTgt spid="4"/>
+                                        </p:tgtEl>
+                                        <p:attrNameLst>
+                                          <p:attrName>ppt_x</p:attrName>
+                                        </p:attrNameLst>
+                                      </p:cBhvr>
+                                      <p:tavLst>
+                                        <p:tav tm="0">
+                                          <p:val>
+                                            <p:strVal val="#ppt_x"/>
+                                          </p:val>
+                                        </p:tav>
+                                        <p:tav tm="100000">
+                                          <p:val>
+                                            <p:strVal val="#ppt_x"/>
+                                          </p:val>
+                                        </p:tav>
+                                      </p:tavLst>
+                                    </p:anim>
+                                    <p:anim calcmode="lin" valueType="num">
+                                      <p:cBhvr additive="base">
+                                        <p:cTn id="8" dur="500" fill="hold"/>
+                                        <p:tgtEl>
+                                          <p:spTgt spid="4"/>
+                                        </p:tgtEl>
+                                        <p:attrNameLst>
+                                          <p:attrName>ppt_y</p:attrName>
+                                        </p:attrNameLst>
+                                      </p:cBhvr>
+                                      <p:tavLst>
+                                        <p:tav tm="0">
+                                          <p:val>
+                                            <p:strVal val="1+#ppt_h/2"/>
+                                          </p:val>
+                                        </p:tav>
+                                        <p:tav tm="100000">
+                                          <p:val>
+                                            <p:strVal val="#ppt_y"/>
+                                          </p:val>
+                                        </p:tav>
+                                      </p:tavLst>
+                                    </p:anim>
+                                  </p:childTnLst>
+                                </p:cTn>
+                              </p:par>
+                              <p:par>
+                                <p:cTn id="9" presetID="2" presetClass="entr" presetSubtype="4" fill="hold" nodeType="withEffect">
+                                  <p:stCondLst>
+                                    <p:cond delay="0"/>
+                                  </p:stCondLst>
+                                  <p:childTnLst>
+                                    <p:set>
+                                      <p:cBhvr>
+                                        <p:cTn id="10" dur="1" fill="hold">
+                                          <p:stCondLst>
+                                            <p:cond delay="0"/>
+                                          </p:stCondLst>
+                                        </p:cTn>
+                                        <p:tgtEl>
+                                          <p:spTgt spid="9"/>
+                                        </p:tgtEl>
+                                        <p:attrNameLst>
+                                          <p:attrName>style.visibility</p:attrName>
+                                        </p:attrNameLst>
+                                      </p:cBhvr>
+                                      <p:to>
+                                        <p:strVal val="visible"/>
+                                      </p:to>
+                                    </p:set>
+                                    <p:anim calcmode="lin" valueType="num">
+                                      <p:cBhvr additive="base">
+                                        <p:cTn id="11" dur="500" fill="hold"/>
+                                        <p:tgtEl>
+                                          <p:spTgt spid="9"/>
+                                        </p:tgtEl>
+                                        <p:attrNameLst>
+                                          <p:attrName>ppt_x</p:attrName>
+                                        </p:attrNameLst>
+                                      </p:cBhvr>
+                                      <p:tavLst>
+                                        <p:tav tm="0">
+                                          <p:val>
+                                            <p:strVal val="#ppt_x"/>
+                                          </p:val>
+                                        </p:tav>
+                                        <p:tav tm="100000">
+                                          <p:val>
+                                            <p:strVal val="#ppt_x"/>
+                                          </p:val>
+                                        </p:tav>
+                                      </p:tavLst>
+                                    </p:anim>
+                                    <p:anim calcmode="lin" valueType="num">
+                                      <p:cBhvr additive="base">
+                                        <p:cTn id="12" dur="500" fill="hold"/>
+                                        <p:tgtEl>
+                                          <p:spTgt spid="9"/>
+                                        </p:tgtEl>
+                                        <p:attrNameLst>
+                                          <p:attrName>ppt_y</p:attrName>
+                                        </p:attrNameLst>
+                                      </p:cBhvr>
+                                      <p:tavLst>
+                                        <p:tav tm="0">
+                                          <p:val>
+                                            <p:strVal val="1+#ppt_h/2"/>
+                                          </p:val>
+                                        </p:tav>
+                                        <p:tav tm="100000">
+                                          <p:val>
+                                            <p:strVal val="#ppt_y"/>
+                                          </p:val>
+                                        </p:tav>
+                                      </p:tavLst>
+                                    </p:anim>
+                                  </p:childTnLst>
+                                </p:cTn>
+                              </p:par>
+                            </p:childTnLst>
+                          </p:cTn>
+                        </p:par>
+                      </p:childTnLst>
+                    </p:cTn>
+                  </p:par>
+                  <p:par>
+                    <p:cTn id="13" fill="hold">
+                      <p:stCondLst>
+                        <p:cond delay="indefinite"/>
+                      </p:stCondLst>
+                      <p:childTnLst>
+                        <p:par>
+                          <p:cTn id="14" fill="hold">
+                            <p:stCondLst>
+                              <p:cond delay="0"/>
+                            </p:stCondLst>
+                            <p:childTnLst>
+                              <p:par>
+                                <p:cTn id="15" presetID="1" presetClass="entr" presetSubtype="0" fill="hold" nodeType="clickEffect">
+                                  <p:stCondLst>
+                                    <p:cond delay="0"/>
+                                  </p:stCondLst>
+                                  <p:childTnLst>
+                                    <p:set>
+                                      <p:cBhvr>
+                                        <p:cTn id="16" dur="1" fill="hold">
+                                          <p:stCondLst>
+                                            <p:cond delay="0"/>
+                                          </p:stCondLst>
+                                        </p:cTn>
+                                        <p:tgtEl>
+                                          <p:spTgt spid="12"/>
+                                        </p:tgtEl>
+                                        <p:attrNameLst>
+                                          <p:attrName>style.visibility</p:attrName>
+                                        </p:attrNameLst>
+                                      </p:cBhvr>
+                                      <p:to>
+                                        <p:strVal val="visible"/>
+                                      </p:to>
+                                    </p:set>
+                                  </p:childTnLst>
+                                </p:cTn>
+                              </p:par>
+                            </p:childTnLst>
+                          </p:cTn>
+                        </p:par>
+                      </p:childTnLst>
+                    </p:cTn>
+                  </p:par>
+                  <p:par>
+                    <p:cTn id="17" fill="hold">
+                      <p:stCondLst>
+                        <p:cond delay="indefinite"/>
+                      </p:stCondLst>
+                      <p:childTnLst>
+                        <p:par>
+                          <p:cTn id="18" fill="hold">
+                            <p:stCondLst>
+                              <p:cond delay="0"/>
+                            </p:stCondLst>
+                            <p:childTnLst>
+                              <p:par>
+                                <p:cTn id="19" presetID="31" presetClass="entr" presetSubtype="0" fill="hold" grpId="0" nodeType="clickEffect">
+                                  <p:stCondLst>
+                                    <p:cond delay="0"/>
+                                  </p:stCondLst>
+                                  <p:childTnLst>
+                                    <p:set>
+                                      <p:cBhvr>
+                                        <p:cTn id="20" dur="1" fill="hold">
+                                          <p:stCondLst>
+                                            <p:cond delay="0"/>
+                                          </p:stCondLst>
+                                        </p:cTn>
+                                        <p:tgtEl>
+                                          <p:spTgt spid="10"/>
+                                        </p:tgtEl>
+                                        <p:attrNameLst>
+                                          <p:attrName>style.visibility</p:attrName>
+                                        </p:attrNameLst>
+                                      </p:cBhvr>
+                                      <p:to>
+                                        <p:strVal val="visible"/>
+                                      </p:to>
+                                    </p:set>
+                                    <p:anim calcmode="lin" valueType="num">
+                                      <p:cBhvr>
+                                        <p:cTn id="21" dur="1000" fill="hold"/>
+                                        <p:tgtEl>
+                                          <p:spTgt spid="10"/>
+                                        </p:tgtEl>
+                                        <p:attrNameLst>
+                                          <p:attrName>ppt_w</p:attrName>
+                                        </p:attrNameLst>
+                                      </p:cBhvr>
+                                      <p:tavLst>
+                                        <p:tav tm="0">
+                                          <p:val>
+                                            <p:fltVal val="0"/>
+                                          </p:val>
+                                        </p:tav>
+                                        <p:tav tm="100000">
+                                          <p:val>
+                                            <p:strVal val="#ppt_w"/>
+                                          </p:val>
+                                        </p:tav>
+                                      </p:tavLst>
+                                    </p:anim>
+                                    <p:anim calcmode="lin" valueType="num">
+                                      <p:cBhvr>
+                                        <p:cTn id="22" dur="1000" fill="hold"/>
+                                        <p:tgtEl>
+                                          <p:spTgt spid="10"/>
+                                        </p:tgtEl>
+                                        <p:attrNameLst>
+                                          <p:attrName>ppt_h</p:attrName>
+                                        </p:attrNameLst>
+                                      </p:cBhvr>
+                                      <p:tavLst>
+                                        <p:tav tm="0">
+                                          <p:val>
+                                            <p:fltVal val="0"/>
+                                          </p:val>
+                                        </p:tav>
+                                        <p:tav tm="100000">
+                                          <p:val>
+                                            <p:strVal val="#ppt_h"/>
+                                          </p:val>
+                                        </p:tav>
+                                      </p:tavLst>
+                                    </p:anim>
+                                    <p:anim calcmode="lin" valueType="num">
+                                      <p:cBhvr>
+                                        <p:cTn id="23" dur="1000" fill="hold"/>
+                                        <p:tgtEl>
+                                          <p:spTgt spid="10"/>
+                                        </p:tgtEl>
+                                        <p:attrNameLst>
+                                          <p:attrName>style.rotation</p:attrName>
+                                        </p:attrNameLst>
+                                      </p:cBhvr>
+                                      <p:tavLst>
+                                        <p:tav tm="0">
+                                          <p:val>
+                                            <p:fltVal val="90"/>
+                                          </p:val>
+                                        </p:tav>
+                                        <p:tav tm="100000">
+                                          <p:val>
+                                            <p:fltVal val="0"/>
+                                          </p:val>
+                                        </p:tav>
+                                      </p:tavLst>
+                                    </p:anim>
+                                    <p:animEffect transition="in" filter="fade">
+                                      <p:cBhvr>
+                                        <p:cTn id="24" dur="1000"/>
+                                        <p:tgtEl>
+                                          <p:spTgt spid="10"/>
+                                        </p:tgtEl>
+                                      </p:cBhvr>
+                                    </p:animEffect>
+                                  </p:childTnLst>
+                                </p:cTn>
+                              </p:par>
+                              <p:par>
+                                <p:cTn id="25" presetID="31" presetClass="entr" presetSubtype="0" fill="hold" grpId="0" nodeType="withEffect">
+                                  <p:stCondLst>
+                                    <p:cond delay="0"/>
+                                  </p:stCondLst>
+                                  <p:childTnLst>
+                                    <p:set>
+                                      <p:cBhvr>
+                                        <p:cTn id="26" dur="1" fill="hold">
+                                          <p:stCondLst>
+                                            <p:cond delay="0"/>
+                                          </p:stCondLst>
+                                        </p:cTn>
+                                        <p:tgtEl>
+                                          <p:spTgt spid="13"/>
+                                        </p:tgtEl>
+                                        <p:attrNameLst>
+                                          <p:attrName>style.visibility</p:attrName>
+                                        </p:attrNameLst>
+                                      </p:cBhvr>
+                                      <p:to>
+                                        <p:strVal val="visible"/>
+                                      </p:to>
+                                    </p:set>
+                                    <p:anim calcmode="lin" valueType="num">
+                                      <p:cBhvr>
+                                        <p:cTn id="27" dur="1000" fill="hold"/>
+                                        <p:tgtEl>
+                                          <p:spTgt spid="13"/>
+                                        </p:tgtEl>
+                                        <p:attrNameLst>
+                                          <p:attrName>ppt_w</p:attrName>
+                                        </p:attrNameLst>
+                                      </p:cBhvr>
+                                      <p:tavLst>
+                                        <p:tav tm="0">
+                                          <p:val>
+                                            <p:fltVal val="0"/>
+                                          </p:val>
+                                        </p:tav>
+                                        <p:tav tm="100000">
+                                          <p:val>
+                                            <p:strVal val="#ppt_w"/>
+                                          </p:val>
+                                        </p:tav>
+                                      </p:tavLst>
+                                    </p:anim>
+                                    <p:anim calcmode="lin" valueType="num">
+                                      <p:cBhvr>
+                                        <p:cTn id="28" dur="1000" fill="hold"/>
+                                        <p:tgtEl>
+                                          <p:spTgt spid="13"/>
+                                        </p:tgtEl>
+                                        <p:attrNameLst>
+                                          <p:attrName>ppt_h</p:attrName>
+                                        </p:attrNameLst>
+                                      </p:cBhvr>
+                                      <p:tavLst>
+                                        <p:tav tm="0">
+                                          <p:val>
+                                            <p:fltVal val="0"/>
+                                          </p:val>
+                                        </p:tav>
+                                        <p:tav tm="100000">
+                                          <p:val>
+                                            <p:strVal val="#ppt_h"/>
+                                          </p:val>
+                                        </p:tav>
+                                      </p:tavLst>
+                                    </p:anim>
+                                    <p:anim calcmode="lin" valueType="num">
+                                      <p:cBhvr>
+                                        <p:cTn id="29" dur="1000" fill="hold"/>
+                                        <p:tgtEl>
+                                          <p:spTgt spid="13"/>
+                                        </p:tgtEl>
+                                        <p:attrNameLst>
+                                          <p:attrName>style.rotation</p:attrName>
+                                        </p:attrNameLst>
+                                      </p:cBhvr>
+                                      <p:tavLst>
+                                        <p:tav tm="0">
+                                          <p:val>
+                                            <p:fltVal val="90"/>
+                                          </p:val>
+                                        </p:tav>
+                                        <p:tav tm="100000">
+                                          <p:val>
+                                            <p:fltVal val="0"/>
+                                          </p:val>
+                                        </p:tav>
+                                      </p:tavLst>
+                                    </p:anim>
+                                    <p:animEffect transition="in" filter="fade">
+                                      <p:cBhvr>
+                                        <p:cTn id="30" dur="1000"/>
+                                        <p:tgtEl>
+                                          <p:spTgt spid="13"/>
+                                        </p:tgtEl>
+                                      </p:cBhvr>
+                                    </p:animEffect>
+                                  </p:childTnLst>
+                                </p:cTn>
+                              </p:par>
+                            </p:childTnLst>
+                          </p:cTn>
+                        </p:par>
+                      </p:childTnLst>
+                    </p:cTn>
+                  </p:par>
+                  <p:par>
+                    <p:cTn id="31" fill="hold">
+                      <p:stCondLst>
+                        <p:cond delay="indefinite"/>
+                      </p:stCondLst>
+                      <p:childTnLst>
+                        <p:par>
+                          <p:cTn id="32" fill="hold">
+                            <p:stCondLst>
+                              <p:cond delay="0"/>
+                            </p:stCondLst>
+                            <p:childTnLst>
+                              <p:par>
+                                <p:cTn id="33" presetID="10" presetClass="entr" presetSubtype="0" fill="hold" grpId="0" nodeType="clickEffect">
+                                  <p:stCondLst>
+                                    <p:cond delay="0"/>
+                                  </p:stCondLst>
+                                  <p:childTnLst>
+                                    <p:set>
+                                      <p:cBhvr>
+                                        <p:cTn id="34" dur="1" fill="hold">
+                                          <p:stCondLst>
+                                            <p:cond delay="0"/>
+                                          </p:stCondLst>
+                                        </p:cTn>
+                                        <p:tgtEl>
+                                          <p:spTgt spid="18"/>
+                                        </p:tgtEl>
+                                        <p:attrNameLst>
+                                          <p:attrName>style.visibility</p:attrName>
+                                        </p:attrNameLst>
+                                      </p:cBhvr>
+                                      <p:to>
+                                        <p:strVal val="visible"/>
+                                      </p:to>
+                                    </p:set>
+                                    <p:animEffect transition="in" filter="fade">
+                                      <p:cBhvr>
+                                        <p:cTn id="35" dur="500"/>
+                                        <p:tgtEl>
+                                          <p:spTgt spid="18"/>
+                                        </p:tgtEl>
+                                      </p:cBhvr>
+                                    </p:animEffect>
+                                  </p:childTnLst>
+                                </p:cTn>
+                              </p:par>
+                              <p:par>
+                                <p:cTn id="36" presetID="10" presetClass="entr" presetSubtype="0" fill="hold" nodeType="withEffect">
+                                  <p:stCondLst>
+                                    <p:cond delay="0"/>
+                                  </p:stCondLst>
+                                  <p:childTnLst>
+                                    <p:set>
+                                      <p:cBhvr>
+                                        <p:cTn id="37" dur="1" fill="hold">
+                                          <p:stCondLst>
+                                            <p:cond delay="0"/>
+                                          </p:stCondLst>
+                                        </p:cTn>
+                                        <p:tgtEl>
+                                          <p:spTgt spid="16"/>
+                                        </p:tgtEl>
+                                        <p:attrNameLst>
+                                          <p:attrName>style.visibility</p:attrName>
+                                        </p:attrNameLst>
+                                      </p:cBhvr>
+                                      <p:to>
+                                        <p:strVal val="visible"/>
+                                      </p:to>
+                                    </p:set>
+                                    <p:animEffect transition="in" filter="fade">
+                                      <p:cBhvr>
+                                        <p:cTn id="38" dur="500"/>
+                                        <p:tgtEl>
+                                          <p:spTgt spid="16"/>
+                                        </p:tgtEl>
+                                      </p:cBhvr>
+                                    </p:animEffect>
+                                  </p:childTnLst>
+                                </p:cTn>
+                              </p:par>
+                            </p:childTnLst>
+                          </p:cTn>
+                        </p:par>
+                      </p:childTnLst>
+                    </p:cTn>
+                  </p:par>
+                  <p:par>
+                    <p:cTn id="39" fill="hold">
+                      <p:stCondLst>
+                        <p:cond delay="indefinite"/>
+                      </p:stCondLst>
+                      <p:childTnLst>
+                        <p:par>
+                          <p:cTn id="40" fill="hold">
+                            <p:stCondLst>
+                              <p:cond delay="0"/>
+                            </p:stCondLst>
+                            <p:childTnLst>
+                              <p:par>
+                                <p:cTn id="41" presetID="26" presetClass="entr" presetSubtype="0" fill="hold" nodeType="clickEffect">
+                                  <p:stCondLst>
+                                    <p:cond delay="0"/>
+                                  </p:stCondLst>
+                                  <p:childTnLst>
+                                    <p:set>
+                                      <p:cBhvr>
+                                        <p:cTn id="42" dur="1" fill="hold">
+                                          <p:stCondLst>
+                                            <p:cond delay="0"/>
+                                          </p:stCondLst>
+                                        </p:cTn>
+                                        <p:tgtEl>
+                                          <p:spTgt spid="4098"/>
+                                        </p:tgtEl>
+                                        <p:attrNameLst>
+                                          <p:attrName>style.visibility</p:attrName>
+                                        </p:attrNameLst>
+                                      </p:cBhvr>
+                                      <p:to>
+                                        <p:strVal val="visible"/>
+                                      </p:to>
+                                    </p:set>
+                                    <p:animEffect transition="in" filter="wipe(down)">
+                                      <p:cBhvr>
+                                        <p:cTn id="43" dur="580">
+                                          <p:stCondLst>
+                                            <p:cond delay="0"/>
+                                          </p:stCondLst>
+                                        </p:cTn>
+                                        <p:tgtEl>
+                                          <p:spTgt spid="4098"/>
+                                        </p:tgtEl>
+                                      </p:cBhvr>
+                                    </p:animEffect>
+                                    <p:anim calcmode="lin" valueType="num">
+                                      <p:cBhvr>
+                                        <p:cTn id="44" dur="1822" tmFilter="0,0; 0.14,0.36; 0.43,0.73; 0.71,0.91; 1.0,1.0">
+                                          <p:stCondLst>
+                                            <p:cond delay="0"/>
+                                          </p:stCondLst>
+                                        </p:cTn>
+                                        <p:tgtEl>
+                                          <p:spTgt spid="4098"/>
+                                        </p:tgtEl>
+                                        <p:attrNameLst>
+                                          <p:attrName>ppt_x</p:attrName>
+                                        </p:attrNameLst>
+                                      </p:cBhvr>
+                                      <p:tavLst>
+                                        <p:tav tm="0">
+                                          <p:val>
+                                            <p:strVal val="#ppt_x-0.25"/>
+                                          </p:val>
+                                        </p:tav>
+                                        <p:tav tm="100000">
+                                          <p:val>
+                                            <p:strVal val="#ppt_x"/>
+                                          </p:val>
+                                        </p:tav>
+                                      </p:tavLst>
+                                    </p:anim>
+                                    <p:anim calcmode="lin" valueType="num">
+                                      <p:cBhvr>
+                                        <p:cTn id="45" dur="664" tmFilter="0.0,0.0; 0.25,0.07; 0.50,0.2; 0.75,0.467; 1.0,1.0">
+                                          <p:stCondLst>
+                                            <p:cond delay="0"/>
+                                          </p:stCondLst>
+                                        </p:cTn>
+                                        <p:tgtEl>
+                                          <p:spTgt spid="4098"/>
+                                        </p:tgtEl>
+                                        <p:attrNameLst>
+                                          <p:attrName>ppt_y</p:attrName>
+                                        </p:attrNameLst>
+                                      </p:cBhvr>
+                                      <p:tavLst>
+                                        <p:tav tm="0" fmla="#ppt_y-sin(pi*$)/3">
+                                          <p:val>
+                                            <p:fltVal val="0.5"/>
+                                          </p:val>
+                                        </p:tav>
+                                        <p:tav tm="100000">
+                                          <p:val>
+                                            <p:fltVal val="1"/>
+                                          </p:val>
+                                        </p:tav>
+                                      </p:tavLst>
+                                    </p:anim>
+                                    <p:anim calcmode="lin" valueType="num">
+                                      <p:cBhvr>
+                                        <p:cTn id="46" dur="664" tmFilter="0, 0; 0.125,0.2665; 0.25,0.4; 0.375,0.465; 0.5,0.5;  0.625,0.535; 0.75,0.6; 0.875,0.7335; 1,1">
+                                          <p:stCondLst>
+                                            <p:cond delay="664"/>
+                                          </p:stCondLst>
+                                        </p:cTn>
+                                        <p:tgtEl>
+                                          <p:spTgt spid="4098"/>
+                                        </p:tgtEl>
+                                        <p:attrNameLst>
+                                          <p:attrName>ppt_y</p:attrName>
+                                        </p:attrNameLst>
+                                      </p:cBhvr>
+                                      <p:tavLst>
+                                        <p:tav tm="0" fmla="#ppt_y-sin(pi*$)/9">
+                                          <p:val>
+                                            <p:fltVal val="0"/>
+                                          </p:val>
+                                        </p:tav>
+                                        <p:tav tm="100000">
+                                          <p:val>
+                                            <p:fltVal val="1"/>
+                                          </p:val>
+                                        </p:tav>
+                                      </p:tavLst>
+                                    </p:anim>
+                                    <p:anim calcmode="lin" valueType="num">
+                                      <p:cBhvr>
+                                        <p:cTn id="47" dur="332" tmFilter="0, 0; 0.125,0.2665; 0.25,0.4; 0.375,0.465; 0.5,0.5;  0.625,0.535; 0.75,0.6; 0.875,0.7335; 1,1">
+                                          <p:stCondLst>
+                                            <p:cond delay="1324"/>
+                                          </p:stCondLst>
+                                        </p:cTn>
+                                        <p:tgtEl>
+                                          <p:spTgt spid="4098"/>
+                                        </p:tgtEl>
+                                        <p:attrNameLst>
+                                          <p:attrName>ppt_y</p:attrName>
+                                        </p:attrNameLst>
+                                      </p:cBhvr>
+                                      <p:tavLst>
+                                        <p:tav tm="0" fmla="#ppt_y-sin(pi*$)/27">
+                                          <p:val>
+                                            <p:fltVal val="0"/>
+                                          </p:val>
+                                        </p:tav>
+                                        <p:tav tm="100000">
+                                          <p:val>
+                                            <p:fltVal val="1"/>
+                                          </p:val>
+                                        </p:tav>
+                                      </p:tavLst>
+                                    </p:anim>
+                                    <p:anim calcmode="lin" valueType="num">
+                                      <p:cBhvr>
+                                        <p:cTn id="48" dur="164" tmFilter="0, 0; 0.125,0.2665; 0.25,0.4; 0.375,0.465; 0.5,0.5;  0.625,0.535; 0.75,0.6; 0.875,0.7335; 1,1">
+                                          <p:stCondLst>
+                                            <p:cond delay="1656"/>
+                                          </p:stCondLst>
+                                        </p:cTn>
+                                        <p:tgtEl>
+                                          <p:spTgt spid="4098"/>
+                                        </p:tgtEl>
+                                        <p:attrNameLst>
+                                          <p:attrName>ppt_y</p:attrName>
+                                        </p:attrNameLst>
+                                      </p:cBhvr>
+                                      <p:tavLst>
+                                        <p:tav tm="0" fmla="#ppt_y-sin(pi*$)/81">
+                                          <p:val>
+                                            <p:fltVal val="0"/>
+                                          </p:val>
+                                        </p:tav>
+                                        <p:tav tm="100000">
+                                          <p:val>
+                                            <p:fltVal val="1"/>
+                                          </p:val>
+                                        </p:tav>
+                                      </p:tavLst>
+                                    </p:anim>
+                                    <p:animScale>
+                                      <p:cBhvr>
+                                        <p:cTn id="49" dur="26">
+                                          <p:stCondLst>
+                                            <p:cond delay="650"/>
+                                          </p:stCondLst>
+                                        </p:cTn>
+                                        <p:tgtEl>
+                                          <p:spTgt spid="4098"/>
+                                        </p:tgtEl>
+                                      </p:cBhvr>
+                                      <p:to x="100000" y="60000"/>
+                                    </p:animScale>
+                                    <p:animScale>
+                                      <p:cBhvr>
+                                        <p:cTn id="50" dur="166" decel="50000">
+                                          <p:stCondLst>
+                                            <p:cond delay="676"/>
+                                          </p:stCondLst>
+                                        </p:cTn>
+                                        <p:tgtEl>
+                                          <p:spTgt spid="4098"/>
+                                        </p:tgtEl>
+                                      </p:cBhvr>
+                                      <p:to x="100000" y="100000"/>
+                                    </p:animScale>
+                                    <p:animScale>
+                                      <p:cBhvr>
+                                        <p:cTn id="51" dur="26">
+                                          <p:stCondLst>
+                                            <p:cond delay="1312"/>
+                                          </p:stCondLst>
+                                        </p:cTn>
+                                        <p:tgtEl>
+                                          <p:spTgt spid="4098"/>
+                                        </p:tgtEl>
+                                      </p:cBhvr>
+                                      <p:to x="100000" y="80000"/>
+                                    </p:animScale>
+                                    <p:animScale>
+                                      <p:cBhvr>
+                                        <p:cTn id="52" dur="166" decel="50000">
+                                          <p:stCondLst>
+                                            <p:cond delay="1338"/>
+                                          </p:stCondLst>
+                                        </p:cTn>
+                                        <p:tgtEl>
+                                          <p:spTgt spid="4098"/>
+                                        </p:tgtEl>
+                                      </p:cBhvr>
+                                      <p:to x="100000" y="100000"/>
+                                    </p:animScale>
+                                    <p:animScale>
+                                      <p:cBhvr>
+                                        <p:cTn id="53" dur="26">
+                                          <p:stCondLst>
+                                            <p:cond delay="1642"/>
+                                          </p:stCondLst>
+                                        </p:cTn>
+                                        <p:tgtEl>
+                                          <p:spTgt spid="4098"/>
+                                        </p:tgtEl>
+                                      </p:cBhvr>
+                                      <p:to x="100000" y="90000"/>
+                                    </p:animScale>
+                                    <p:animScale>
+                                      <p:cBhvr>
+                                        <p:cTn id="54" dur="166" decel="50000">
+                                          <p:stCondLst>
+                                            <p:cond delay="1668"/>
+                                          </p:stCondLst>
+                                        </p:cTn>
+                                        <p:tgtEl>
+                                          <p:spTgt spid="4098"/>
+                                        </p:tgtEl>
+                                      </p:cBhvr>
+                                      <p:to x="100000" y="100000"/>
+                                    </p:animScale>
+                                    <p:animScale>
+                                      <p:cBhvr>
+                                        <p:cTn id="55" dur="26">
+                                          <p:stCondLst>
+                                            <p:cond delay="1808"/>
+                                          </p:stCondLst>
+                                        </p:cTn>
+                                        <p:tgtEl>
+                                          <p:spTgt spid="4098"/>
+                                        </p:tgtEl>
+                                      </p:cBhvr>
+                                      <p:to x="100000" y="95000"/>
+                                    </p:animScale>
+                                    <p:animScale>
+                                      <p:cBhvr>
+                                        <p:cTn id="56" dur="166" decel="50000">
+                                          <p:stCondLst>
+                                            <p:cond delay="1834"/>
+                                          </p:stCondLst>
+                                        </p:cTn>
+                                        <p:tgtEl>
+                                          <p:spTgt spid="4098"/>
+                                        </p:tgtEl>
+                                      </p:cBhvr>
+                                      <p:to x="100000" y="100000"/>
+                                    </p:animScale>
+                                  </p:childTnLst>
+                                </p:cTn>
+                              </p:par>
+                              <p:par>
+                                <p:cTn id="57" presetID="26" presetClass="entr" presetSubtype="0" fill="hold" grpId="0" nodeType="withEffect">
+                                  <p:stCondLst>
+                                    <p:cond delay="0"/>
+                                  </p:stCondLst>
+                                  <p:childTnLst>
+                                    <p:set>
+                                      <p:cBhvr>
+                                        <p:cTn id="58" dur="1" fill="hold">
+                                          <p:stCondLst>
+                                            <p:cond delay="0"/>
+                                          </p:stCondLst>
+                                        </p:cTn>
+                                        <p:tgtEl>
+                                          <p:spTgt spid="8"/>
+                                        </p:tgtEl>
+                                        <p:attrNameLst>
+                                          <p:attrName>style.visibility</p:attrName>
+                                        </p:attrNameLst>
+                                      </p:cBhvr>
+                                      <p:to>
+                                        <p:strVal val="visible"/>
+                                      </p:to>
+                                    </p:set>
+                                    <p:animEffect transition="in" filter="wipe(down)">
+                                      <p:cBhvr>
+                                        <p:cTn id="59" dur="580">
+                                          <p:stCondLst>
+                                            <p:cond delay="0"/>
+                                          </p:stCondLst>
+                                        </p:cTn>
+                                        <p:tgtEl>
+                                          <p:spTgt spid="8"/>
+                                        </p:tgtEl>
+                                      </p:cBhvr>
+                                    </p:animEffect>
+                                    <p:anim calcmode="lin" valueType="num">
+                                      <p:cBhvr>
+                                        <p:cTn id="60" dur="1822" tmFilter="0,0; 0.14,0.36; 0.43,0.73; 0.71,0.91; 1.0,1.0">
+                                          <p:stCondLst>
+                                            <p:cond delay="0"/>
+                                          </p:stCondLst>
+                                        </p:cTn>
+                                        <p:tgtEl>
+                                          <p:spTgt spid="8"/>
+                                        </p:tgtEl>
+                                        <p:attrNameLst>
+                                          <p:attrName>ppt_x</p:attrName>
+                                        </p:attrNameLst>
+                                      </p:cBhvr>
+                                      <p:tavLst>
+                                        <p:tav tm="0">
+                                          <p:val>
+                                            <p:strVal val="#ppt_x-0.25"/>
+                                          </p:val>
+                                        </p:tav>
+                                        <p:tav tm="100000">
+                                          <p:val>
+                                            <p:strVal val="#ppt_x"/>
+                                          </p:val>
+                                        </p:tav>
+                                      </p:tavLst>
+                                    </p:anim>
+                                    <p:anim calcmode="lin" valueType="num">
+                                      <p:cBhvr>
+                                        <p:cTn id="61" dur="664" tmFilter="0.0,0.0; 0.25,0.07; 0.50,0.2; 0.75,0.467; 1.0,1.0">
+                                          <p:stCondLst>
+                                            <p:cond delay="0"/>
+                                          </p:stCondLst>
+                                        </p:cTn>
+                                        <p:tgtEl>
+                                          <p:spTgt spid="8"/>
+                                        </p:tgtEl>
+                                        <p:attrNameLst>
+                                          <p:attrName>ppt_y</p:attrName>
+                                        </p:attrNameLst>
+                                      </p:cBhvr>
+                                      <p:tavLst>
+                                        <p:tav tm="0" fmla="#ppt_y-sin(pi*$)/3">
+                                          <p:val>
+                                            <p:fltVal val="0.5"/>
+                                          </p:val>
+                                        </p:tav>
+                                        <p:tav tm="100000">
+                                          <p:val>
+                                            <p:fltVal val="1"/>
+                                          </p:val>
+                                        </p:tav>
+                                      </p:tavLst>
+                                    </p:anim>
+                                    <p:anim calcmode="lin" valueType="num">
+                                      <p:cBhvr>
+                                        <p:cTn id="62" dur="664" tmFilter="0, 0; 0.125,0.2665; 0.25,0.4; 0.375,0.465; 0.5,0.5;  0.625,0.535; 0.75,0.6; 0.875,0.7335; 1,1">
+                                          <p:stCondLst>
+                                            <p:cond delay="664"/>
+                                          </p:stCondLst>
+                                        </p:cTn>
+                                        <p:tgtEl>
+                                          <p:spTgt spid="8"/>
+                                        </p:tgtEl>
+                                        <p:attrNameLst>
+                                          <p:attrName>ppt_y</p:attrName>
+                                        </p:attrNameLst>
+                                      </p:cBhvr>
+                                      <p:tavLst>
+                                        <p:tav tm="0" fmla="#ppt_y-sin(pi*$)/9">
+                                          <p:val>
+                                            <p:fltVal val="0"/>
+                                          </p:val>
+                                        </p:tav>
+                                        <p:tav tm="100000">
+                                          <p:val>
+                                            <p:fltVal val="1"/>
+                                          </p:val>
+                                        </p:tav>
+                                      </p:tavLst>
+                                    </p:anim>
+                                    <p:anim calcmode="lin" valueType="num">
+                                      <p:cBhvr>
+                                        <p:cTn id="63" dur="332" tmFilter="0, 0; 0.125,0.2665; 0.25,0.4; 0.375,0.465; 0.5,0.5;  0.625,0.535; 0.75,0.6; 0.875,0.7335; 1,1">
+                                          <p:stCondLst>
+                                            <p:cond delay="1324"/>
+                                          </p:stCondLst>
+                                        </p:cTn>
+                                        <p:tgtEl>
+                                          <p:spTgt spid="8"/>
+                                        </p:tgtEl>
+                                        <p:attrNameLst>
+                                          <p:attrName>ppt_y</p:attrName>
+                                        </p:attrNameLst>
+                                      </p:cBhvr>
+                                      <p:tavLst>
+                                        <p:tav tm="0" fmla="#ppt_y-sin(pi*$)/27">
+                                          <p:val>
+                                            <p:fltVal val="0"/>
+                                          </p:val>
+                                        </p:tav>
+                                        <p:tav tm="100000">
+                                          <p:val>
+                                            <p:fltVal val="1"/>
+                                          </p:val>
+                                        </p:tav>
+                                      </p:tavLst>
+                                    </p:anim>
+                                    <p:anim calcmode="lin" valueType="num">
+                                      <p:cBhvr>
+                                        <p:cTn id="64" dur="164" tmFilter="0, 0; 0.125,0.2665; 0.25,0.4; 0.375,0.465; 0.5,0.5;  0.625,0.535; 0.75,0.6; 0.875,0.7335; 1,1">
+                                          <p:stCondLst>
+                                            <p:cond delay="1656"/>
+                                          </p:stCondLst>
+                                        </p:cTn>
+                                        <p:tgtEl>
+                                          <p:spTgt spid="8"/>
+                                        </p:tgtEl>
+                                        <p:attrNameLst>
+                                          <p:attrName>ppt_y</p:attrName>
+                                        </p:attrNameLst>
+                                      </p:cBhvr>
+                                      <p:tavLst>
+                                        <p:tav tm="0" fmla="#ppt_y-sin(pi*$)/81">
+                                          <p:val>
+                                            <p:fltVal val="0"/>
+                                          </p:val>
+                                        </p:tav>
+                                        <p:tav tm="100000">
+                                          <p:val>
+                                            <p:fltVal val="1"/>
+                                          </p:val>
+                                        </p:tav>
+                                      </p:tavLst>
+                                    </p:anim>
+                                    <p:animScale>
+                                      <p:cBhvr>
+                                        <p:cTn id="65" dur="26">
+                                          <p:stCondLst>
+                                            <p:cond delay="650"/>
+                                          </p:stCondLst>
+                                        </p:cTn>
+                                        <p:tgtEl>
+                                          <p:spTgt spid="8"/>
+                                        </p:tgtEl>
+                                      </p:cBhvr>
+                                      <p:to x="100000" y="60000"/>
+                                    </p:animScale>
+                                    <p:animScale>
+                                      <p:cBhvr>
+                                        <p:cTn id="66" dur="166" decel="50000">
+                                          <p:stCondLst>
+                                            <p:cond delay="676"/>
+                                          </p:stCondLst>
+                                        </p:cTn>
+                                        <p:tgtEl>
+                                          <p:spTgt spid="8"/>
+                                        </p:tgtEl>
+                                      </p:cBhvr>
+                                      <p:to x="100000" y="100000"/>
+                                    </p:animScale>
+                                    <p:animScale>
+                                      <p:cBhvr>
+                                        <p:cTn id="67" dur="26">
+                                          <p:stCondLst>
+                                            <p:cond delay="1312"/>
+                                          </p:stCondLst>
+                                        </p:cTn>
+                                        <p:tgtEl>
+                                          <p:spTgt spid="8"/>
+                                        </p:tgtEl>
+                                      </p:cBhvr>
+                                      <p:to x="100000" y="80000"/>
+                                    </p:animScale>
+                                    <p:animScale>
+                                      <p:cBhvr>
+                                        <p:cTn id="68" dur="166" decel="50000">
+                                          <p:stCondLst>
+                                            <p:cond delay="1338"/>
+                                          </p:stCondLst>
+                                        </p:cTn>
+                                        <p:tgtEl>
+                                          <p:spTgt spid="8"/>
+                                        </p:tgtEl>
+                                      </p:cBhvr>
+                                      <p:to x="100000" y="100000"/>
+                                    </p:animScale>
+                                    <p:animScale>
+                                      <p:cBhvr>
+                                        <p:cTn id="69" dur="26">
+                                          <p:stCondLst>
+                                            <p:cond delay="1642"/>
+                                          </p:stCondLst>
+                                        </p:cTn>
+                                        <p:tgtEl>
+                                          <p:spTgt spid="8"/>
+                                        </p:tgtEl>
+                                      </p:cBhvr>
+                                      <p:to x="100000" y="90000"/>
+                                    </p:animScale>
+                                    <p:animScale>
+                                      <p:cBhvr>
+                                        <p:cTn id="70" dur="166" decel="50000">
+                                          <p:stCondLst>
+                                            <p:cond delay="1668"/>
+                                          </p:stCondLst>
+                                        </p:cTn>
+                                        <p:tgtEl>
+                                          <p:spTgt spid="8"/>
+                                        </p:tgtEl>
+                                      </p:cBhvr>
+                                      <p:to x="100000" y="100000"/>
+                                    </p:animScale>
+                                    <p:animScale>
+                                      <p:cBhvr>
+                                        <p:cTn id="71" dur="26">
+                                          <p:stCondLst>
+                                            <p:cond delay="1808"/>
+                                          </p:stCondLst>
+                                        </p:cTn>
+                                        <p:tgtEl>
+                                          <p:spTgt spid="8"/>
+                                        </p:tgtEl>
+                                      </p:cBhvr>
+                                      <p:to x="100000" y="95000"/>
+                                    </p:animScale>
+                                    <p:animScale>
+                                      <p:cBhvr>
+                                        <p:cTn id="72" dur="166" decel="50000">
+                                          <p:stCondLst>
+                                            <p:cond delay="1834"/>
+                                          </p:stCondLst>
+                                        </p:cTn>
+                                        <p:tgtEl>
+                                          <p:spTgt spid="8"/>
+                                        </p:tgtEl>
+                                      </p:cBhvr>
+                                      <p:to x="100000" y="100000"/>
+                                    </p:animScale>
+                                  </p:childTnLst>
+                                </p:cTn>
+                              </p:par>
+                            </p:childTnLst>
+                          </p:cTn>
+                        </p:par>
+                      </p:childTnLst>
+                    </p:cTn>
+                  </p:par>
+                </p:childTnLst>
+              </p:cTn>
+              <p:prevCondLst>
+                <p:cond evt="onPrev" delay="0">
+                  <p:tgtEl>
+                    <p:sldTgt/>
+                  </p:tgtEl>
+                </p:cond>
+              </p:prevCondLst>
+              <p:nextCondLst>
+                <p:cond evt="onNext" delay="0">
+                  <p:tgtEl>
+                    <p:sldTgt/>
+                  </p:tgtEl>
+                </p:cond>
+              </p:nextCondLst>
+            </p:seq>
+          </p:childTnLst>
+        </p:cTn>
+      </p:par>
+    </p:tnLst>
+    <p:bldLst>
+      <p:bldP spid="4" grpId="0" animBg="1"/>
+      <p:bldP spid="13" grpId="0" animBg="1"/>
+      <p:bldP spid="18" grpId="0"/>
+      <p:bldP spid="8" grpId="0"/>
+      <p:bldP spid="10" grpId="0"/>
+    </p:bldLst>
+  </p:timing>
 </p:sld>
 </file>
 
@@ -32193,7 +34044,10 @@
               <a:buFont typeface="Arial" panose="020B0604020202020204" pitchFamily="34" charset="0"/>
               <a:buChar char="•"/>
             </a:pPr>
-            <a:endParaRPr lang="en-US" dirty="0"/>
+            <a:r>
+              <a:rPr lang="en-US" dirty="0"/>
+              <a:t>We used LRU cache</a:t>
+            </a:r>
           </a:p>
         </p:txBody>
       </p:sp>
@@ -32735,7 +34589,7 @@
 </file>
 
 <file path=ppt/slides/slide18.xml><?xml version="1.0" encoding="utf-8"?>
-<p:sld xmlns:a="http://schemas.openxmlformats.org/drawingml/2006/main" xmlns:r="http://schemas.openxmlformats.org/officeDocument/2006/relationships" xmlns:p="http://schemas.openxmlformats.org/presentationml/2006/main">
+<p:sld xmlns:a="http://schemas.openxmlformats.org/drawingml/2006/main" xmlns:r="http://schemas.openxmlformats.org/officeDocument/2006/relationships" xmlns:p="http://schemas.openxmlformats.org/presentationml/2006/main" show="0">
   <p:cSld>
     <p:bg>
       <p:bgPr>
@@ -33035,6 +34889,66 @@
           </a:p>
         </p:txBody>
       </p:sp>
+      <p:pic>
+        <p:nvPicPr>
+          <p:cNvPr id="5" name="Picture 4">
+            <a:extLst>
+              <a:ext uri="{FF2B5EF4-FFF2-40B4-BE49-F238E27FC236}">
+                <a16:creationId xmlns:a16="http://schemas.microsoft.com/office/drawing/2014/main" id="{223B631B-CBBF-494A-8224-24DAC7FC1592}"/>
+              </a:ext>
+            </a:extLst>
+          </p:cNvPr>
+          <p:cNvPicPr>
+            <a:picLocks noChangeAspect="1"/>
+          </p:cNvPicPr>
+          <p:nvPr/>
+        </p:nvPicPr>
+        <p:blipFill>
+          <a:blip r:embed="rId3"/>
+          <a:stretch>
+            <a:fillRect/>
+          </a:stretch>
+        </p:blipFill>
+        <p:spPr>
+          <a:xfrm>
+            <a:off x="901464" y="4375268"/>
+            <a:ext cx="4229454" cy="1819120"/>
+          </a:xfrm>
+          <a:prstGeom prst="rect">
+            <a:avLst/>
+          </a:prstGeom>
+        </p:spPr>
+      </p:pic>
+      <p:pic>
+        <p:nvPicPr>
+          <p:cNvPr id="7" name="Picture 6">
+            <a:extLst>
+              <a:ext uri="{FF2B5EF4-FFF2-40B4-BE49-F238E27FC236}">
+                <a16:creationId xmlns:a16="http://schemas.microsoft.com/office/drawing/2014/main" id="{65749B53-0087-49E2-AFC9-31B08BD3DE85}"/>
+              </a:ext>
+            </a:extLst>
+          </p:cNvPr>
+          <p:cNvPicPr>
+            <a:picLocks noChangeAspect="1"/>
+          </p:cNvPicPr>
+          <p:nvPr/>
+        </p:nvPicPr>
+        <p:blipFill>
+          <a:blip r:embed="rId4"/>
+          <a:stretch>
+            <a:fillRect/>
+          </a:stretch>
+        </p:blipFill>
+        <p:spPr>
+          <a:xfrm>
+            <a:off x="5748490" y="4251356"/>
+            <a:ext cx="5995835" cy="2308324"/>
+          </a:xfrm>
+          <a:prstGeom prst="rect">
+            <a:avLst/>
+          </a:prstGeom>
+        </p:spPr>
+      </p:pic>
     </p:spTree>
     <p:extLst>
       <p:ext uri="{BB962C8B-B14F-4D97-AF65-F5344CB8AC3E}">
@@ -33049,6 +34963,3990 @@
 </file>
 
 <file path=ppt/slides/slide19.xml><?xml version="1.0" encoding="utf-8"?>
+<p:sld xmlns:a="http://schemas.openxmlformats.org/drawingml/2006/main" xmlns:r="http://schemas.openxmlformats.org/officeDocument/2006/relationships" xmlns:p="http://schemas.openxmlformats.org/presentationml/2006/main">
+  <p:cSld>
+    <p:bg>
+      <p:bgPr>
+        <a:solidFill>
+          <a:schemeClr val="bg1">
+            <a:tint val="95000"/>
+            <a:shade val="85000"/>
+            <a:satMod val="125000"/>
+          </a:schemeClr>
+        </a:solidFill>
+        <a:effectLst/>
+      </p:bgPr>
+    </p:bg>
+    <p:spTree>
+      <p:nvGrpSpPr>
+        <p:cNvPr id="1" name=""/>
+        <p:cNvGrpSpPr/>
+        <p:nvPr/>
+      </p:nvGrpSpPr>
+      <p:grpSpPr>
+        <a:xfrm>
+          <a:off x="0" y="0"/>
+          <a:ext cx="0" cy="0"/>
+          <a:chOff x="0" y="0"/>
+          <a:chExt cx="0" cy="0"/>
+        </a:xfrm>
+      </p:grpSpPr>
+      <p:sp useBgFill="1">
+        <p:nvSpPr>
+          <p:cNvPr id="19" name="Rectangle 14">
+            <a:extLst>
+              <a:ext uri="{FF2B5EF4-FFF2-40B4-BE49-F238E27FC236}">
+                <a16:creationId xmlns:a16="http://schemas.microsoft.com/office/drawing/2014/main" id="{F9B8E572-2CE6-4185-BC38-989024BC010D}"/>
+              </a:ext>
+              <a:ext uri="{C183D7F6-B498-43B3-948B-1728B52AA6E4}">
+                <adec:decorative xmlns:adec="http://schemas.microsoft.com/office/drawing/2017/decorative" val="1"/>
+              </a:ext>
+            </a:extLst>
+          </p:cNvPr>
+          <p:cNvSpPr>
+            <a:spLocks noGrp="1" noRot="1" noChangeAspect="1" noMove="1" noResize="1" noEditPoints="1" noAdjustHandles="1" noChangeArrowheads="1" noChangeShapeType="1" noTextEdit="1"/>
+          </p:cNvSpPr>
+          <p:nvPr>
+            <p:extLst>
+              <p:ext uri="{386F3935-93C4-4BCD-93E2-E3B085C9AB24}">
+                <p16:designElem xmlns:p16="http://schemas.microsoft.com/office/powerpoint/2015/main" val="1"/>
+              </p:ext>
+            </p:extLst>
+          </p:nvPr>
+        </p:nvSpPr>
+        <p:spPr>
+          <a:xfrm>
+            <a:off x="0" y="0"/>
+            <a:ext cx="12192000" cy="6858000"/>
+          </a:xfrm>
+          <a:prstGeom prst="rect">
+            <a:avLst/>
+          </a:prstGeom>
+          <a:ln>
+            <a:noFill/>
+          </a:ln>
+        </p:spPr>
+        <p:style>
+          <a:lnRef idx="2">
+            <a:schemeClr val="accent1">
+              <a:shade val="50000"/>
+            </a:schemeClr>
+          </a:lnRef>
+          <a:fillRef idx="1">
+            <a:schemeClr val="accent1"/>
+          </a:fillRef>
+          <a:effectRef idx="0">
+            <a:schemeClr val="accent1"/>
+          </a:effectRef>
+          <a:fontRef idx="minor">
+            <a:schemeClr val="lt1"/>
+          </a:fontRef>
+        </p:style>
+        <p:txBody>
+          <a:bodyPr rtlCol="0" anchor="ctr"/>
+          <a:lstStyle/>
+          <a:p>
+            <a:pPr algn="ctr"/>
+            <a:endParaRPr lang="en-US"/>
+          </a:p>
+        </p:txBody>
+      </p:sp>
+      <p:sp>
+        <p:nvSpPr>
+          <p:cNvPr id="2" name="Title 1">
+            <a:extLst>
+              <a:ext uri="{FF2B5EF4-FFF2-40B4-BE49-F238E27FC236}">
+                <a16:creationId xmlns:a16="http://schemas.microsoft.com/office/drawing/2014/main" id="{C42A5C9E-B316-4DBD-BB36-FE9D2519E3CF}"/>
+              </a:ext>
+            </a:extLst>
+          </p:cNvPr>
+          <p:cNvSpPr>
+            <a:spLocks noGrp="1"/>
+          </p:cNvSpPr>
+          <p:nvPr>
+            <p:ph type="title"/>
+          </p:nvPr>
+        </p:nvSpPr>
+        <p:spPr>
+          <a:xfrm>
+            <a:off x="1024128" y="585216"/>
+            <a:ext cx="9720072" cy="1152144"/>
+          </a:xfrm>
+        </p:spPr>
+        <p:txBody>
+          <a:bodyPr>
+            <a:normAutofit/>
+          </a:bodyPr>
+          <a:lstStyle/>
+          <a:p>
+            <a:r>
+              <a:rPr lang="en-GB" dirty="0" err="1"/>
+              <a:t>VERIFy_BLOCK_Integrity</a:t>
+            </a:r>
+            <a:r>
+              <a:rPr lang="en-GB" dirty="0"/>
+              <a:t>()</a:t>
+            </a:r>
+          </a:p>
+        </p:txBody>
+      </p:sp>
+      <p:cxnSp>
+        <p:nvCxnSpPr>
+          <p:cNvPr id="20" name="Straight Connector 16">
+            <a:extLst>
+              <a:ext uri="{FF2B5EF4-FFF2-40B4-BE49-F238E27FC236}">
+                <a16:creationId xmlns:a16="http://schemas.microsoft.com/office/drawing/2014/main" id="{75415567-45D9-4FB5-B020-6FAD77889407}"/>
+              </a:ext>
+              <a:ext uri="{C183D7F6-B498-43B3-948B-1728B52AA6E4}">
+                <adec:decorative xmlns:adec="http://schemas.microsoft.com/office/drawing/2017/decorative" val="1"/>
+              </a:ext>
+            </a:extLst>
+          </p:cNvPr>
+          <p:cNvCxnSpPr>
+            <a:cxnSpLocks noGrp="1" noRot="1" noChangeAspect="1" noMove="1" noResize="1" noEditPoints="1" noAdjustHandles="1" noChangeArrowheads="1" noChangeShapeType="1"/>
+          </p:cNvCxnSpPr>
+          <p:nvPr>
+            <p:extLst>
+              <p:ext uri="{386F3935-93C4-4BCD-93E2-E3B085C9AB24}">
+                <p16:designElem xmlns:p16="http://schemas.microsoft.com/office/powerpoint/2015/main" val="1"/>
+              </p:ext>
+            </p:extLst>
+          </p:nvPr>
+        </p:nvCxnSpPr>
+        <p:spPr>
+          <a:xfrm flipV="1">
+            <a:off x="762000" y="826324"/>
+            <a:ext cx="0" cy="914400"/>
+          </a:xfrm>
+          <a:prstGeom prst="line">
+            <a:avLst/>
+          </a:prstGeom>
+          <a:ln w="19050">
+            <a:solidFill>
+              <a:schemeClr val="accent1"/>
+            </a:solidFill>
+          </a:ln>
+        </p:spPr>
+        <p:style>
+          <a:lnRef idx="1">
+            <a:schemeClr val="accent1"/>
+          </a:lnRef>
+          <a:fillRef idx="0">
+            <a:schemeClr val="accent1"/>
+          </a:fillRef>
+          <a:effectRef idx="0">
+            <a:schemeClr val="accent1"/>
+          </a:effectRef>
+          <a:fontRef idx="minor">
+            <a:schemeClr val="tx1"/>
+          </a:fontRef>
+        </p:style>
+      </p:cxnSp>
+      <p:sp>
+        <p:nvSpPr>
+          <p:cNvPr id="10" name="Rectangle 9">
+            <a:extLst>
+              <a:ext uri="{FF2B5EF4-FFF2-40B4-BE49-F238E27FC236}">
+                <a16:creationId xmlns:a16="http://schemas.microsoft.com/office/drawing/2014/main" id="{F673650D-21D2-46CB-B16A-5E2DC714583D}"/>
+              </a:ext>
+            </a:extLst>
+          </p:cNvPr>
+          <p:cNvSpPr/>
+          <p:nvPr/>
+        </p:nvSpPr>
+        <p:spPr>
+          <a:xfrm>
+            <a:off x="352994" y="2206254"/>
+            <a:ext cx="2386362" cy="930286"/>
+          </a:xfrm>
+          <a:prstGeom prst="rect">
+            <a:avLst/>
+          </a:prstGeom>
+        </p:spPr>
+        <p:style>
+          <a:lnRef idx="2">
+            <a:schemeClr val="accent2">
+              <a:shade val="50000"/>
+            </a:schemeClr>
+          </a:lnRef>
+          <a:fillRef idx="1">
+            <a:schemeClr val="accent2"/>
+          </a:fillRef>
+          <a:effectRef idx="0">
+            <a:schemeClr val="accent2"/>
+          </a:effectRef>
+          <a:fontRef idx="minor">
+            <a:schemeClr val="lt1"/>
+          </a:fontRef>
+        </p:style>
+        <p:txBody>
+          <a:bodyPr rtlCol="0" anchor="ctr"/>
+          <a:lstStyle/>
+          <a:p>
+            <a:pPr algn="ctr"/>
+            <a:r>
+              <a:rPr lang="en-GB" dirty="0"/>
+              <a:t>Trusted Area</a:t>
+            </a:r>
+          </a:p>
+          <a:p>
+            <a:pPr algn="ctr"/>
+            <a:endParaRPr lang="en-GB" dirty="0"/>
+          </a:p>
+          <a:p>
+            <a:pPr algn="ctr"/>
+            <a:r>
+              <a:rPr lang="en-GB" dirty="0"/>
+              <a:t>Trusted Root = c4d69c</a:t>
+            </a:r>
+          </a:p>
+        </p:txBody>
+      </p:sp>
+      <p:sp>
+        <p:nvSpPr>
+          <p:cNvPr id="6" name="Rectangle 5">
+            <a:extLst>
+              <a:ext uri="{FF2B5EF4-FFF2-40B4-BE49-F238E27FC236}">
+                <a16:creationId xmlns:a16="http://schemas.microsoft.com/office/drawing/2014/main" id="{771DA490-BC37-4033-B642-348671916886}"/>
+              </a:ext>
+            </a:extLst>
+          </p:cNvPr>
+          <p:cNvSpPr/>
+          <p:nvPr/>
+        </p:nvSpPr>
+        <p:spPr>
+          <a:xfrm>
+            <a:off x="1962616" y="5585606"/>
+            <a:ext cx="1717286" cy="996027"/>
+          </a:xfrm>
+          <a:prstGeom prst="rect">
+            <a:avLst/>
+          </a:prstGeom>
+        </p:spPr>
+        <p:style>
+          <a:lnRef idx="2">
+            <a:schemeClr val="accent2">
+              <a:shade val="50000"/>
+            </a:schemeClr>
+          </a:lnRef>
+          <a:fillRef idx="1">
+            <a:schemeClr val="accent2"/>
+          </a:fillRef>
+          <a:effectRef idx="0">
+            <a:schemeClr val="accent2"/>
+          </a:effectRef>
+          <a:fontRef idx="minor">
+            <a:schemeClr val="lt1"/>
+          </a:fontRef>
+        </p:style>
+        <p:txBody>
+          <a:bodyPr rtlCol="0" anchor="ctr"/>
+          <a:lstStyle/>
+          <a:p>
+            <a:pPr algn="ctr"/>
+            <a:r>
+              <a:rPr lang="en-GB" dirty="0"/>
+              <a:t>6dcd4c</a:t>
+            </a:r>
+          </a:p>
+        </p:txBody>
+      </p:sp>
+      <p:sp>
+        <p:nvSpPr>
+          <p:cNvPr id="14" name="Rectangle 13">
+            <a:extLst>
+              <a:ext uri="{FF2B5EF4-FFF2-40B4-BE49-F238E27FC236}">
+                <a16:creationId xmlns:a16="http://schemas.microsoft.com/office/drawing/2014/main" id="{C099EE56-9AA2-4BE7-9806-1BDC45DABE2E}"/>
+              </a:ext>
+            </a:extLst>
+          </p:cNvPr>
+          <p:cNvSpPr/>
+          <p:nvPr/>
+        </p:nvSpPr>
+        <p:spPr>
+          <a:xfrm>
+            <a:off x="4278352" y="5569508"/>
+            <a:ext cx="1717286" cy="996027"/>
+          </a:xfrm>
+          <a:prstGeom prst="rect">
+            <a:avLst/>
+          </a:prstGeom>
+        </p:spPr>
+        <p:style>
+          <a:lnRef idx="2">
+            <a:schemeClr val="accent2">
+              <a:shade val="50000"/>
+            </a:schemeClr>
+          </a:lnRef>
+          <a:fillRef idx="1">
+            <a:schemeClr val="accent2"/>
+          </a:fillRef>
+          <a:effectRef idx="0">
+            <a:schemeClr val="accent2"/>
+          </a:effectRef>
+          <a:fontRef idx="minor">
+            <a:schemeClr val="lt1"/>
+          </a:fontRef>
+        </p:style>
+        <p:txBody>
+          <a:bodyPr rtlCol="0" anchor="ctr"/>
+          <a:lstStyle/>
+          <a:p>
+            <a:pPr algn="ctr"/>
+            <a:r>
+              <a:rPr lang="en-GB" dirty="0"/>
+              <a:t>ae4f28</a:t>
+            </a:r>
+          </a:p>
+        </p:txBody>
+      </p:sp>
+      <p:sp>
+        <p:nvSpPr>
+          <p:cNvPr id="15" name="Rectangle 14">
+            <a:extLst>
+              <a:ext uri="{FF2B5EF4-FFF2-40B4-BE49-F238E27FC236}">
+                <a16:creationId xmlns:a16="http://schemas.microsoft.com/office/drawing/2014/main" id="{B6940747-7B4A-49C7-9394-374BCC291DFE}"/>
+              </a:ext>
+            </a:extLst>
+          </p:cNvPr>
+          <p:cNvSpPr/>
+          <p:nvPr/>
+        </p:nvSpPr>
+        <p:spPr>
+          <a:xfrm>
+            <a:off x="6612676" y="5588403"/>
+            <a:ext cx="1717286" cy="996027"/>
+          </a:xfrm>
+          <a:prstGeom prst="rect">
+            <a:avLst/>
+          </a:prstGeom>
+        </p:spPr>
+        <p:style>
+          <a:lnRef idx="2">
+            <a:schemeClr val="accent2">
+              <a:shade val="50000"/>
+            </a:schemeClr>
+          </a:lnRef>
+          <a:fillRef idx="1">
+            <a:schemeClr val="accent2"/>
+          </a:fillRef>
+          <a:effectRef idx="0">
+            <a:schemeClr val="accent2"/>
+          </a:effectRef>
+          <a:fontRef idx="minor">
+            <a:schemeClr val="lt1"/>
+          </a:fontRef>
+        </p:style>
+        <p:txBody>
+          <a:bodyPr rtlCol="0" anchor="ctr"/>
+          <a:lstStyle/>
+          <a:p>
+            <a:pPr algn="ctr"/>
+            <a:r>
+              <a:rPr lang="en-GB" dirty="0"/>
+              <a:t>32096c</a:t>
+            </a:r>
+          </a:p>
+        </p:txBody>
+      </p:sp>
+      <p:sp>
+        <p:nvSpPr>
+          <p:cNvPr id="16" name="Rectangle 15">
+            <a:extLst>
+              <a:ext uri="{FF2B5EF4-FFF2-40B4-BE49-F238E27FC236}">
+                <a16:creationId xmlns:a16="http://schemas.microsoft.com/office/drawing/2014/main" id="{ED1B45FE-281A-4CD5-8A9A-DDF445AF71E5}"/>
+              </a:ext>
+            </a:extLst>
+          </p:cNvPr>
+          <p:cNvSpPr/>
+          <p:nvPr/>
+        </p:nvSpPr>
+        <p:spPr>
+          <a:xfrm>
+            <a:off x="8816899" y="5560005"/>
+            <a:ext cx="1717286" cy="996027"/>
+          </a:xfrm>
+          <a:prstGeom prst="rect">
+            <a:avLst/>
+          </a:prstGeom>
+        </p:spPr>
+        <p:style>
+          <a:lnRef idx="2">
+            <a:schemeClr val="accent2">
+              <a:shade val="50000"/>
+            </a:schemeClr>
+          </a:lnRef>
+          <a:fillRef idx="1">
+            <a:schemeClr val="accent2"/>
+          </a:fillRef>
+          <a:effectRef idx="0">
+            <a:schemeClr val="accent2"/>
+          </a:effectRef>
+          <a:fontRef idx="minor">
+            <a:schemeClr val="lt1"/>
+          </a:fontRef>
+        </p:style>
+        <p:txBody>
+          <a:bodyPr rtlCol="0" anchor="ctr"/>
+          <a:lstStyle/>
+          <a:p>
+            <a:pPr algn="ctr"/>
+            <a:r>
+              <a:rPr lang="en-GB" dirty="0"/>
+              <a:t>50c9e8</a:t>
+            </a:r>
+          </a:p>
+        </p:txBody>
+      </p:sp>
+      <p:sp>
+        <p:nvSpPr>
+          <p:cNvPr id="17" name="Rectangle 16">
+            <a:extLst>
+              <a:ext uri="{FF2B5EF4-FFF2-40B4-BE49-F238E27FC236}">
+                <a16:creationId xmlns:a16="http://schemas.microsoft.com/office/drawing/2014/main" id="{FDBE892A-2C89-4E69-BC22-69D764637F17}"/>
+              </a:ext>
+            </a:extLst>
+          </p:cNvPr>
+          <p:cNvSpPr/>
+          <p:nvPr/>
+        </p:nvSpPr>
+        <p:spPr>
+          <a:xfrm>
+            <a:off x="3152080" y="4186426"/>
+            <a:ext cx="1717286" cy="996027"/>
+          </a:xfrm>
+          <a:prstGeom prst="rect">
+            <a:avLst/>
+          </a:prstGeom>
+        </p:spPr>
+        <p:style>
+          <a:lnRef idx="2">
+            <a:schemeClr val="accent2">
+              <a:shade val="50000"/>
+            </a:schemeClr>
+          </a:lnRef>
+          <a:fillRef idx="1">
+            <a:schemeClr val="accent2"/>
+          </a:fillRef>
+          <a:effectRef idx="0">
+            <a:schemeClr val="accent2"/>
+          </a:effectRef>
+          <a:fontRef idx="minor">
+            <a:schemeClr val="lt1"/>
+          </a:fontRef>
+        </p:style>
+        <p:txBody>
+          <a:bodyPr rtlCol="0" anchor="ctr"/>
+          <a:lstStyle/>
+          <a:p>
+            <a:pPr algn="ctr"/>
+            <a:r>
+              <a:rPr lang="en-GB" dirty="0"/>
+              <a:t>859572</a:t>
+            </a:r>
+          </a:p>
+        </p:txBody>
+      </p:sp>
+      <p:sp>
+        <p:nvSpPr>
+          <p:cNvPr id="18" name="Rectangle 17">
+            <a:extLst>
+              <a:ext uri="{FF2B5EF4-FFF2-40B4-BE49-F238E27FC236}">
+                <a16:creationId xmlns:a16="http://schemas.microsoft.com/office/drawing/2014/main" id="{E3172256-F1FA-4B8A-BE84-230CCA98B426}"/>
+              </a:ext>
+            </a:extLst>
+          </p:cNvPr>
+          <p:cNvSpPr/>
+          <p:nvPr/>
+        </p:nvSpPr>
+        <p:spPr>
+          <a:xfrm>
+            <a:off x="7887633" y="4186425"/>
+            <a:ext cx="1717286" cy="996027"/>
+          </a:xfrm>
+          <a:prstGeom prst="rect">
+            <a:avLst/>
+          </a:prstGeom>
+        </p:spPr>
+        <p:style>
+          <a:lnRef idx="2">
+            <a:schemeClr val="accent2">
+              <a:shade val="50000"/>
+            </a:schemeClr>
+          </a:lnRef>
+          <a:fillRef idx="1">
+            <a:schemeClr val="accent2"/>
+          </a:fillRef>
+          <a:effectRef idx="0">
+            <a:schemeClr val="accent2"/>
+          </a:effectRef>
+          <a:fontRef idx="minor">
+            <a:schemeClr val="lt1"/>
+          </a:fontRef>
+        </p:style>
+        <p:txBody>
+          <a:bodyPr rtlCol="0" anchor="ctr"/>
+          <a:lstStyle/>
+          <a:p>
+            <a:pPr algn="ctr"/>
+            <a:r>
+              <a:rPr lang="en-GB" dirty="0"/>
+              <a:t>51c4bf</a:t>
+            </a:r>
+          </a:p>
+        </p:txBody>
+      </p:sp>
+      <p:sp>
+        <p:nvSpPr>
+          <p:cNvPr id="21" name="Rectangle 20">
+            <a:extLst>
+              <a:ext uri="{FF2B5EF4-FFF2-40B4-BE49-F238E27FC236}">
+                <a16:creationId xmlns:a16="http://schemas.microsoft.com/office/drawing/2014/main" id="{75A979FD-D0EA-4498-85BD-F5AA652EF61D}"/>
+              </a:ext>
+            </a:extLst>
+          </p:cNvPr>
+          <p:cNvSpPr/>
+          <p:nvPr/>
+        </p:nvSpPr>
+        <p:spPr>
+          <a:xfrm>
+            <a:off x="5237357" y="2478078"/>
+            <a:ext cx="1717286" cy="996027"/>
+          </a:xfrm>
+          <a:prstGeom prst="rect">
+            <a:avLst/>
+          </a:prstGeom>
+        </p:spPr>
+        <p:style>
+          <a:lnRef idx="2">
+            <a:schemeClr val="accent2">
+              <a:shade val="50000"/>
+            </a:schemeClr>
+          </a:lnRef>
+          <a:fillRef idx="1">
+            <a:schemeClr val="accent2"/>
+          </a:fillRef>
+          <a:effectRef idx="0">
+            <a:schemeClr val="accent2"/>
+          </a:effectRef>
+          <a:fontRef idx="minor">
+            <a:schemeClr val="lt1"/>
+          </a:fontRef>
+        </p:style>
+        <p:txBody>
+          <a:bodyPr rtlCol="0" anchor="ctr"/>
+          <a:lstStyle/>
+          <a:p>
+            <a:pPr algn="ctr"/>
+            <a:r>
+              <a:rPr lang="en-GB" dirty="0"/>
+              <a:t>c4d69c</a:t>
+            </a:r>
+          </a:p>
+        </p:txBody>
+      </p:sp>
+      <p:cxnSp>
+        <p:nvCxnSpPr>
+          <p:cNvPr id="11" name="Straight Arrow Connector 10">
+            <a:extLst>
+              <a:ext uri="{FF2B5EF4-FFF2-40B4-BE49-F238E27FC236}">
+                <a16:creationId xmlns:a16="http://schemas.microsoft.com/office/drawing/2014/main" id="{213A3265-A137-4168-8D06-206A16C34925}"/>
+              </a:ext>
+            </a:extLst>
+          </p:cNvPr>
+          <p:cNvCxnSpPr>
+            <a:stCxn id="6" idx="0"/>
+            <a:endCxn id="17" idx="2"/>
+          </p:cNvCxnSpPr>
+          <p:nvPr/>
+        </p:nvCxnSpPr>
+        <p:spPr>
+          <a:xfrm flipV="1">
+            <a:off x="2821259" y="5182453"/>
+            <a:ext cx="1189464" cy="403153"/>
+          </a:xfrm>
+          <a:prstGeom prst="straightConnector1">
+            <a:avLst/>
+          </a:prstGeom>
+          <a:ln>
+            <a:tailEnd type="triangle"/>
+          </a:ln>
+        </p:spPr>
+        <p:style>
+          <a:lnRef idx="1">
+            <a:schemeClr val="accent1"/>
+          </a:lnRef>
+          <a:fillRef idx="0">
+            <a:schemeClr val="accent1"/>
+          </a:fillRef>
+          <a:effectRef idx="0">
+            <a:schemeClr val="accent1"/>
+          </a:effectRef>
+          <a:fontRef idx="minor">
+            <a:schemeClr val="tx1"/>
+          </a:fontRef>
+        </p:style>
+      </p:cxnSp>
+      <p:cxnSp>
+        <p:nvCxnSpPr>
+          <p:cNvPr id="22" name="Straight Arrow Connector 21">
+            <a:extLst>
+              <a:ext uri="{FF2B5EF4-FFF2-40B4-BE49-F238E27FC236}">
+                <a16:creationId xmlns:a16="http://schemas.microsoft.com/office/drawing/2014/main" id="{D733909B-C3C2-406E-B48C-E84EA8B46776}"/>
+              </a:ext>
+            </a:extLst>
+          </p:cNvPr>
+          <p:cNvCxnSpPr>
+            <a:stCxn id="14" idx="0"/>
+            <a:endCxn id="17" idx="2"/>
+          </p:cNvCxnSpPr>
+          <p:nvPr/>
+        </p:nvCxnSpPr>
+        <p:spPr>
+          <a:xfrm flipH="1" flipV="1">
+            <a:off x="4010723" y="5182453"/>
+            <a:ext cx="1126272" cy="387055"/>
+          </a:xfrm>
+          <a:prstGeom prst="straightConnector1">
+            <a:avLst/>
+          </a:prstGeom>
+          <a:ln>
+            <a:tailEnd type="triangle"/>
+          </a:ln>
+        </p:spPr>
+        <p:style>
+          <a:lnRef idx="1">
+            <a:schemeClr val="accent1"/>
+          </a:lnRef>
+          <a:fillRef idx="0">
+            <a:schemeClr val="accent1"/>
+          </a:fillRef>
+          <a:effectRef idx="0">
+            <a:schemeClr val="accent1"/>
+          </a:effectRef>
+          <a:fontRef idx="minor">
+            <a:schemeClr val="tx1"/>
+          </a:fontRef>
+        </p:style>
+      </p:cxnSp>
+      <p:cxnSp>
+        <p:nvCxnSpPr>
+          <p:cNvPr id="23" name="Straight Arrow Connector 22">
+            <a:extLst>
+              <a:ext uri="{FF2B5EF4-FFF2-40B4-BE49-F238E27FC236}">
+                <a16:creationId xmlns:a16="http://schemas.microsoft.com/office/drawing/2014/main" id="{70977F83-A748-4F08-960D-A4D67777153B}"/>
+              </a:ext>
+            </a:extLst>
+          </p:cNvPr>
+          <p:cNvCxnSpPr/>
+          <p:nvPr/>
+        </p:nvCxnSpPr>
+        <p:spPr>
+          <a:xfrm flipH="1" flipV="1">
+            <a:off x="8642195" y="5190501"/>
+            <a:ext cx="1126272" cy="387055"/>
+          </a:xfrm>
+          <a:prstGeom prst="straightConnector1">
+            <a:avLst/>
+          </a:prstGeom>
+          <a:ln>
+            <a:tailEnd type="triangle"/>
+          </a:ln>
+        </p:spPr>
+        <p:style>
+          <a:lnRef idx="1">
+            <a:schemeClr val="accent1"/>
+          </a:lnRef>
+          <a:fillRef idx="0">
+            <a:schemeClr val="accent1"/>
+          </a:fillRef>
+          <a:effectRef idx="0">
+            <a:schemeClr val="accent1"/>
+          </a:effectRef>
+          <a:fontRef idx="minor">
+            <a:schemeClr val="tx1"/>
+          </a:fontRef>
+        </p:style>
+      </p:cxnSp>
+      <p:cxnSp>
+        <p:nvCxnSpPr>
+          <p:cNvPr id="24" name="Straight Arrow Connector 23">
+            <a:extLst>
+              <a:ext uri="{FF2B5EF4-FFF2-40B4-BE49-F238E27FC236}">
+                <a16:creationId xmlns:a16="http://schemas.microsoft.com/office/drawing/2014/main" id="{B9F6ADFA-BC25-46D4-B0FA-C8A8B8E22A62}"/>
+              </a:ext>
+            </a:extLst>
+          </p:cNvPr>
+          <p:cNvCxnSpPr>
+            <a:cxnSpLocks/>
+            <a:stCxn id="15" idx="0"/>
+          </p:cNvCxnSpPr>
+          <p:nvPr/>
+        </p:nvCxnSpPr>
+        <p:spPr>
+          <a:xfrm flipV="1">
+            <a:off x="7471319" y="5210850"/>
+            <a:ext cx="1189464" cy="377553"/>
+          </a:xfrm>
+          <a:prstGeom prst="straightConnector1">
+            <a:avLst/>
+          </a:prstGeom>
+          <a:ln>
+            <a:tailEnd type="triangle"/>
+          </a:ln>
+        </p:spPr>
+        <p:style>
+          <a:lnRef idx="1">
+            <a:schemeClr val="accent1"/>
+          </a:lnRef>
+          <a:fillRef idx="0">
+            <a:schemeClr val="accent1"/>
+          </a:fillRef>
+          <a:effectRef idx="0">
+            <a:schemeClr val="accent1"/>
+          </a:effectRef>
+          <a:fontRef idx="minor">
+            <a:schemeClr val="tx1"/>
+          </a:fontRef>
+        </p:style>
+      </p:cxnSp>
+      <p:cxnSp>
+        <p:nvCxnSpPr>
+          <p:cNvPr id="29" name="Straight Arrow Connector 28">
+            <a:extLst>
+              <a:ext uri="{FF2B5EF4-FFF2-40B4-BE49-F238E27FC236}">
+                <a16:creationId xmlns:a16="http://schemas.microsoft.com/office/drawing/2014/main" id="{892F0B9F-17DA-4324-8864-95316F9BFA2E}"/>
+              </a:ext>
+            </a:extLst>
+          </p:cNvPr>
+          <p:cNvCxnSpPr>
+            <a:stCxn id="17" idx="0"/>
+            <a:endCxn id="21" idx="2"/>
+          </p:cNvCxnSpPr>
+          <p:nvPr/>
+        </p:nvCxnSpPr>
+        <p:spPr>
+          <a:xfrm flipV="1">
+            <a:off x="4010723" y="3474105"/>
+            <a:ext cx="2085277" cy="712321"/>
+          </a:xfrm>
+          <a:prstGeom prst="straightConnector1">
+            <a:avLst/>
+          </a:prstGeom>
+          <a:ln>
+            <a:tailEnd type="triangle"/>
+          </a:ln>
+        </p:spPr>
+        <p:style>
+          <a:lnRef idx="1">
+            <a:schemeClr val="accent1"/>
+          </a:lnRef>
+          <a:fillRef idx="0">
+            <a:schemeClr val="accent1"/>
+          </a:fillRef>
+          <a:effectRef idx="0">
+            <a:schemeClr val="accent1"/>
+          </a:effectRef>
+          <a:fontRef idx="minor">
+            <a:schemeClr val="tx1"/>
+          </a:fontRef>
+        </p:style>
+      </p:cxnSp>
+      <p:cxnSp>
+        <p:nvCxnSpPr>
+          <p:cNvPr id="32" name="Straight Arrow Connector 31">
+            <a:extLst>
+              <a:ext uri="{FF2B5EF4-FFF2-40B4-BE49-F238E27FC236}">
+                <a16:creationId xmlns:a16="http://schemas.microsoft.com/office/drawing/2014/main" id="{3B73C443-9399-4E39-A3D7-BA10350ECC53}"/>
+              </a:ext>
+            </a:extLst>
+          </p:cNvPr>
+          <p:cNvCxnSpPr>
+            <a:stCxn id="18" idx="0"/>
+            <a:endCxn id="21" idx="2"/>
+          </p:cNvCxnSpPr>
+          <p:nvPr/>
+        </p:nvCxnSpPr>
+        <p:spPr>
+          <a:xfrm flipH="1" flipV="1">
+            <a:off x="6096000" y="3474105"/>
+            <a:ext cx="2650276" cy="712320"/>
+          </a:xfrm>
+          <a:prstGeom prst="straightConnector1">
+            <a:avLst/>
+          </a:prstGeom>
+          <a:ln>
+            <a:tailEnd type="triangle"/>
+          </a:ln>
+        </p:spPr>
+        <p:style>
+          <a:lnRef idx="1">
+            <a:schemeClr val="accent1"/>
+          </a:lnRef>
+          <a:fillRef idx="0">
+            <a:schemeClr val="accent1"/>
+          </a:fillRef>
+          <a:effectRef idx="0">
+            <a:schemeClr val="accent1"/>
+          </a:effectRef>
+          <a:fontRef idx="minor">
+            <a:schemeClr val="tx1"/>
+          </a:fontRef>
+        </p:style>
+      </p:cxnSp>
+      <p:sp>
+        <p:nvSpPr>
+          <p:cNvPr id="36" name="TextBox 35">
+            <a:extLst>
+              <a:ext uri="{FF2B5EF4-FFF2-40B4-BE49-F238E27FC236}">
+                <a16:creationId xmlns:a16="http://schemas.microsoft.com/office/drawing/2014/main" id="{215C6EBC-D614-43CA-92BA-81E29C71998F}"/>
+              </a:ext>
+            </a:extLst>
+          </p:cNvPr>
+          <p:cNvSpPr txBox="1"/>
+          <p:nvPr/>
+        </p:nvSpPr>
+        <p:spPr>
+          <a:xfrm>
+            <a:off x="33453" y="5847010"/>
+            <a:ext cx="1330713" cy="369332"/>
+          </a:xfrm>
+          <a:prstGeom prst="rect">
+            <a:avLst/>
+          </a:prstGeom>
+          <a:noFill/>
+        </p:spPr>
+        <p:txBody>
+          <a:bodyPr wrap="square" rtlCol="0">
+            <a:spAutoFit/>
+          </a:bodyPr>
+          <a:lstStyle/>
+          <a:p>
+            <a:r>
+              <a:rPr lang="en-US" dirty="0"/>
+              <a:t>HMACs </a:t>
+            </a:r>
+            <a:endParaRPr lang="en-GB" dirty="0"/>
+          </a:p>
+        </p:txBody>
+      </p:sp>
+      <p:sp>
+        <p:nvSpPr>
+          <p:cNvPr id="37" name="Arrow: Right 36">
+            <a:extLst>
+              <a:ext uri="{FF2B5EF4-FFF2-40B4-BE49-F238E27FC236}">
+                <a16:creationId xmlns:a16="http://schemas.microsoft.com/office/drawing/2014/main" id="{478B75B9-B55A-48E0-9AE1-16BE0CE5DE99}"/>
+              </a:ext>
+            </a:extLst>
+          </p:cNvPr>
+          <p:cNvSpPr/>
+          <p:nvPr/>
+        </p:nvSpPr>
+        <p:spPr>
+          <a:xfrm>
+            <a:off x="920048" y="5974663"/>
+            <a:ext cx="496154" cy="217912"/>
+          </a:xfrm>
+          <a:prstGeom prst="rightArrow">
+            <a:avLst/>
+          </a:prstGeom>
+        </p:spPr>
+        <p:style>
+          <a:lnRef idx="2">
+            <a:schemeClr val="accent1">
+              <a:shade val="50000"/>
+            </a:schemeClr>
+          </a:lnRef>
+          <a:fillRef idx="1">
+            <a:schemeClr val="accent1"/>
+          </a:fillRef>
+          <a:effectRef idx="0">
+            <a:schemeClr val="accent1"/>
+          </a:effectRef>
+          <a:fontRef idx="minor">
+            <a:schemeClr val="lt1"/>
+          </a:fontRef>
+        </p:style>
+        <p:txBody>
+          <a:bodyPr rtlCol="0" anchor="ctr"/>
+          <a:lstStyle/>
+          <a:p>
+            <a:pPr algn="ctr"/>
+            <a:endParaRPr lang="en-GB"/>
+          </a:p>
+        </p:txBody>
+      </p:sp>
+      <p:sp>
+        <p:nvSpPr>
+          <p:cNvPr id="39" name="TextBox 38">
+            <a:extLst>
+              <a:ext uri="{FF2B5EF4-FFF2-40B4-BE49-F238E27FC236}">
+                <a16:creationId xmlns:a16="http://schemas.microsoft.com/office/drawing/2014/main" id="{C64A679A-B68B-4922-9E44-A379F001B9BC}"/>
+              </a:ext>
+            </a:extLst>
+          </p:cNvPr>
+          <p:cNvSpPr txBox="1"/>
+          <p:nvPr/>
+        </p:nvSpPr>
+        <p:spPr>
+          <a:xfrm>
+            <a:off x="3030344" y="2551837"/>
+            <a:ext cx="6105292" cy="369332"/>
+          </a:xfrm>
+          <a:prstGeom prst="rect">
+            <a:avLst/>
+          </a:prstGeom>
+          <a:noFill/>
+        </p:spPr>
+        <p:txBody>
+          <a:bodyPr wrap="square">
+            <a:spAutoFit/>
+          </a:bodyPr>
+          <a:lstStyle/>
+          <a:p>
+            <a:endParaRPr lang="en-GB" dirty="0"/>
+          </a:p>
+        </p:txBody>
+      </p:sp>
+      <p:pic>
+        <p:nvPicPr>
+          <p:cNvPr id="9218" name="Picture 2">
+            <a:extLst>
+              <a:ext uri="{FF2B5EF4-FFF2-40B4-BE49-F238E27FC236}">
+                <a16:creationId xmlns:a16="http://schemas.microsoft.com/office/drawing/2014/main" id="{E184E10B-F213-4908-90EF-54CDAD195564}"/>
+              </a:ext>
+            </a:extLst>
+          </p:cNvPr>
+          <p:cNvPicPr>
+            <a:picLocks noChangeAspect="1" noChangeArrowheads="1"/>
+          </p:cNvPicPr>
+          <p:nvPr/>
+        </p:nvPicPr>
+        <p:blipFill>
+          <a:blip r:embed="rId3">
+            <a:extLst>
+              <a:ext uri="{28A0092B-C50C-407E-A947-70E740481C1C}">
+                <a14:useLocalDpi xmlns:a14="http://schemas.microsoft.com/office/drawing/2010/main" val="0"/>
+              </a:ext>
+            </a:extLst>
+          </a:blip>
+          <a:srcRect/>
+          <a:stretch>
+            <a:fillRect/>
+          </a:stretch>
+        </p:blipFill>
+        <p:spPr bwMode="auto">
+          <a:xfrm>
+            <a:off x="3170666" y="2478079"/>
+            <a:ext cx="1226729" cy="719660"/>
+          </a:xfrm>
+          <a:prstGeom prst="rect">
+            <a:avLst/>
+          </a:prstGeom>
+          <a:noFill/>
+          <a:extLst>
+            <a:ext uri="{909E8E84-426E-40DD-AFC4-6F175D3DCCD1}">
+              <a14:hiddenFill xmlns:a14="http://schemas.microsoft.com/office/drawing/2010/main">
+                <a:solidFill>
+                  <a:srgbClr val="FFFFFF"/>
+                </a:solidFill>
+              </a14:hiddenFill>
+            </a:ext>
+          </a:extLst>
+        </p:spPr>
+      </p:pic>
+    </p:spTree>
+    <p:extLst>
+      <p:ext uri="{BB962C8B-B14F-4D97-AF65-F5344CB8AC3E}">
+        <p14:creationId xmlns:p14="http://schemas.microsoft.com/office/powerpoint/2010/main" val="2497907291"/>
+      </p:ext>
+    </p:extLst>
+  </p:cSld>
+  <p:clrMapOvr>
+    <a:overrideClrMapping bg1="dk1" tx1="lt1" bg2="dk2" tx2="lt2" accent1="accent1" accent2="accent2" accent3="accent3" accent4="accent4" accent5="accent5" accent6="accent6" hlink="hlink" folHlink="folHlink"/>
+  </p:clrMapOvr>
+  <p:timing>
+    <p:tnLst>
+      <p:par>
+        <p:cTn id="1" dur="indefinite" restart="never" nodeType="tmRoot">
+          <p:childTnLst>
+            <p:seq concurrent="1" nextAc="seek">
+              <p:cTn id="2" dur="indefinite" nodeType="mainSeq">
+                <p:childTnLst>
+                  <p:par>
+                    <p:cTn id="3" fill="hold">
+                      <p:stCondLst>
+                        <p:cond delay="indefinite"/>
+                      </p:stCondLst>
+                      <p:childTnLst>
+                        <p:par>
+                          <p:cTn id="4" fill="hold">
+                            <p:stCondLst>
+                              <p:cond delay="0"/>
+                            </p:stCondLst>
+                            <p:childTnLst>
+                              <p:par>
+                                <p:cTn id="5" presetID="1" presetClass="entr" presetSubtype="0" fill="hold" nodeType="clickEffect">
+                                  <p:stCondLst>
+                                    <p:cond delay="0"/>
+                                  </p:stCondLst>
+                                  <p:childTnLst>
+                                    <p:set>
+                                      <p:cBhvr>
+                                        <p:cTn id="6" dur="1" fill="hold">
+                                          <p:stCondLst>
+                                            <p:cond delay="0"/>
+                                          </p:stCondLst>
+                                        </p:cTn>
+                                        <p:tgtEl>
+                                          <p:spTgt spid="11"/>
+                                        </p:tgtEl>
+                                        <p:attrNameLst>
+                                          <p:attrName>style.visibility</p:attrName>
+                                        </p:attrNameLst>
+                                      </p:cBhvr>
+                                      <p:to>
+                                        <p:strVal val="visible"/>
+                                      </p:to>
+                                    </p:set>
+                                  </p:childTnLst>
+                                </p:cTn>
+                              </p:par>
+                            </p:childTnLst>
+                          </p:cTn>
+                        </p:par>
+                      </p:childTnLst>
+                    </p:cTn>
+                  </p:par>
+                  <p:par>
+                    <p:cTn id="7" fill="hold">
+                      <p:stCondLst>
+                        <p:cond delay="indefinite"/>
+                      </p:stCondLst>
+                      <p:childTnLst>
+                        <p:par>
+                          <p:cTn id="8" fill="hold">
+                            <p:stCondLst>
+                              <p:cond delay="0"/>
+                            </p:stCondLst>
+                            <p:childTnLst>
+                              <p:par>
+                                <p:cTn id="9" presetID="1" presetClass="entr" presetSubtype="0" fill="hold" nodeType="clickEffect">
+                                  <p:stCondLst>
+                                    <p:cond delay="0"/>
+                                  </p:stCondLst>
+                                  <p:childTnLst>
+                                    <p:set>
+                                      <p:cBhvr>
+                                        <p:cTn id="10" dur="1" fill="hold">
+                                          <p:stCondLst>
+                                            <p:cond delay="0"/>
+                                          </p:stCondLst>
+                                        </p:cTn>
+                                        <p:tgtEl>
+                                          <p:spTgt spid="22"/>
+                                        </p:tgtEl>
+                                        <p:attrNameLst>
+                                          <p:attrName>style.visibility</p:attrName>
+                                        </p:attrNameLst>
+                                      </p:cBhvr>
+                                      <p:to>
+                                        <p:strVal val="visible"/>
+                                      </p:to>
+                                    </p:set>
+                                  </p:childTnLst>
+                                </p:cTn>
+                              </p:par>
+                            </p:childTnLst>
+                          </p:cTn>
+                        </p:par>
+                      </p:childTnLst>
+                    </p:cTn>
+                  </p:par>
+                  <p:par>
+                    <p:cTn id="11" fill="hold">
+                      <p:stCondLst>
+                        <p:cond delay="indefinite"/>
+                      </p:stCondLst>
+                      <p:childTnLst>
+                        <p:par>
+                          <p:cTn id="12" fill="hold">
+                            <p:stCondLst>
+                              <p:cond delay="0"/>
+                            </p:stCondLst>
+                            <p:childTnLst>
+                              <p:par>
+                                <p:cTn id="13" presetID="1" presetClass="entr" presetSubtype="0" fill="hold" grpId="0" nodeType="clickEffect">
+                                  <p:stCondLst>
+                                    <p:cond delay="0"/>
+                                  </p:stCondLst>
+                                  <p:childTnLst>
+                                    <p:set>
+                                      <p:cBhvr>
+                                        <p:cTn id="14" dur="1" fill="hold">
+                                          <p:stCondLst>
+                                            <p:cond delay="0"/>
+                                          </p:stCondLst>
+                                        </p:cTn>
+                                        <p:tgtEl>
+                                          <p:spTgt spid="17"/>
+                                        </p:tgtEl>
+                                        <p:attrNameLst>
+                                          <p:attrName>style.visibility</p:attrName>
+                                        </p:attrNameLst>
+                                      </p:cBhvr>
+                                      <p:to>
+                                        <p:strVal val="visible"/>
+                                      </p:to>
+                                    </p:set>
+                                  </p:childTnLst>
+                                </p:cTn>
+                              </p:par>
+                            </p:childTnLst>
+                          </p:cTn>
+                        </p:par>
+                      </p:childTnLst>
+                    </p:cTn>
+                  </p:par>
+                  <p:par>
+                    <p:cTn id="15" fill="hold">
+                      <p:stCondLst>
+                        <p:cond delay="indefinite"/>
+                      </p:stCondLst>
+                      <p:childTnLst>
+                        <p:par>
+                          <p:cTn id="16" fill="hold">
+                            <p:stCondLst>
+                              <p:cond delay="0"/>
+                            </p:stCondLst>
+                            <p:childTnLst>
+                              <p:par>
+                                <p:cTn id="17" presetID="1" presetClass="entr" presetSubtype="0" fill="hold" nodeType="clickEffect">
+                                  <p:stCondLst>
+                                    <p:cond delay="0"/>
+                                  </p:stCondLst>
+                                  <p:childTnLst>
+                                    <p:set>
+                                      <p:cBhvr>
+                                        <p:cTn id="18" dur="1" fill="hold">
+                                          <p:stCondLst>
+                                            <p:cond delay="0"/>
+                                          </p:stCondLst>
+                                        </p:cTn>
+                                        <p:tgtEl>
+                                          <p:spTgt spid="24"/>
+                                        </p:tgtEl>
+                                        <p:attrNameLst>
+                                          <p:attrName>style.visibility</p:attrName>
+                                        </p:attrNameLst>
+                                      </p:cBhvr>
+                                      <p:to>
+                                        <p:strVal val="visible"/>
+                                      </p:to>
+                                    </p:set>
+                                  </p:childTnLst>
+                                </p:cTn>
+                              </p:par>
+                            </p:childTnLst>
+                          </p:cTn>
+                        </p:par>
+                      </p:childTnLst>
+                    </p:cTn>
+                  </p:par>
+                  <p:par>
+                    <p:cTn id="19" fill="hold">
+                      <p:stCondLst>
+                        <p:cond delay="indefinite"/>
+                      </p:stCondLst>
+                      <p:childTnLst>
+                        <p:par>
+                          <p:cTn id="20" fill="hold">
+                            <p:stCondLst>
+                              <p:cond delay="0"/>
+                            </p:stCondLst>
+                            <p:childTnLst>
+                              <p:par>
+                                <p:cTn id="21" presetID="1" presetClass="entr" presetSubtype="0" fill="hold" nodeType="clickEffect">
+                                  <p:stCondLst>
+                                    <p:cond delay="0"/>
+                                  </p:stCondLst>
+                                  <p:childTnLst>
+                                    <p:set>
+                                      <p:cBhvr>
+                                        <p:cTn id="22" dur="1" fill="hold">
+                                          <p:stCondLst>
+                                            <p:cond delay="0"/>
+                                          </p:stCondLst>
+                                        </p:cTn>
+                                        <p:tgtEl>
+                                          <p:spTgt spid="23"/>
+                                        </p:tgtEl>
+                                        <p:attrNameLst>
+                                          <p:attrName>style.visibility</p:attrName>
+                                        </p:attrNameLst>
+                                      </p:cBhvr>
+                                      <p:to>
+                                        <p:strVal val="visible"/>
+                                      </p:to>
+                                    </p:set>
+                                  </p:childTnLst>
+                                </p:cTn>
+                              </p:par>
+                            </p:childTnLst>
+                          </p:cTn>
+                        </p:par>
+                      </p:childTnLst>
+                    </p:cTn>
+                  </p:par>
+                  <p:par>
+                    <p:cTn id="23" fill="hold">
+                      <p:stCondLst>
+                        <p:cond delay="indefinite"/>
+                      </p:stCondLst>
+                      <p:childTnLst>
+                        <p:par>
+                          <p:cTn id="24" fill="hold">
+                            <p:stCondLst>
+                              <p:cond delay="0"/>
+                            </p:stCondLst>
+                            <p:childTnLst>
+                              <p:par>
+                                <p:cTn id="25" presetID="1" presetClass="entr" presetSubtype="0" fill="hold" grpId="0" nodeType="clickEffect">
+                                  <p:stCondLst>
+                                    <p:cond delay="0"/>
+                                  </p:stCondLst>
+                                  <p:childTnLst>
+                                    <p:set>
+                                      <p:cBhvr>
+                                        <p:cTn id="26" dur="1" fill="hold">
+                                          <p:stCondLst>
+                                            <p:cond delay="0"/>
+                                          </p:stCondLst>
+                                        </p:cTn>
+                                        <p:tgtEl>
+                                          <p:spTgt spid="18"/>
+                                        </p:tgtEl>
+                                        <p:attrNameLst>
+                                          <p:attrName>style.visibility</p:attrName>
+                                        </p:attrNameLst>
+                                      </p:cBhvr>
+                                      <p:to>
+                                        <p:strVal val="visible"/>
+                                      </p:to>
+                                    </p:set>
+                                  </p:childTnLst>
+                                </p:cTn>
+                              </p:par>
+                            </p:childTnLst>
+                          </p:cTn>
+                        </p:par>
+                      </p:childTnLst>
+                    </p:cTn>
+                  </p:par>
+                  <p:par>
+                    <p:cTn id="27" fill="hold">
+                      <p:stCondLst>
+                        <p:cond delay="indefinite"/>
+                      </p:stCondLst>
+                      <p:childTnLst>
+                        <p:par>
+                          <p:cTn id="28" fill="hold">
+                            <p:stCondLst>
+                              <p:cond delay="0"/>
+                            </p:stCondLst>
+                            <p:childTnLst>
+                              <p:par>
+                                <p:cTn id="29" presetID="1" presetClass="entr" presetSubtype="0" fill="hold" nodeType="clickEffect">
+                                  <p:stCondLst>
+                                    <p:cond delay="0"/>
+                                  </p:stCondLst>
+                                  <p:childTnLst>
+                                    <p:set>
+                                      <p:cBhvr>
+                                        <p:cTn id="30" dur="1" fill="hold">
+                                          <p:stCondLst>
+                                            <p:cond delay="0"/>
+                                          </p:stCondLst>
+                                        </p:cTn>
+                                        <p:tgtEl>
+                                          <p:spTgt spid="29"/>
+                                        </p:tgtEl>
+                                        <p:attrNameLst>
+                                          <p:attrName>style.visibility</p:attrName>
+                                        </p:attrNameLst>
+                                      </p:cBhvr>
+                                      <p:to>
+                                        <p:strVal val="visible"/>
+                                      </p:to>
+                                    </p:set>
+                                  </p:childTnLst>
+                                </p:cTn>
+                              </p:par>
+                            </p:childTnLst>
+                          </p:cTn>
+                        </p:par>
+                      </p:childTnLst>
+                    </p:cTn>
+                  </p:par>
+                  <p:par>
+                    <p:cTn id="31" fill="hold">
+                      <p:stCondLst>
+                        <p:cond delay="indefinite"/>
+                      </p:stCondLst>
+                      <p:childTnLst>
+                        <p:par>
+                          <p:cTn id="32" fill="hold">
+                            <p:stCondLst>
+                              <p:cond delay="0"/>
+                            </p:stCondLst>
+                            <p:childTnLst>
+                              <p:par>
+                                <p:cTn id="33" presetID="1" presetClass="entr" presetSubtype="0" fill="hold" nodeType="clickEffect">
+                                  <p:stCondLst>
+                                    <p:cond delay="0"/>
+                                  </p:stCondLst>
+                                  <p:childTnLst>
+                                    <p:set>
+                                      <p:cBhvr>
+                                        <p:cTn id="34" dur="1" fill="hold">
+                                          <p:stCondLst>
+                                            <p:cond delay="0"/>
+                                          </p:stCondLst>
+                                        </p:cTn>
+                                        <p:tgtEl>
+                                          <p:spTgt spid="32"/>
+                                        </p:tgtEl>
+                                        <p:attrNameLst>
+                                          <p:attrName>style.visibility</p:attrName>
+                                        </p:attrNameLst>
+                                      </p:cBhvr>
+                                      <p:to>
+                                        <p:strVal val="visible"/>
+                                      </p:to>
+                                    </p:set>
+                                  </p:childTnLst>
+                                </p:cTn>
+                              </p:par>
+                            </p:childTnLst>
+                          </p:cTn>
+                        </p:par>
+                      </p:childTnLst>
+                    </p:cTn>
+                  </p:par>
+                  <p:par>
+                    <p:cTn id="35" fill="hold">
+                      <p:stCondLst>
+                        <p:cond delay="indefinite"/>
+                      </p:stCondLst>
+                      <p:childTnLst>
+                        <p:par>
+                          <p:cTn id="36" fill="hold">
+                            <p:stCondLst>
+                              <p:cond delay="0"/>
+                            </p:stCondLst>
+                            <p:childTnLst>
+                              <p:par>
+                                <p:cTn id="37" presetID="1" presetClass="entr" presetSubtype="0" fill="hold" grpId="0" nodeType="clickEffect">
+                                  <p:stCondLst>
+                                    <p:cond delay="0"/>
+                                  </p:stCondLst>
+                                  <p:childTnLst>
+                                    <p:set>
+                                      <p:cBhvr>
+                                        <p:cTn id="38" dur="1" fill="hold">
+                                          <p:stCondLst>
+                                            <p:cond delay="0"/>
+                                          </p:stCondLst>
+                                        </p:cTn>
+                                        <p:tgtEl>
+                                          <p:spTgt spid="21"/>
+                                        </p:tgtEl>
+                                        <p:attrNameLst>
+                                          <p:attrName>style.visibility</p:attrName>
+                                        </p:attrNameLst>
+                                      </p:cBhvr>
+                                      <p:to>
+                                        <p:strVal val="visible"/>
+                                      </p:to>
+                                    </p:set>
+                                  </p:childTnLst>
+                                </p:cTn>
+                              </p:par>
+                            </p:childTnLst>
+                          </p:cTn>
+                        </p:par>
+                      </p:childTnLst>
+                    </p:cTn>
+                  </p:par>
+                  <p:par>
+                    <p:cTn id="39" fill="hold">
+                      <p:stCondLst>
+                        <p:cond delay="indefinite"/>
+                      </p:stCondLst>
+                      <p:childTnLst>
+                        <p:par>
+                          <p:cTn id="40" fill="hold">
+                            <p:stCondLst>
+                              <p:cond delay="0"/>
+                            </p:stCondLst>
+                            <p:childTnLst>
+                              <p:par>
+                                <p:cTn id="41" presetID="1" presetClass="entr" presetSubtype="0" fill="hold" nodeType="clickEffect">
+                                  <p:stCondLst>
+                                    <p:cond delay="0"/>
+                                  </p:stCondLst>
+                                  <p:childTnLst>
+                                    <p:set>
+                                      <p:cBhvr>
+                                        <p:cTn id="42" dur="1" fill="hold">
+                                          <p:stCondLst>
+                                            <p:cond delay="0"/>
+                                          </p:stCondLst>
+                                        </p:cTn>
+                                        <p:tgtEl>
+                                          <p:spTgt spid="9218"/>
+                                        </p:tgtEl>
+                                        <p:attrNameLst>
+                                          <p:attrName>style.visibility</p:attrName>
+                                        </p:attrNameLst>
+                                      </p:cBhvr>
+                                      <p:to>
+                                        <p:strVal val="visible"/>
+                                      </p:to>
+                                    </p:set>
+                                  </p:childTnLst>
+                                </p:cTn>
+                              </p:par>
+                            </p:childTnLst>
+                          </p:cTn>
+                        </p:par>
+                      </p:childTnLst>
+                    </p:cTn>
+                  </p:par>
+                </p:childTnLst>
+              </p:cTn>
+              <p:prevCondLst>
+                <p:cond evt="onPrev" delay="0">
+                  <p:tgtEl>
+                    <p:sldTgt/>
+                  </p:tgtEl>
+                </p:cond>
+              </p:prevCondLst>
+              <p:nextCondLst>
+                <p:cond evt="onNext" delay="0">
+                  <p:tgtEl>
+                    <p:sldTgt/>
+                  </p:tgtEl>
+                </p:cond>
+              </p:nextCondLst>
+            </p:seq>
+          </p:childTnLst>
+        </p:cTn>
+      </p:par>
+    </p:tnLst>
+    <p:bldLst>
+      <p:bldP spid="17" grpId="0" animBg="1"/>
+      <p:bldP spid="18" grpId="0" animBg="1"/>
+      <p:bldP spid="21" grpId="0" animBg="1"/>
+    </p:bldLst>
+  </p:timing>
+</p:sld>
+</file>
+
+<file path=ppt/slides/slide2.xml><?xml version="1.0" encoding="utf-8"?>
+<p:sld xmlns:a="http://schemas.openxmlformats.org/drawingml/2006/main" xmlns:r="http://schemas.openxmlformats.org/officeDocument/2006/relationships" xmlns:p="http://schemas.openxmlformats.org/presentationml/2006/main">
+  <p:cSld>
+    <p:bg>
+      <p:bgPr>
+        <a:solidFill>
+          <a:schemeClr val="bg1">
+            <a:tint val="95000"/>
+            <a:shade val="85000"/>
+            <a:satMod val="125000"/>
+          </a:schemeClr>
+        </a:solidFill>
+        <a:effectLst/>
+      </p:bgPr>
+    </p:bg>
+    <p:spTree>
+      <p:nvGrpSpPr>
+        <p:cNvPr id="1" name=""/>
+        <p:cNvGrpSpPr/>
+        <p:nvPr/>
+      </p:nvGrpSpPr>
+      <p:grpSpPr>
+        <a:xfrm>
+          <a:off x="0" y="0"/>
+          <a:ext cx="0" cy="0"/>
+          <a:chOff x="0" y="0"/>
+          <a:chExt cx="0" cy="0"/>
+        </a:xfrm>
+      </p:grpSpPr>
+      <p:sp useBgFill="1">
+        <p:nvSpPr>
+          <p:cNvPr id="8" name="Rectangle 7">
+            <a:extLst>
+              <a:ext uri="{FF2B5EF4-FFF2-40B4-BE49-F238E27FC236}">
+                <a16:creationId xmlns:a16="http://schemas.microsoft.com/office/drawing/2014/main" id="{F9B8E572-2CE6-4185-BC38-989024BC010D}"/>
+              </a:ext>
+              <a:ext uri="{C183D7F6-B498-43B3-948B-1728B52AA6E4}">
+                <adec:decorative xmlns:adec="http://schemas.microsoft.com/office/drawing/2017/decorative" val="1"/>
+              </a:ext>
+            </a:extLst>
+          </p:cNvPr>
+          <p:cNvSpPr>
+            <a:spLocks noGrp="1" noRot="1" noChangeAspect="1" noMove="1" noResize="1" noEditPoints="1" noAdjustHandles="1" noChangeArrowheads="1" noChangeShapeType="1" noTextEdit="1"/>
+          </p:cNvSpPr>
+          <p:nvPr>
+            <p:extLst>
+              <p:ext uri="{386F3935-93C4-4BCD-93E2-E3B085C9AB24}">
+                <p16:designElem xmlns:p16="http://schemas.microsoft.com/office/powerpoint/2015/main" val="1"/>
+              </p:ext>
+            </p:extLst>
+          </p:nvPr>
+        </p:nvSpPr>
+        <p:spPr>
+          <a:xfrm>
+            <a:off x="0" y="0"/>
+            <a:ext cx="12192000" cy="6858000"/>
+          </a:xfrm>
+          <a:prstGeom prst="rect">
+            <a:avLst/>
+          </a:prstGeom>
+          <a:ln>
+            <a:noFill/>
+          </a:ln>
+        </p:spPr>
+        <p:style>
+          <a:lnRef idx="2">
+            <a:schemeClr val="accent1">
+              <a:shade val="50000"/>
+            </a:schemeClr>
+          </a:lnRef>
+          <a:fillRef idx="1">
+            <a:schemeClr val="accent1"/>
+          </a:fillRef>
+          <a:effectRef idx="0">
+            <a:schemeClr val="accent1"/>
+          </a:effectRef>
+          <a:fontRef idx="minor">
+            <a:schemeClr val="lt1"/>
+          </a:fontRef>
+        </p:style>
+        <p:txBody>
+          <a:bodyPr rtlCol="0" anchor="ctr"/>
+          <a:lstStyle/>
+          <a:p>
+            <a:pPr algn="ctr"/>
+            <a:endParaRPr lang="en-US"/>
+          </a:p>
+        </p:txBody>
+      </p:sp>
+      <p:sp>
+        <p:nvSpPr>
+          <p:cNvPr id="2" name="Title 1">
+            <a:extLst>
+              <a:ext uri="{FF2B5EF4-FFF2-40B4-BE49-F238E27FC236}">
+                <a16:creationId xmlns:a16="http://schemas.microsoft.com/office/drawing/2014/main" id="{C42A5C9E-B316-4DBD-BB36-FE9D2519E3CF}"/>
+              </a:ext>
+            </a:extLst>
+          </p:cNvPr>
+          <p:cNvSpPr>
+            <a:spLocks noGrp="1"/>
+          </p:cNvSpPr>
+          <p:nvPr>
+            <p:ph type="title"/>
+          </p:nvPr>
+        </p:nvSpPr>
+        <p:spPr>
+          <a:xfrm>
+            <a:off x="1024128" y="585216"/>
+            <a:ext cx="9720072" cy="1499616"/>
+          </a:xfrm>
+        </p:spPr>
+        <p:txBody>
+          <a:bodyPr>
+            <a:normAutofit/>
+          </a:bodyPr>
+          <a:lstStyle/>
+          <a:p>
+            <a:r>
+              <a:rPr lang="en-GB" dirty="0"/>
+              <a:t>AGENDA</a:t>
+            </a:r>
+          </a:p>
+        </p:txBody>
+      </p:sp>
+      <p:cxnSp>
+        <p:nvCxnSpPr>
+          <p:cNvPr id="10" name="Straight Connector 9">
+            <a:extLst>
+              <a:ext uri="{FF2B5EF4-FFF2-40B4-BE49-F238E27FC236}">
+                <a16:creationId xmlns:a16="http://schemas.microsoft.com/office/drawing/2014/main" id="{75415567-45D9-4FB5-B020-6FAD77889407}"/>
+              </a:ext>
+              <a:ext uri="{C183D7F6-B498-43B3-948B-1728B52AA6E4}">
+                <adec:decorative xmlns:adec="http://schemas.microsoft.com/office/drawing/2017/decorative" val="1"/>
+              </a:ext>
+            </a:extLst>
+          </p:cNvPr>
+          <p:cNvCxnSpPr>
+            <a:cxnSpLocks noGrp="1" noRot="1" noChangeAspect="1" noMove="1" noResize="1" noEditPoints="1" noAdjustHandles="1" noChangeArrowheads="1" noChangeShapeType="1"/>
+          </p:cNvCxnSpPr>
+          <p:nvPr>
+            <p:extLst>
+              <p:ext uri="{386F3935-93C4-4BCD-93E2-E3B085C9AB24}">
+                <p16:designElem xmlns:p16="http://schemas.microsoft.com/office/powerpoint/2015/main" val="1"/>
+              </p:ext>
+            </p:extLst>
+          </p:nvPr>
+        </p:nvCxnSpPr>
+        <p:spPr>
+          <a:xfrm flipV="1">
+            <a:off x="762000" y="826324"/>
+            <a:ext cx="0" cy="914400"/>
+          </a:xfrm>
+          <a:prstGeom prst="line">
+            <a:avLst/>
+          </a:prstGeom>
+          <a:ln w="19050">
+            <a:solidFill>
+              <a:schemeClr val="accent1"/>
+            </a:solidFill>
+          </a:ln>
+        </p:spPr>
+        <p:style>
+          <a:lnRef idx="1">
+            <a:schemeClr val="accent1"/>
+          </a:lnRef>
+          <a:fillRef idx="0">
+            <a:schemeClr val="accent1"/>
+          </a:fillRef>
+          <a:effectRef idx="0">
+            <a:schemeClr val="accent1"/>
+          </a:effectRef>
+          <a:fontRef idx="minor">
+            <a:schemeClr val="tx1"/>
+          </a:fontRef>
+        </p:style>
+      </p:cxnSp>
+      <p:sp>
+        <p:nvSpPr>
+          <p:cNvPr id="3" name="Content Placeholder 2">
+            <a:extLst>
+              <a:ext uri="{FF2B5EF4-FFF2-40B4-BE49-F238E27FC236}">
+                <a16:creationId xmlns:a16="http://schemas.microsoft.com/office/drawing/2014/main" id="{E3C48C3F-953D-4D5E-A879-647887BF7B92}"/>
+              </a:ext>
+            </a:extLst>
+          </p:cNvPr>
+          <p:cNvSpPr>
+            <a:spLocks noGrp="1"/>
+          </p:cNvSpPr>
+          <p:nvPr>
+            <p:ph idx="1"/>
+          </p:nvPr>
+        </p:nvSpPr>
+        <p:spPr>
+          <a:xfrm>
+            <a:off x="1024128" y="2084832"/>
+            <a:ext cx="9720073" cy="4224528"/>
+          </a:xfrm>
+        </p:spPr>
+        <p:txBody>
+          <a:bodyPr>
+            <a:normAutofit/>
+          </a:bodyPr>
+          <a:lstStyle/>
+          <a:p>
+            <a:pPr>
+              <a:buFont typeface="Arial" panose="020B0604020202020204" pitchFamily="34" charset="0"/>
+              <a:buChar char="•"/>
+            </a:pPr>
+            <a:r>
+              <a:rPr lang="en-GB" dirty="0"/>
+              <a:t> Background </a:t>
+            </a:r>
+          </a:p>
+          <a:p>
+            <a:pPr>
+              <a:buFont typeface="Arial" panose="020B0604020202020204" pitchFamily="34" charset="0"/>
+              <a:buChar char="•"/>
+            </a:pPr>
+            <a:r>
+              <a:rPr lang="en-GB" dirty="0"/>
+              <a:t> Motivation behind this project</a:t>
+            </a:r>
+          </a:p>
+          <a:p>
+            <a:pPr>
+              <a:buFont typeface="Arial" panose="020B0604020202020204" pitchFamily="34" charset="0"/>
+              <a:buChar char="•"/>
+            </a:pPr>
+            <a:r>
+              <a:rPr lang="en-GB" dirty="0"/>
+              <a:t> Problem definition</a:t>
+            </a:r>
+          </a:p>
+          <a:p>
+            <a:pPr>
+              <a:buFont typeface="Arial" panose="020B0604020202020204" pitchFamily="34" charset="0"/>
+              <a:buChar char="•"/>
+            </a:pPr>
+            <a:r>
+              <a:rPr lang="en-GB" dirty="0"/>
+              <a:t> Components &amp; Design</a:t>
+            </a:r>
+          </a:p>
+          <a:p>
+            <a:pPr>
+              <a:buFont typeface="Arial" panose="020B0604020202020204" pitchFamily="34" charset="0"/>
+              <a:buChar char="•"/>
+            </a:pPr>
+            <a:r>
+              <a:rPr lang="en-GB" dirty="0"/>
+              <a:t> Optimizations </a:t>
+            </a:r>
+          </a:p>
+          <a:p>
+            <a:pPr>
+              <a:buFont typeface="Arial" panose="020B0604020202020204" pitchFamily="34" charset="0"/>
+              <a:buChar char="•"/>
+            </a:pPr>
+            <a:r>
+              <a:rPr lang="en-GB" dirty="0"/>
+              <a:t> Testing &amp; Evaluation</a:t>
+            </a:r>
+          </a:p>
+          <a:p>
+            <a:pPr>
+              <a:buFont typeface="Arial" panose="020B0604020202020204" pitchFamily="34" charset="0"/>
+              <a:buChar char="•"/>
+            </a:pPr>
+            <a:r>
+              <a:rPr lang="en-GB" dirty="0"/>
+              <a:t> Results</a:t>
+            </a:r>
+          </a:p>
+          <a:p>
+            <a:pPr>
+              <a:buFont typeface="Arial" panose="020B0604020202020204" pitchFamily="34" charset="0"/>
+              <a:buChar char="•"/>
+            </a:pPr>
+            <a:r>
+              <a:rPr lang="en-GB" dirty="0"/>
+              <a:t> Conclusion</a:t>
+            </a:r>
+          </a:p>
+        </p:txBody>
+      </p:sp>
+    </p:spTree>
+    <p:extLst>
+      <p:ext uri="{BB962C8B-B14F-4D97-AF65-F5344CB8AC3E}">
+        <p14:creationId xmlns:p14="http://schemas.microsoft.com/office/powerpoint/2010/main" val="4093930436"/>
+      </p:ext>
+    </p:extLst>
+  </p:cSld>
+  <p:clrMapOvr>
+    <a:overrideClrMapping bg1="dk1" tx1="lt1" bg2="dk2" tx2="lt2" accent1="accent1" accent2="accent2" accent3="accent3" accent4="accent4" accent5="accent5" accent6="accent6" hlink="hlink" folHlink="folHlink"/>
+  </p:clrMapOvr>
+</p:sld>
+</file>
+
+<file path=ppt/slides/slide20.xml><?xml version="1.0" encoding="utf-8"?>
+<p:sld xmlns:a="http://schemas.openxmlformats.org/drawingml/2006/main" xmlns:r="http://schemas.openxmlformats.org/officeDocument/2006/relationships" xmlns:p="http://schemas.openxmlformats.org/presentationml/2006/main">
+  <p:cSld>
+    <p:bg>
+      <p:bgPr>
+        <a:solidFill>
+          <a:schemeClr val="bg1">
+            <a:tint val="95000"/>
+            <a:shade val="85000"/>
+            <a:satMod val="125000"/>
+          </a:schemeClr>
+        </a:solidFill>
+        <a:effectLst/>
+      </p:bgPr>
+    </p:bg>
+    <p:spTree>
+      <p:nvGrpSpPr>
+        <p:cNvPr id="1" name=""/>
+        <p:cNvGrpSpPr/>
+        <p:nvPr/>
+      </p:nvGrpSpPr>
+      <p:grpSpPr>
+        <a:xfrm>
+          <a:off x="0" y="0"/>
+          <a:ext cx="0" cy="0"/>
+          <a:chOff x="0" y="0"/>
+          <a:chExt cx="0" cy="0"/>
+        </a:xfrm>
+      </p:grpSpPr>
+      <p:sp useBgFill="1">
+        <p:nvSpPr>
+          <p:cNvPr id="19" name="Rectangle 14">
+            <a:extLst>
+              <a:ext uri="{FF2B5EF4-FFF2-40B4-BE49-F238E27FC236}">
+                <a16:creationId xmlns:a16="http://schemas.microsoft.com/office/drawing/2014/main" id="{F9B8E572-2CE6-4185-BC38-989024BC010D}"/>
+              </a:ext>
+              <a:ext uri="{C183D7F6-B498-43B3-948B-1728B52AA6E4}">
+                <adec:decorative xmlns:adec="http://schemas.microsoft.com/office/drawing/2017/decorative" val="1"/>
+              </a:ext>
+            </a:extLst>
+          </p:cNvPr>
+          <p:cNvSpPr>
+            <a:spLocks noGrp="1" noRot="1" noChangeAspect="1" noMove="1" noResize="1" noEditPoints="1" noAdjustHandles="1" noChangeArrowheads="1" noChangeShapeType="1" noTextEdit="1"/>
+          </p:cNvSpPr>
+          <p:nvPr>
+            <p:extLst>
+              <p:ext uri="{386F3935-93C4-4BCD-93E2-E3B085C9AB24}">
+                <p16:designElem xmlns:p16="http://schemas.microsoft.com/office/powerpoint/2015/main" val="1"/>
+              </p:ext>
+            </p:extLst>
+          </p:nvPr>
+        </p:nvSpPr>
+        <p:spPr>
+          <a:xfrm>
+            <a:off x="0" y="0"/>
+            <a:ext cx="12192000" cy="6858000"/>
+          </a:xfrm>
+          <a:prstGeom prst="rect">
+            <a:avLst/>
+          </a:prstGeom>
+          <a:ln>
+            <a:noFill/>
+          </a:ln>
+        </p:spPr>
+        <p:style>
+          <a:lnRef idx="2">
+            <a:schemeClr val="accent1">
+              <a:shade val="50000"/>
+            </a:schemeClr>
+          </a:lnRef>
+          <a:fillRef idx="1">
+            <a:schemeClr val="accent1"/>
+          </a:fillRef>
+          <a:effectRef idx="0">
+            <a:schemeClr val="accent1"/>
+          </a:effectRef>
+          <a:fontRef idx="minor">
+            <a:schemeClr val="lt1"/>
+          </a:fontRef>
+        </p:style>
+        <p:txBody>
+          <a:bodyPr rtlCol="0" anchor="ctr"/>
+          <a:lstStyle/>
+          <a:p>
+            <a:pPr algn="ctr"/>
+            <a:endParaRPr lang="en-US"/>
+          </a:p>
+        </p:txBody>
+      </p:sp>
+      <p:sp>
+        <p:nvSpPr>
+          <p:cNvPr id="2" name="Title 1">
+            <a:extLst>
+              <a:ext uri="{FF2B5EF4-FFF2-40B4-BE49-F238E27FC236}">
+                <a16:creationId xmlns:a16="http://schemas.microsoft.com/office/drawing/2014/main" id="{C42A5C9E-B316-4DBD-BB36-FE9D2519E3CF}"/>
+              </a:ext>
+            </a:extLst>
+          </p:cNvPr>
+          <p:cNvSpPr>
+            <a:spLocks noGrp="1"/>
+          </p:cNvSpPr>
+          <p:nvPr>
+            <p:ph type="title"/>
+          </p:nvPr>
+        </p:nvSpPr>
+        <p:spPr>
+          <a:xfrm>
+            <a:off x="1024128" y="585216"/>
+            <a:ext cx="9720072" cy="1152144"/>
+          </a:xfrm>
+        </p:spPr>
+        <p:txBody>
+          <a:bodyPr>
+            <a:normAutofit/>
+          </a:bodyPr>
+          <a:lstStyle/>
+          <a:p>
+            <a:r>
+              <a:rPr lang="en-GB" dirty="0"/>
+              <a:t>ATTACK Detection</a:t>
+            </a:r>
+          </a:p>
+        </p:txBody>
+      </p:sp>
+      <p:cxnSp>
+        <p:nvCxnSpPr>
+          <p:cNvPr id="20" name="Straight Connector 16">
+            <a:extLst>
+              <a:ext uri="{FF2B5EF4-FFF2-40B4-BE49-F238E27FC236}">
+                <a16:creationId xmlns:a16="http://schemas.microsoft.com/office/drawing/2014/main" id="{75415567-45D9-4FB5-B020-6FAD77889407}"/>
+              </a:ext>
+              <a:ext uri="{C183D7F6-B498-43B3-948B-1728B52AA6E4}">
+                <adec:decorative xmlns:adec="http://schemas.microsoft.com/office/drawing/2017/decorative" val="1"/>
+              </a:ext>
+            </a:extLst>
+          </p:cNvPr>
+          <p:cNvCxnSpPr>
+            <a:cxnSpLocks noGrp="1" noRot="1" noChangeAspect="1" noMove="1" noResize="1" noEditPoints="1" noAdjustHandles="1" noChangeArrowheads="1" noChangeShapeType="1"/>
+          </p:cNvCxnSpPr>
+          <p:nvPr>
+            <p:extLst>
+              <p:ext uri="{386F3935-93C4-4BCD-93E2-E3B085C9AB24}">
+                <p16:designElem xmlns:p16="http://schemas.microsoft.com/office/powerpoint/2015/main" val="1"/>
+              </p:ext>
+            </p:extLst>
+          </p:nvPr>
+        </p:nvCxnSpPr>
+        <p:spPr>
+          <a:xfrm flipV="1">
+            <a:off x="762000" y="826324"/>
+            <a:ext cx="0" cy="914400"/>
+          </a:xfrm>
+          <a:prstGeom prst="line">
+            <a:avLst/>
+          </a:prstGeom>
+          <a:ln w="19050">
+            <a:solidFill>
+              <a:schemeClr val="accent1"/>
+            </a:solidFill>
+          </a:ln>
+        </p:spPr>
+        <p:style>
+          <a:lnRef idx="1">
+            <a:schemeClr val="accent1"/>
+          </a:lnRef>
+          <a:fillRef idx="0">
+            <a:schemeClr val="accent1"/>
+          </a:fillRef>
+          <a:effectRef idx="0">
+            <a:schemeClr val="accent1"/>
+          </a:effectRef>
+          <a:fontRef idx="minor">
+            <a:schemeClr val="tx1"/>
+          </a:fontRef>
+        </p:style>
+      </p:cxnSp>
+      <p:sp>
+        <p:nvSpPr>
+          <p:cNvPr id="10" name="Rectangle 9">
+            <a:extLst>
+              <a:ext uri="{FF2B5EF4-FFF2-40B4-BE49-F238E27FC236}">
+                <a16:creationId xmlns:a16="http://schemas.microsoft.com/office/drawing/2014/main" id="{F673650D-21D2-46CB-B16A-5E2DC714583D}"/>
+              </a:ext>
+            </a:extLst>
+          </p:cNvPr>
+          <p:cNvSpPr/>
+          <p:nvPr/>
+        </p:nvSpPr>
+        <p:spPr>
+          <a:xfrm>
+            <a:off x="434897" y="1962592"/>
+            <a:ext cx="2386362" cy="930286"/>
+          </a:xfrm>
+          <a:prstGeom prst="rect">
+            <a:avLst/>
+          </a:prstGeom>
+        </p:spPr>
+        <p:style>
+          <a:lnRef idx="2">
+            <a:schemeClr val="accent2">
+              <a:shade val="50000"/>
+            </a:schemeClr>
+          </a:lnRef>
+          <a:fillRef idx="1">
+            <a:schemeClr val="accent2"/>
+          </a:fillRef>
+          <a:effectRef idx="0">
+            <a:schemeClr val="accent2"/>
+          </a:effectRef>
+          <a:fontRef idx="minor">
+            <a:schemeClr val="lt1"/>
+          </a:fontRef>
+        </p:style>
+        <p:txBody>
+          <a:bodyPr rtlCol="0" anchor="ctr"/>
+          <a:lstStyle/>
+          <a:p>
+            <a:pPr algn="ctr"/>
+            <a:r>
+              <a:rPr lang="en-GB" dirty="0"/>
+              <a:t>Trusted Area</a:t>
+            </a:r>
+          </a:p>
+          <a:p>
+            <a:pPr algn="ctr"/>
+            <a:endParaRPr lang="en-GB" dirty="0"/>
+          </a:p>
+          <a:p>
+            <a:pPr algn="ctr"/>
+            <a:r>
+              <a:rPr lang="en-GB" dirty="0"/>
+              <a:t>Trusted Root = c4d69c</a:t>
+            </a:r>
+          </a:p>
+        </p:txBody>
+      </p:sp>
+      <p:sp>
+        <p:nvSpPr>
+          <p:cNvPr id="6" name="Rectangle 5">
+            <a:extLst>
+              <a:ext uri="{FF2B5EF4-FFF2-40B4-BE49-F238E27FC236}">
+                <a16:creationId xmlns:a16="http://schemas.microsoft.com/office/drawing/2014/main" id="{771DA490-BC37-4033-B642-348671916886}"/>
+              </a:ext>
+            </a:extLst>
+          </p:cNvPr>
+          <p:cNvSpPr/>
+          <p:nvPr/>
+        </p:nvSpPr>
+        <p:spPr>
+          <a:xfrm>
+            <a:off x="1962616" y="5585606"/>
+            <a:ext cx="1717286" cy="996027"/>
+          </a:xfrm>
+          <a:prstGeom prst="rect">
+            <a:avLst/>
+          </a:prstGeom>
+        </p:spPr>
+        <p:style>
+          <a:lnRef idx="2">
+            <a:schemeClr val="accent2">
+              <a:shade val="50000"/>
+            </a:schemeClr>
+          </a:lnRef>
+          <a:fillRef idx="1">
+            <a:schemeClr val="accent2"/>
+          </a:fillRef>
+          <a:effectRef idx="0">
+            <a:schemeClr val="accent2"/>
+          </a:effectRef>
+          <a:fontRef idx="minor">
+            <a:schemeClr val="lt1"/>
+          </a:fontRef>
+        </p:style>
+        <p:txBody>
+          <a:bodyPr rtlCol="0" anchor="ctr"/>
+          <a:lstStyle/>
+          <a:p>
+            <a:pPr algn="ctr"/>
+            <a:r>
+              <a:rPr lang="en-GB" dirty="0"/>
+              <a:t>6dcd4c</a:t>
+            </a:r>
+          </a:p>
+        </p:txBody>
+      </p:sp>
+      <p:sp>
+        <p:nvSpPr>
+          <p:cNvPr id="14" name="Rectangle 13">
+            <a:extLst>
+              <a:ext uri="{FF2B5EF4-FFF2-40B4-BE49-F238E27FC236}">
+                <a16:creationId xmlns:a16="http://schemas.microsoft.com/office/drawing/2014/main" id="{C099EE56-9AA2-4BE7-9806-1BDC45DABE2E}"/>
+              </a:ext>
+            </a:extLst>
+          </p:cNvPr>
+          <p:cNvSpPr/>
+          <p:nvPr/>
+        </p:nvSpPr>
+        <p:spPr>
+          <a:xfrm>
+            <a:off x="4278352" y="5569508"/>
+            <a:ext cx="1717286" cy="996027"/>
+          </a:xfrm>
+          <a:prstGeom prst="rect">
+            <a:avLst/>
+          </a:prstGeom>
+        </p:spPr>
+        <p:style>
+          <a:lnRef idx="2">
+            <a:schemeClr val="accent2">
+              <a:shade val="50000"/>
+            </a:schemeClr>
+          </a:lnRef>
+          <a:fillRef idx="1">
+            <a:schemeClr val="accent2"/>
+          </a:fillRef>
+          <a:effectRef idx="0">
+            <a:schemeClr val="accent2"/>
+          </a:effectRef>
+          <a:fontRef idx="minor">
+            <a:schemeClr val="lt1"/>
+          </a:fontRef>
+        </p:style>
+        <p:txBody>
+          <a:bodyPr rtlCol="0" anchor="ctr"/>
+          <a:lstStyle/>
+          <a:p>
+            <a:pPr algn="ctr"/>
+            <a:r>
+              <a:rPr lang="en-GB" dirty="0"/>
+              <a:t>ae4f28</a:t>
+            </a:r>
+          </a:p>
+        </p:txBody>
+      </p:sp>
+      <p:sp>
+        <p:nvSpPr>
+          <p:cNvPr id="15" name="Rectangle 14">
+            <a:extLst>
+              <a:ext uri="{FF2B5EF4-FFF2-40B4-BE49-F238E27FC236}">
+                <a16:creationId xmlns:a16="http://schemas.microsoft.com/office/drawing/2014/main" id="{B6940747-7B4A-49C7-9394-374BCC291DFE}"/>
+              </a:ext>
+            </a:extLst>
+          </p:cNvPr>
+          <p:cNvSpPr/>
+          <p:nvPr/>
+        </p:nvSpPr>
+        <p:spPr>
+          <a:xfrm>
+            <a:off x="6612676" y="5588403"/>
+            <a:ext cx="1717286" cy="996027"/>
+          </a:xfrm>
+          <a:prstGeom prst="rect">
+            <a:avLst/>
+          </a:prstGeom>
+        </p:spPr>
+        <p:style>
+          <a:lnRef idx="2">
+            <a:schemeClr val="accent2">
+              <a:shade val="50000"/>
+            </a:schemeClr>
+          </a:lnRef>
+          <a:fillRef idx="1">
+            <a:schemeClr val="accent2"/>
+          </a:fillRef>
+          <a:effectRef idx="0">
+            <a:schemeClr val="accent2"/>
+          </a:effectRef>
+          <a:fontRef idx="minor">
+            <a:schemeClr val="lt1"/>
+          </a:fontRef>
+        </p:style>
+        <p:txBody>
+          <a:bodyPr rtlCol="0" anchor="ctr"/>
+          <a:lstStyle/>
+          <a:p>
+            <a:pPr algn="ctr"/>
+            <a:r>
+              <a:rPr lang="en-GB" dirty="0"/>
+              <a:t>32096c</a:t>
+            </a:r>
+          </a:p>
+        </p:txBody>
+      </p:sp>
+      <p:sp>
+        <p:nvSpPr>
+          <p:cNvPr id="16" name="Rectangle 15">
+            <a:extLst>
+              <a:ext uri="{FF2B5EF4-FFF2-40B4-BE49-F238E27FC236}">
+                <a16:creationId xmlns:a16="http://schemas.microsoft.com/office/drawing/2014/main" id="{ED1B45FE-281A-4CD5-8A9A-DDF445AF71E5}"/>
+              </a:ext>
+            </a:extLst>
+          </p:cNvPr>
+          <p:cNvSpPr/>
+          <p:nvPr/>
+        </p:nvSpPr>
+        <p:spPr>
+          <a:xfrm>
+            <a:off x="8816899" y="5560005"/>
+            <a:ext cx="1717286" cy="996027"/>
+          </a:xfrm>
+          <a:prstGeom prst="rect">
+            <a:avLst/>
+          </a:prstGeom>
+        </p:spPr>
+        <p:style>
+          <a:lnRef idx="2">
+            <a:schemeClr val="accent2">
+              <a:shade val="50000"/>
+            </a:schemeClr>
+          </a:lnRef>
+          <a:fillRef idx="1">
+            <a:schemeClr val="accent2"/>
+          </a:fillRef>
+          <a:effectRef idx="0">
+            <a:schemeClr val="accent2"/>
+          </a:effectRef>
+          <a:fontRef idx="minor">
+            <a:schemeClr val="lt1"/>
+          </a:fontRef>
+        </p:style>
+        <p:txBody>
+          <a:bodyPr rtlCol="0" anchor="ctr"/>
+          <a:lstStyle/>
+          <a:p>
+            <a:pPr algn="ctr"/>
+            <a:r>
+              <a:rPr lang="en-GB" dirty="0"/>
+              <a:t>50c9e8</a:t>
+            </a:r>
+          </a:p>
+        </p:txBody>
+      </p:sp>
+      <p:sp>
+        <p:nvSpPr>
+          <p:cNvPr id="17" name="Rectangle 16">
+            <a:extLst>
+              <a:ext uri="{FF2B5EF4-FFF2-40B4-BE49-F238E27FC236}">
+                <a16:creationId xmlns:a16="http://schemas.microsoft.com/office/drawing/2014/main" id="{FDBE892A-2C89-4E69-BC22-69D764637F17}"/>
+              </a:ext>
+            </a:extLst>
+          </p:cNvPr>
+          <p:cNvSpPr/>
+          <p:nvPr/>
+        </p:nvSpPr>
+        <p:spPr>
+          <a:xfrm>
+            <a:off x="3152080" y="4186426"/>
+            <a:ext cx="1717286" cy="996027"/>
+          </a:xfrm>
+          <a:prstGeom prst="rect">
+            <a:avLst/>
+          </a:prstGeom>
+        </p:spPr>
+        <p:style>
+          <a:lnRef idx="2">
+            <a:schemeClr val="accent2">
+              <a:shade val="50000"/>
+            </a:schemeClr>
+          </a:lnRef>
+          <a:fillRef idx="1">
+            <a:schemeClr val="accent2"/>
+          </a:fillRef>
+          <a:effectRef idx="0">
+            <a:schemeClr val="accent2"/>
+          </a:effectRef>
+          <a:fontRef idx="minor">
+            <a:schemeClr val="lt1"/>
+          </a:fontRef>
+        </p:style>
+        <p:txBody>
+          <a:bodyPr rtlCol="0" anchor="ctr"/>
+          <a:lstStyle/>
+          <a:p>
+            <a:pPr algn="ctr"/>
+            <a:r>
+              <a:rPr lang="en-GB" dirty="0"/>
+              <a:t>859572</a:t>
+            </a:r>
+          </a:p>
+        </p:txBody>
+      </p:sp>
+      <p:sp>
+        <p:nvSpPr>
+          <p:cNvPr id="18" name="Rectangle 17">
+            <a:extLst>
+              <a:ext uri="{FF2B5EF4-FFF2-40B4-BE49-F238E27FC236}">
+                <a16:creationId xmlns:a16="http://schemas.microsoft.com/office/drawing/2014/main" id="{E3172256-F1FA-4B8A-BE84-230CCA98B426}"/>
+              </a:ext>
+            </a:extLst>
+          </p:cNvPr>
+          <p:cNvSpPr/>
+          <p:nvPr/>
+        </p:nvSpPr>
+        <p:spPr>
+          <a:xfrm>
+            <a:off x="7887633" y="4186425"/>
+            <a:ext cx="1717286" cy="996027"/>
+          </a:xfrm>
+          <a:prstGeom prst="rect">
+            <a:avLst/>
+          </a:prstGeom>
+        </p:spPr>
+        <p:style>
+          <a:lnRef idx="2">
+            <a:schemeClr val="accent2">
+              <a:shade val="50000"/>
+            </a:schemeClr>
+          </a:lnRef>
+          <a:fillRef idx="1">
+            <a:schemeClr val="accent2"/>
+          </a:fillRef>
+          <a:effectRef idx="0">
+            <a:schemeClr val="accent2"/>
+          </a:effectRef>
+          <a:fontRef idx="minor">
+            <a:schemeClr val="lt1"/>
+          </a:fontRef>
+        </p:style>
+        <p:txBody>
+          <a:bodyPr rtlCol="0" anchor="ctr"/>
+          <a:lstStyle/>
+          <a:p>
+            <a:pPr algn="ctr"/>
+            <a:r>
+              <a:rPr lang="en-GB" dirty="0"/>
+              <a:t>51c4bf</a:t>
+            </a:r>
+          </a:p>
+        </p:txBody>
+      </p:sp>
+      <p:sp>
+        <p:nvSpPr>
+          <p:cNvPr id="21" name="Rectangle 20">
+            <a:extLst>
+              <a:ext uri="{FF2B5EF4-FFF2-40B4-BE49-F238E27FC236}">
+                <a16:creationId xmlns:a16="http://schemas.microsoft.com/office/drawing/2014/main" id="{75A979FD-D0EA-4498-85BD-F5AA652EF61D}"/>
+              </a:ext>
+            </a:extLst>
+          </p:cNvPr>
+          <p:cNvSpPr/>
+          <p:nvPr/>
+        </p:nvSpPr>
+        <p:spPr>
+          <a:xfrm>
+            <a:off x="5237357" y="2478078"/>
+            <a:ext cx="1717286" cy="996027"/>
+          </a:xfrm>
+          <a:prstGeom prst="rect">
+            <a:avLst/>
+          </a:prstGeom>
+        </p:spPr>
+        <p:style>
+          <a:lnRef idx="2">
+            <a:schemeClr val="accent2">
+              <a:shade val="50000"/>
+            </a:schemeClr>
+          </a:lnRef>
+          <a:fillRef idx="1">
+            <a:schemeClr val="accent2"/>
+          </a:fillRef>
+          <a:effectRef idx="0">
+            <a:schemeClr val="accent2"/>
+          </a:effectRef>
+          <a:fontRef idx="minor">
+            <a:schemeClr val="lt1"/>
+          </a:fontRef>
+        </p:style>
+        <p:txBody>
+          <a:bodyPr rtlCol="0" anchor="ctr"/>
+          <a:lstStyle/>
+          <a:p>
+            <a:pPr algn="ctr"/>
+            <a:r>
+              <a:rPr lang="en-GB" dirty="0"/>
+              <a:t>c4d69c</a:t>
+            </a:r>
+          </a:p>
+        </p:txBody>
+      </p:sp>
+      <p:cxnSp>
+        <p:nvCxnSpPr>
+          <p:cNvPr id="11" name="Straight Arrow Connector 10">
+            <a:extLst>
+              <a:ext uri="{FF2B5EF4-FFF2-40B4-BE49-F238E27FC236}">
+                <a16:creationId xmlns:a16="http://schemas.microsoft.com/office/drawing/2014/main" id="{213A3265-A137-4168-8D06-206A16C34925}"/>
+              </a:ext>
+            </a:extLst>
+          </p:cNvPr>
+          <p:cNvCxnSpPr>
+            <a:cxnSpLocks/>
+            <a:stCxn id="6" idx="0"/>
+            <a:endCxn id="17" idx="2"/>
+          </p:cNvCxnSpPr>
+          <p:nvPr/>
+        </p:nvCxnSpPr>
+        <p:spPr>
+          <a:xfrm flipV="1">
+            <a:off x="2821259" y="5182453"/>
+            <a:ext cx="1189464" cy="403153"/>
+          </a:xfrm>
+          <a:prstGeom prst="straightConnector1">
+            <a:avLst/>
+          </a:prstGeom>
+          <a:ln>
+            <a:tailEnd type="triangle"/>
+          </a:ln>
+        </p:spPr>
+        <p:style>
+          <a:lnRef idx="1">
+            <a:schemeClr val="accent1"/>
+          </a:lnRef>
+          <a:fillRef idx="0">
+            <a:schemeClr val="accent1"/>
+          </a:fillRef>
+          <a:effectRef idx="0">
+            <a:schemeClr val="accent1"/>
+          </a:effectRef>
+          <a:fontRef idx="minor">
+            <a:schemeClr val="tx1"/>
+          </a:fontRef>
+        </p:style>
+      </p:cxnSp>
+      <p:cxnSp>
+        <p:nvCxnSpPr>
+          <p:cNvPr id="22" name="Straight Arrow Connector 21">
+            <a:extLst>
+              <a:ext uri="{FF2B5EF4-FFF2-40B4-BE49-F238E27FC236}">
+                <a16:creationId xmlns:a16="http://schemas.microsoft.com/office/drawing/2014/main" id="{D733909B-C3C2-406E-B48C-E84EA8B46776}"/>
+              </a:ext>
+            </a:extLst>
+          </p:cNvPr>
+          <p:cNvCxnSpPr>
+            <a:cxnSpLocks/>
+            <a:stCxn id="14" idx="0"/>
+            <a:endCxn id="17" idx="2"/>
+          </p:cNvCxnSpPr>
+          <p:nvPr/>
+        </p:nvCxnSpPr>
+        <p:spPr>
+          <a:xfrm flipH="1" flipV="1">
+            <a:off x="4010723" y="5182453"/>
+            <a:ext cx="1126272" cy="387055"/>
+          </a:xfrm>
+          <a:prstGeom prst="straightConnector1">
+            <a:avLst/>
+          </a:prstGeom>
+          <a:ln>
+            <a:tailEnd type="triangle"/>
+          </a:ln>
+        </p:spPr>
+        <p:style>
+          <a:lnRef idx="1">
+            <a:schemeClr val="accent1"/>
+          </a:lnRef>
+          <a:fillRef idx="0">
+            <a:schemeClr val="accent1"/>
+          </a:fillRef>
+          <a:effectRef idx="0">
+            <a:schemeClr val="accent1"/>
+          </a:effectRef>
+          <a:fontRef idx="minor">
+            <a:schemeClr val="tx1"/>
+          </a:fontRef>
+        </p:style>
+      </p:cxnSp>
+      <p:cxnSp>
+        <p:nvCxnSpPr>
+          <p:cNvPr id="23" name="Straight Arrow Connector 22">
+            <a:extLst>
+              <a:ext uri="{FF2B5EF4-FFF2-40B4-BE49-F238E27FC236}">
+                <a16:creationId xmlns:a16="http://schemas.microsoft.com/office/drawing/2014/main" id="{70977F83-A748-4F08-960D-A4D67777153B}"/>
+              </a:ext>
+            </a:extLst>
+          </p:cNvPr>
+          <p:cNvCxnSpPr/>
+          <p:nvPr/>
+        </p:nvCxnSpPr>
+        <p:spPr>
+          <a:xfrm flipH="1" flipV="1">
+            <a:off x="8642195" y="5190501"/>
+            <a:ext cx="1126272" cy="387055"/>
+          </a:xfrm>
+          <a:prstGeom prst="straightConnector1">
+            <a:avLst/>
+          </a:prstGeom>
+          <a:ln>
+            <a:tailEnd type="triangle"/>
+          </a:ln>
+        </p:spPr>
+        <p:style>
+          <a:lnRef idx="1">
+            <a:schemeClr val="accent1"/>
+          </a:lnRef>
+          <a:fillRef idx="0">
+            <a:schemeClr val="accent1"/>
+          </a:fillRef>
+          <a:effectRef idx="0">
+            <a:schemeClr val="accent1"/>
+          </a:effectRef>
+          <a:fontRef idx="minor">
+            <a:schemeClr val="tx1"/>
+          </a:fontRef>
+        </p:style>
+      </p:cxnSp>
+      <p:cxnSp>
+        <p:nvCxnSpPr>
+          <p:cNvPr id="24" name="Straight Arrow Connector 23">
+            <a:extLst>
+              <a:ext uri="{FF2B5EF4-FFF2-40B4-BE49-F238E27FC236}">
+                <a16:creationId xmlns:a16="http://schemas.microsoft.com/office/drawing/2014/main" id="{B9F6ADFA-BC25-46D4-B0FA-C8A8B8E22A62}"/>
+              </a:ext>
+            </a:extLst>
+          </p:cNvPr>
+          <p:cNvCxnSpPr>
+            <a:cxnSpLocks/>
+            <a:stCxn id="15" idx="0"/>
+          </p:cNvCxnSpPr>
+          <p:nvPr/>
+        </p:nvCxnSpPr>
+        <p:spPr>
+          <a:xfrm flipV="1">
+            <a:off x="7471319" y="5182453"/>
+            <a:ext cx="1200615" cy="405950"/>
+          </a:xfrm>
+          <a:prstGeom prst="straightConnector1">
+            <a:avLst/>
+          </a:prstGeom>
+          <a:ln>
+            <a:tailEnd type="triangle"/>
+          </a:ln>
+        </p:spPr>
+        <p:style>
+          <a:lnRef idx="1">
+            <a:schemeClr val="accent1"/>
+          </a:lnRef>
+          <a:fillRef idx="0">
+            <a:schemeClr val="accent1"/>
+          </a:fillRef>
+          <a:effectRef idx="0">
+            <a:schemeClr val="accent1"/>
+          </a:effectRef>
+          <a:fontRef idx="minor">
+            <a:schemeClr val="tx1"/>
+          </a:fontRef>
+        </p:style>
+      </p:cxnSp>
+      <p:cxnSp>
+        <p:nvCxnSpPr>
+          <p:cNvPr id="29" name="Straight Arrow Connector 28">
+            <a:extLst>
+              <a:ext uri="{FF2B5EF4-FFF2-40B4-BE49-F238E27FC236}">
+                <a16:creationId xmlns:a16="http://schemas.microsoft.com/office/drawing/2014/main" id="{892F0B9F-17DA-4324-8864-95316F9BFA2E}"/>
+              </a:ext>
+            </a:extLst>
+          </p:cNvPr>
+          <p:cNvCxnSpPr>
+            <a:stCxn id="17" idx="0"/>
+            <a:endCxn id="21" idx="2"/>
+          </p:cNvCxnSpPr>
+          <p:nvPr/>
+        </p:nvCxnSpPr>
+        <p:spPr>
+          <a:xfrm flipV="1">
+            <a:off x="4010723" y="3474105"/>
+            <a:ext cx="2085277" cy="712321"/>
+          </a:xfrm>
+          <a:prstGeom prst="straightConnector1">
+            <a:avLst/>
+          </a:prstGeom>
+          <a:ln>
+            <a:tailEnd type="triangle"/>
+          </a:ln>
+        </p:spPr>
+        <p:style>
+          <a:lnRef idx="1">
+            <a:schemeClr val="accent1"/>
+          </a:lnRef>
+          <a:fillRef idx="0">
+            <a:schemeClr val="accent1"/>
+          </a:fillRef>
+          <a:effectRef idx="0">
+            <a:schemeClr val="accent1"/>
+          </a:effectRef>
+          <a:fontRef idx="minor">
+            <a:schemeClr val="tx1"/>
+          </a:fontRef>
+        </p:style>
+      </p:cxnSp>
+      <p:cxnSp>
+        <p:nvCxnSpPr>
+          <p:cNvPr id="32" name="Straight Arrow Connector 31">
+            <a:extLst>
+              <a:ext uri="{FF2B5EF4-FFF2-40B4-BE49-F238E27FC236}">
+                <a16:creationId xmlns:a16="http://schemas.microsoft.com/office/drawing/2014/main" id="{3B73C443-9399-4E39-A3D7-BA10350ECC53}"/>
+              </a:ext>
+            </a:extLst>
+          </p:cNvPr>
+          <p:cNvCxnSpPr>
+            <a:stCxn id="18" idx="0"/>
+            <a:endCxn id="21" idx="2"/>
+          </p:cNvCxnSpPr>
+          <p:nvPr/>
+        </p:nvCxnSpPr>
+        <p:spPr>
+          <a:xfrm flipH="1" flipV="1">
+            <a:off x="6096000" y="3474105"/>
+            <a:ext cx="2650276" cy="712320"/>
+          </a:xfrm>
+          <a:prstGeom prst="straightConnector1">
+            <a:avLst/>
+          </a:prstGeom>
+          <a:ln>
+            <a:tailEnd type="triangle"/>
+          </a:ln>
+        </p:spPr>
+        <p:style>
+          <a:lnRef idx="1">
+            <a:schemeClr val="accent1"/>
+          </a:lnRef>
+          <a:fillRef idx="0">
+            <a:schemeClr val="accent1"/>
+          </a:fillRef>
+          <a:effectRef idx="0">
+            <a:schemeClr val="accent1"/>
+          </a:effectRef>
+          <a:fontRef idx="minor">
+            <a:schemeClr val="tx1"/>
+          </a:fontRef>
+        </p:style>
+      </p:cxnSp>
+      <p:sp>
+        <p:nvSpPr>
+          <p:cNvPr id="36" name="TextBox 35">
+            <a:extLst>
+              <a:ext uri="{FF2B5EF4-FFF2-40B4-BE49-F238E27FC236}">
+                <a16:creationId xmlns:a16="http://schemas.microsoft.com/office/drawing/2014/main" id="{215C6EBC-D614-43CA-92BA-81E29C71998F}"/>
+              </a:ext>
+            </a:extLst>
+          </p:cNvPr>
+          <p:cNvSpPr txBox="1"/>
+          <p:nvPr/>
+        </p:nvSpPr>
+        <p:spPr>
+          <a:xfrm>
+            <a:off x="33453" y="5847010"/>
+            <a:ext cx="1330713" cy="369332"/>
+          </a:xfrm>
+          <a:prstGeom prst="rect">
+            <a:avLst/>
+          </a:prstGeom>
+          <a:noFill/>
+        </p:spPr>
+        <p:txBody>
+          <a:bodyPr wrap="square" rtlCol="0">
+            <a:spAutoFit/>
+          </a:bodyPr>
+          <a:lstStyle/>
+          <a:p>
+            <a:r>
+              <a:rPr lang="en-US" dirty="0"/>
+              <a:t>HMACs </a:t>
+            </a:r>
+            <a:endParaRPr lang="en-GB" dirty="0"/>
+          </a:p>
+        </p:txBody>
+      </p:sp>
+      <p:sp>
+        <p:nvSpPr>
+          <p:cNvPr id="37" name="Arrow: Right 36">
+            <a:extLst>
+              <a:ext uri="{FF2B5EF4-FFF2-40B4-BE49-F238E27FC236}">
+                <a16:creationId xmlns:a16="http://schemas.microsoft.com/office/drawing/2014/main" id="{478B75B9-B55A-48E0-9AE1-16BE0CE5DE99}"/>
+              </a:ext>
+            </a:extLst>
+          </p:cNvPr>
+          <p:cNvSpPr/>
+          <p:nvPr/>
+        </p:nvSpPr>
+        <p:spPr>
+          <a:xfrm>
+            <a:off x="920048" y="5974663"/>
+            <a:ext cx="496154" cy="217912"/>
+          </a:xfrm>
+          <a:prstGeom prst="rightArrow">
+            <a:avLst/>
+          </a:prstGeom>
+        </p:spPr>
+        <p:style>
+          <a:lnRef idx="2">
+            <a:schemeClr val="accent1">
+              <a:shade val="50000"/>
+            </a:schemeClr>
+          </a:lnRef>
+          <a:fillRef idx="1">
+            <a:schemeClr val="accent1"/>
+          </a:fillRef>
+          <a:effectRef idx="0">
+            <a:schemeClr val="accent1"/>
+          </a:effectRef>
+          <a:fontRef idx="minor">
+            <a:schemeClr val="lt1"/>
+          </a:fontRef>
+        </p:style>
+        <p:txBody>
+          <a:bodyPr rtlCol="0" anchor="ctr"/>
+          <a:lstStyle/>
+          <a:p>
+            <a:pPr algn="ctr"/>
+            <a:endParaRPr lang="en-GB"/>
+          </a:p>
+        </p:txBody>
+      </p:sp>
+      <p:pic>
+        <p:nvPicPr>
+          <p:cNvPr id="5122" name="Picture 2" descr="Malicious Hacker transparent PNG - StickPNG">
+            <a:extLst>
+              <a:ext uri="{FF2B5EF4-FFF2-40B4-BE49-F238E27FC236}">
+                <a16:creationId xmlns:a16="http://schemas.microsoft.com/office/drawing/2014/main" id="{59FBF6B1-6242-4C73-BB29-56777EAADBAC}"/>
+              </a:ext>
+            </a:extLst>
+          </p:cNvPr>
+          <p:cNvPicPr>
+            <a:picLocks noChangeAspect="1" noChangeArrowheads="1"/>
+          </p:cNvPicPr>
+          <p:nvPr/>
+        </p:nvPicPr>
+        <p:blipFill>
+          <a:blip r:embed="rId3">
+            <a:extLst>
+              <a:ext uri="{28A0092B-C50C-407E-A947-70E740481C1C}">
+                <a14:useLocalDpi xmlns:a14="http://schemas.microsoft.com/office/drawing/2010/main" val="0"/>
+              </a:ext>
+            </a:extLst>
+          </a:blip>
+          <a:srcRect/>
+          <a:stretch>
+            <a:fillRect/>
+          </a:stretch>
+        </p:blipFill>
+        <p:spPr bwMode="auto">
+          <a:xfrm>
+            <a:off x="10829693" y="5537201"/>
+            <a:ext cx="1219200" cy="1219200"/>
+          </a:xfrm>
+          <a:prstGeom prst="rect">
+            <a:avLst/>
+          </a:prstGeom>
+          <a:noFill/>
+          <a:extLst>
+            <a:ext uri="{909E8E84-426E-40DD-AFC4-6F175D3DCCD1}">
+              <a14:hiddenFill xmlns:a14="http://schemas.microsoft.com/office/drawing/2010/main">
+                <a:solidFill>
+                  <a:srgbClr val="FFFFFF"/>
+                </a:solidFill>
+              </a14:hiddenFill>
+            </a:ext>
+          </a:extLst>
+        </p:spPr>
+      </p:pic>
+      <p:sp>
+        <p:nvSpPr>
+          <p:cNvPr id="25" name="Rectangle 24">
+            <a:extLst>
+              <a:ext uri="{FF2B5EF4-FFF2-40B4-BE49-F238E27FC236}">
+                <a16:creationId xmlns:a16="http://schemas.microsoft.com/office/drawing/2014/main" id="{61076E5E-7634-4FCF-8522-36858AAFB8B0}"/>
+              </a:ext>
+            </a:extLst>
+          </p:cNvPr>
+          <p:cNvSpPr/>
+          <p:nvPr/>
+        </p:nvSpPr>
+        <p:spPr>
+          <a:xfrm>
+            <a:off x="8816899" y="5568781"/>
+            <a:ext cx="1717286" cy="996027"/>
+          </a:xfrm>
+          <a:prstGeom prst="rect">
+            <a:avLst/>
+          </a:prstGeom>
+        </p:spPr>
+        <p:style>
+          <a:lnRef idx="2">
+            <a:schemeClr val="accent2">
+              <a:shade val="50000"/>
+            </a:schemeClr>
+          </a:lnRef>
+          <a:fillRef idx="1">
+            <a:schemeClr val="accent2"/>
+          </a:fillRef>
+          <a:effectRef idx="0">
+            <a:schemeClr val="accent2"/>
+          </a:effectRef>
+          <a:fontRef idx="minor">
+            <a:schemeClr val="lt1"/>
+          </a:fontRef>
+        </p:style>
+        <p:txBody>
+          <a:bodyPr rtlCol="0" anchor="ctr"/>
+          <a:lstStyle/>
+          <a:p>
+            <a:pPr algn="ctr"/>
+            <a:r>
+              <a:rPr lang="en-GB" b="1" i="0" dirty="0">
+                <a:solidFill>
+                  <a:srgbClr val="FFC000"/>
+                </a:solidFill>
+                <a:effectLst/>
+                <a:latin typeface="Inconsolata"/>
+              </a:rPr>
+              <a:t>909f99</a:t>
+            </a:r>
+            <a:endParaRPr lang="en-GB" b="1" dirty="0">
+              <a:solidFill>
+                <a:srgbClr val="FFC000"/>
+              </a:solidFill>
+            </a:endParaRPr>
+          </a:p>
+        </p:txBody>
+      </p:sp>
+      <p:sp>
+        <p:nvSpPr>
+          <p:cNvPr id="26" name="Rectangle 25">
+            <a:extLst>
+              <a:ext uri="{FF2B5EF4-FFF2-40B4-BE49-F238E27FC236}">
+                <a16:creationId xmlns:a16="http://schemas.microsoft.com/office/drawing/2014/main" id="{B7A31FAE-3AB2-48EB-845B-A4BB51E5658D}"/>
+              </a:ext>
+            </a:extLst>
+          </p:cNvPr>
+          <p:cNvSpPr/>
+          <p:nvPr/>
+        </p:nvSpPr>
+        <p:spPr>
+          <a:xfrm>
+            <a:off x="7885774" y="4177650"/>
+            <a:ext cx="1717286" cy="996027"/>
+          </a:xfrm>
+          <a:prstGeom prst="rect">
+            <a:avLst/>
+          </a:prstGeom>
+        </p:spPr>
+        <p:style>
+          <a:lnRef idx="2">
+            <a:schemeClr val="accent2">
+              <a:shade val="50000"/>
+            </a:schemeClr>
+          </a:lnRef>
+          <a:fillRef idx="1">
+            <a:schemeClr val="accent2"/>
+          </a:fillRef>
+          <a:effectRef idx="0">
+            <a:schemeClr val="accent2"/>
+          </a:effectRef>
+          <a:fontRef idx="minor">
+            <a:schemeClr val="lt1"/>
+          </a:fontRef>
+        </p:style>
+        <p:txBody>
+          <a:bodyPr rtlCol="0" anchor="ctr"/>
+          <a:lstStyle/>
+          <a:p>
+            <a:pPr algn="ctr"/>
+            <a:r>
+              <a:rPr lang="en-GB" b="1" dirty="0">
+                <a:solidFill>
+                  <a:srgbClr val="FFC000"/>
+                </a:solidFill>
+              </a:rPr>
+              <a:t>fa9dce</a:t>
+            </a:r>
+          </a:p>
+        </p:txBody>
+      </p:sp>
+      <p:sp>
+        <p:nvSpPr>
+          <p:cNvPr id="27" name="Rectangle 26">
+            <a:extLst>
+              <a:ext uri="{FF2B5EF4-FFF2-40B4-BE49-F238E27FC236}">
+                <a16:creationId xmlns:a16="http://schemas.microsoft.com/office/drawing/2014/main" id="{9C2DBC3B-A726-4A09-93CE-E27273A060B7}"/>
+              </a:ext>
+            </a:extLst>
+          </p:cNvPr>
+          <p:cNvSpPr/>
+          <p:nvPr/>
+        </p:nvSpPr>
+        <p:spPr>
+          <a:xfrm>
+            <a:off x="5237357" y="2478077"/>
+            <a:ext cx="1717286" cy="996027"/>
+          </a:xfrm>
+          <a:prstGeom prst="rect">
+            <a:avLst/>
+          </a:prstGeom>
+        </p:spPr>
+        <p:style>
+          <a:lnRef idx="2">
+            <a:schemeClr val="accent2">
+              <a:shade val="50000"/>
+            </a:schemeClr>
+          </a:lnRef>
+          <a:fillRef idx="1">
+            <a:schemeClr val="accent2"/>
+          </a:fillRef>
+          <a:effectRef idx="0">
+            <a:schemeClr val="accent2"/>
+          </a:effectRef>
+          <a:fontRef idx="minor">
+            <a:schemeClr val="lt1"/>
+          </a:fontRef>
+        </p:style>
+        <p:txBody>
+          <a:bodyPr rtlCol="0" anchor="ctr"/>
+          <a:lstStyle/>
+          <a:p>
+            <a:pPr algn="ctr"/>
+            <a:r>
+              <a:rPr lang="en-GB" b="1" dirty="0">
+                <a:solidFill>
+                  <a:srgbClr val="FFC000"/>
+                </a:solidFill>
+              </a:rPr>
+              <a:t>a4a618</a:t>
+            </a:r>
+          </a:p>
+        </p:txBody>
+      </p:sp>
+      <p:pic>
+        <p:nvPicPr>
+          <p:cNvPr id="7170" name="Picture 2" descr="404 Error, Probe &amp; Attack Detection - Affinity Hosting">
+            <a:extLst>
+              <a:ext uri="{FF2B5EF4-FFF2-40B4-BE49-F238E27FC236}">
+                <a16:creationId xmlns:a16="http://schemas.microsoft.com/office/drawing/2014/main" id="{02F3ABC9-9CF9-45A2-84C7-202429E7607A}"/>
+              </a:ext>
+            </a:extLst>
+          </p:cNvPr>
+          <p:cNvPicPr>
+            <a:picLocks noChangeAspect="1" noChangeArrowheads="1"/>
+          </p:cNvPicPr>
+          <p:nvPr/>
+        </p:nvPicPr>
+        <p:blipFill>
+          <a:blip r:embed="rId4">
+            <a:extLst>
+              <a:ext uri="{28A0092B-C50C-407E-A947-70E740481C1C}">
+                <a14:useLocalDpi xmlns:a14="http://schemas.microsoft.com/office/drawing/2010/main" val="0"/>
+              </a:ext>
+            </a:extLst>
+          </a:blip>
+          <a:srcRect/>
+          <a:stretch>
+            <a:fillRect/>
+          </a:stretch>
+        </p:blipFill>
+        <p:spPr bwMode="auto">
+          <a:xfrm>
+            <a:off x="3211551" y="2027971"/>
+            <a:ext cx="1405052" cy="1153669"/>
+          </a:xfrm>
+          <a:prstGeom prst="rect">
+            <a:avLst/>
+          </a:prstGeom>
+          <a:noFill/>
+          <a:extLst>
+            <a:ext uri="{909E8E84-426E-40DD-AFC4-6F175D3DCCD1}">
+              <a14:hiddenFill xmlns:a14="http://schemas.microsoft.com/office/drawing/2010/main">
+                <a:solidFill>
+                  <a:srgbClr val="FFFFFF"/>
+                </a:solidFill>
+              </a14:hiddenFill>
+            </a:ext>
+          </a:extLst>
+        </p:spPr>
+      </p:pic>
+      <p:cxnSp>
+        <p:nvCxnSpPr>
+          <p:cNvPr id="4" name="Straight Arrow Connector 3">
+            <a:extLst>
+              <a:ext uri="{FF2B5EF4-FFF2-40B4-BE49-F238E27FC236}">
+                <a16:creationId xmlns:a16="http://schemas.microsoft.com/office/drawing/2014/main" id="{4D8DA90D-20D6-474F-8921-B0E52E20ED12}"/>
+              </a:ext>
+            </a:extLst>
+          </p:cNvPr>
+          <p:cNvCxnSpPr/>
+          <p:nvPr/>
+        </p:nvCxnSpPr>
+        <p:spPr>
+          <a:xfrm flipH="1" flipV="1">
+            <a:off x="2921620" y="2687444"/>
+            <a:ext cx="379141" cy="111512"/>
+          </a:xfrm>
+          <a:prstGeom prst="straightConnector1">
+            <a:avLst/>
+          </a:prstGeom>
+          <a:ln>
+            <a:tailEnd type="triangle"/>
+          </a:ln>
+        </p:spPr>
+        <p:style>
+          <a:lnRef idx="1">
+            <a:schemeClr val="accent1"/>
+          </a:lnRef>
+          <a:fillRef idx="0">
+            <a:schemeClr val="accent1"/>
+          </a:fillRef>
+          <a:effectRef idx="0">
+            <a:schemeClr val="accent1"/>
+          </a:effectRef>
+          <a:fontRef idx="minor">
+            <a:schemeClr val="tx1"/>
+          </a:fontRef>
+        </p:style>
+      </p:cxnSp>
+      <p:cxnSp>
+        <p:nvCxnSpPr>
+          <p:cNvPr id="28" name="Straight Arrow Connector 27">
+            <a:extLst>
+              <a:ext uri="{FF2B5EF4-FFF2-40B4-BE49-F238E27FC236}">
+                <a16:creationId xmlns:a16="http://schemas.microsoft.com/office/drawing/2014/main" id="{0B4DE6AE-F37A-4973-9039-4445A234C105}"/>
+              </a:ext>
+            </a:extLst>
+          </p:cNvPr>
+          <p:cNvCxnSpPr>
+            <a:cxnSpLocks/>
+          </p:cNvCxnSpPr>
+          <p:nvPr/>
+        </p:nvCxnSpPr>
+        <p:spPr>
+          <a:xfrm>
+            <a:off x="4445619" y="2870133"/>
+            <a:ext cx="691376" cy="39596"/>
+          </a:xfrm>
+          <a:prstGeom prst="straightConnector1">
+            <a:avLst/>
+          </a:prstGeom>
+          <a:ln>
+            <a:tailEnd type="triangle"/>
+          </a:ln>
+        </p:spPr>
+        <p:style>
+          <a:lnRef idx="1">
+            <a:schemeClr val="accent1"/>
+          </a:lnRef>
+          <a:fillRef idx="0">
+            <a:schemeClr val="accent1"/>
+          </a:fillRef>
+          <a:effectRef idx="0">
+            <a:schemeClr val="accent1"/>
+          </a:effectRef>
+          <a:fontRef idx="minor">
+            <a:schemeClr val="tx1"/>
+          </a:fontRef>
+        </p:style>
+      </p:cxnSp>
+      <p:sp>
+        <p:nvSpPr>
+          <p:cNvPr id="8" name="TextBox 7">
+            <a:extLst>
+              <a:ext uri="{FF2B5EF4-FFF2-40B4-BE49-F238E27FC236}">
+                <a16:creationId xmlns:a16="http://schemas.microsoft.com/office/drawing/2014/main" id="{02A6879D-C2DC-49A8-B616-AABA36AA6123}"/>
+              </a:ext>
+            </a:extLst>
+          </p:cNvPr>
+          <p:cNvSpPr txBox="1"/>
+          <p:nvPr/>
+        </p:nvSpPr>
+        <p:spPr>
+          <a:xfrm>
+            <a:off x="10976522" y="5167380"/>
+            <a:ext cx="1024056" cy="369332"/>
+          </a:xfrm>
+          <a:prstGeom prst="rect">
+            <a:avLst/>
+          </a:prstGeom>
+          <a:noFill/>
+        </p:spPr>
+        <p:txBody>
+          <a:bodyPr wrap="square" rtlCol="0">
+            <a:spAutoFit/>
+          </a:bodyPr>
+          <a:lstStyle/>
+          <a:p>
+            <a:r>
+              <a:rPr lang="en-US" dirty="0"/>
+              <a:t>Attacker</a:t>
+            </a:r>
+            <a:endParaRPr lang="en-GB" dirty="0"/>
+          </a:p>
+        </p:txBody>
+      </p:sp>
+    </p:spTree>
+    <p:extLst>
+      <p:ext uri="{BB962C8B-B14F-4D97-AF65-F5344CB8AC3E}">
+        <p14:creationId xmlns:p14="http://schemas.microsoft.com/office/powerpoint/2010/main" val="3522586878"/>
+      </p:ext>
+    </p:extLst>
+  </p:cSld>
+  <p:clrMapOvr>
+    <a:overrideClrMapping bg1="dk1" tx1="lt1" bg2="dk2" tx2="lt2" accent1="accent1" accent2="accent2" accent3="accent3" accent4="accent4" accent5="accent5" accent6="accent6" hlink="hlink" folHlink="folHlink"/>
+  </p:clrMapOvr>
+  <p:timing>
+    <p:tnLst>
+      <p:par>
+        <p:cTn id="1" dur="indefinite" restart="never" nodeType="tmRoot">
+          <p:childTnLst>
+            <p:seq concurrent="1" nextAc="seek">
+              <p:cTn id="2" dur="indefinite" nodeType="mainSeq">
+                <p:childTnLst>
+                  <p:par>
+                    <p:cTn id="3" fill="hold">
+                      <p:stCondLst>
+                        <p:cond delay="indefinite"/>
+                      </p:stCondLst>
+                      <p:childTnLst>
+                        <p:par>
+                          <p:cTn id="4" fill="hold">
+                            <p:stCondLst>
+                              <p:cond delay="0"/>
+                            </p:stCondLst>
+                            <p:childTnLst>
+                              <p:par>
+                                <p:cTn id="5" presetID="1" presetClass="entr" presetSubtype="0" fill="hold" grpId="0" nodeType="clickEffect">
+                                  <p:stCondLst>
+                                    <p:cond delay="0"/>
+                                  </p:stCondLst>
+                                  <p:childTnLst>
+                                    <p:set>
+                                      <p:cBhvr>
+                                        <p:cTn id="6" dur="1" fill="hold">
+                                          <p:stCondLst>
+                                            <p:cond delay="0"/>
+                                          </p:stCondLst>
+                                        </p:cTn>
+                                        <p:tgtEl>
+                                          <p:spTgt spid="8"/>
+                                        </p:tgtEl>
+                                        <p:attrNameLst>
+                                          <p:attrName>style.visibility</p:attrName>
+                                        </p:attrNameLst>
+                                      </p:cBhvr>
+                                      <p:to>
+                                        <p:strVal val="visible"/>
+                                      </p:to>
+                                    </p:set>
+                                  </p:childTnLst>
+                                </p:cTn>
+                              </p:par>
+                            </p:childTnLst>
+                          </p:cTn>
+                        </p:par>
+                      </p:childTnLst>
+                    </p:cTn>
+                  </p:par>
+                  <p:par>
+                    <p:cTn id="7" fill="hold">
+                      <p:stCondLst>
+                        <p:cond delay="indefinite"/>
+                      </p:stCondLst>
+                      <p:childTnLst>
+                        <p:par>
+                          <p:cTn id="8" fill="hold">
+                            <p:stCondLst>
+                              <p:cond delay="0"/>
+                            </p:stCondLst>
+                            <p:childTnLst>
+                              <p:par>
+                                <p:cTn id="9" presetID="1" presetClass="entr" presetSubtype="0" fill="hold" nodeType="clickEffect">
+                                  <p:stCondLst>
+                                    <p:cond delay="0"/>
+                                  </p:stCondLst>
+                                  <p:childTnLst>
+                                    <p:set>
+                                      <p:cBhvr>
+                                        <p:cTn id="10" dur="1" fill="hold">
+                                          <p:stCondLst>
+                                            <p:cond delay="0"/>
+                                          </p:stCondLst>
+                                        </p:cTn>
+                                        <p:tgtEl>
+                                          <p:spTgt spid="5122"/>
+                                        </p:tgtEl>
+                                        <p:attrNameLst>
+                                          <p:attrName>style.visibility</p:attrName>
+                                        </p:attrNameLst>
+                                      </p:cBhvr>
+                                      <p:to>
+                                        <p:strVal val="visible"/>
+                                      </p:to>
+                                    </p:set>
+                                  </p:childTnLst>
+                                </p:cTn>
+                              </p:par>
+                            </p:childTnLst>
+                          </p:cTn>
+                        </p:par>
+                      </p:childTnLst>
+                    </p:cTn>
+                  </p:par>
+                  <p:par>
+                    <p:cTn id="11" fill="hold">
+                      <p:stCondLst>
+                        <p:cond delay="indefinite"/>
+                      </p:stCondLst>
+                      <p:childTnLst>
+                        <p:par>
+                          <p:cTn id="12" fill="hold">
+                            <p:stCondLst>
+                              <p:cond delay="0"/>
+                            </p:stCondLst>
+                            <p:childTnLst>
+                              <p:par>
+                                <p:cTn id="13" presetID="10" presetClass="entr" presetSubtype="0" fill="hold" grpId="0" nodeType="clickEffect">
+                                  <p:stCondLst>
+                                    <p:cond delay="0"/>
+                                  </p:stCondLst>
+                                  <p:childTnLst>
+                                    <p:set>
+                                      <p:cBhvr>
+                                        <p:cTn id="14" dur="1" fill="hold">
+                                          <p:stCondLst>
+                                            <p:cond delay="0"/>
+                                          </p:stCondLst>
+                                        </p:cTn>
+                                        <p:tgtEl>
+                                          <p:spTgt spid="25"/>
+                                        </p:tgtEl>
+                                        <p:attrNameLst>
+                                          <p:attrName>style.visibility</p:attrName>
+                                        </p:attrNameLst>
+                                      </p:cBhvr>
+                                      <p:to>
+                                        <p:strVal val="visible"/>
+                                      </p:to>
+                                    </p:set>
+                                    <p:animEffect transition="in" filter="fade">
+                                      <p:cBhvr>
+                                        <p:cTn id="15" dur="500"/>
+                                        <p:tgtEl>
+                                          <p:spTgt spid="25"/>
+                                        </p:tgtEl>
+                                      </p:cBhvr>
+                                    </p:animEffect>
+                                  </p:childTnLst>
+                                </p:cTn>
+                              </p:par>
+                            </p:childTnLst>
+                          </p:cTn>
+                        </p:par>
+                      </p:childTnLst>
+                    </p:cTn>
+                  </p:par>
+                  <p:par>
+                    <p:cTn id="16" fill="hold">
+                      <p:stCondLst>
+                        <p:cond delay="indefinite"/>
+                      </p:stCondLst>
+                      <p:childTnLst>
+                        <p:par>
+                          <p:cTn id="17" fill="hold">
+                            <p:stCondLst>
+                              <p:cond delay="0"/>
+                            </p:stCondLst>
+                            <p:childTnLst>
+                              <p:par>
+                                <p:cTn id="18" presetID="26" presetClass="entr" presetSubtype="0" fill="hold" grpId="0" nodeType="clickEffect">
+                                  <p:stCondLst>
+                                    <p:cond delay="0"/>
+                                  </p:stCondLst>
+                                  <p:childTnLst>
+                                    <p:set>
+                                      <p:cBhvr>
+                                        <p:cTn id="19" dur="1" fill="hold">
+                                          <p:stCondLst>
+                                            <p:cond delay="0"/>
+                                          </p:stCondLst>
+                                        </p:cTn>
+                                        <p:tgtEl>
+                                          <p:spTgt spid="26"/>
+                                        </p:tgtEl>
+                                        <p:attrNameLst>
+                                          <p:attrName>style.visibility</p:attrName>
+                                        </p:attrNameLst>
+                                      </p:cBhvr>
+                                      <p:to>
+                                        <p:strVal val="visible"/>
+                                      </p:to>
+                                    </p:set>
+                                    <p:animEffect transition="in" filter="wipe(down)">
+                                      <p:cBhvr>
+                                        <p:cTn id="20" dur="580">
+                                          <p:stCondLst>
+                                            <p:cond delay="0"/>
+                                          </p:stCondLst>
+                                        </p:cTn>
+                                        <p:tgtEl>
+                                          <p:spTgt spid="26"/>
+                                        </p:tgtEl>
+                                      </p:cBhvr>
+                                    </p:animEffect>
+                                    <p:anim calcmode="lin" valueType="num">
+                                      <p:cBhvr>
+                                        <p:cTn id="21" dur="1822" tmFilter="0,0; 0.14,0.36; 0.43,0.73; 0.71,0.91; 1.0,1.0">
+                                          <p:stCondLst>
+                                            <p:cond delay="0"/>
+                                          </p:stCondLst>
+                                        </p:cTn>
+                                        <p:tgtEl>
+                                          <p:spTgt spid="26"/>
+                                        </p:tgtEl>
+                                        <p:attrNameLst>
+                                          <p:attrName>ppt_x</p:attrName>
+                                        </p:attrNameLst>
+                                      </p:cBhvr>
+                                      <p:tavLst>
+                                        <p:tav tm="0">
+                                          <p:val>
+                                            <p:strVal val="#ppt_x-0.25"/>
+                                          </p:val>
+                                        </p:tav>
+                                        <p:tav tm="100000">
+                                          <p:val>
+                                            <p:strVal val="#ppt_x"/>
+                                          </p:val>
+                                        </p:tav>
+                                      </p:tavLst>
+                                    </p:anim>
+                                    <p:anim calcmode="lin" valueType="num">
+                                      <p:cBhvr>
+                                        <p:cTn id="22" dur="664" tmFilter="0.0,0.0; 0.25,0.07; 0.50,0.2; 0.75,0.467; 1.0,1.0">
+                                          <p:stCondLst>
+                                            <p:cond delay="0"/>
+                                          </p:stCondLst>
+                                        </p:cTn>
+                                        <p:tgtEl>
+                                          <p:spTgt spid="26"/>
+                                        </p:tgtEl>
+                                        <p:attrNameLst>
+                                          <p:attrName>ppt_y</p:attrName>
+                                        </p:attrNameLst>
+                                      </p:cBhvr>
+                                      <p:tavLst>
+                                        <p:tav tm="0" fmla="#ppt_y-sin(pi*$)/3">
+                                          <p:val>
+                                            <p:fltVal val="0.5"/>
+                                          </p:val>
+                                        </p:tav>
+                                        <p:tav tm="100000">
+                                          <p:val>
+                                            <p:fltVal val="1"/>
+                                          </p:val>
+                                        </p:tav>
+                                      </p:tavLst>
+                                    </p:anim>
+                                    <p:anim calcmode="lin" valueType="num">
+                                      <p:cBhvr>
+                                        <p:cTn id="23" dur="664" tmFilter="0, 0; 0.125,0.2665; 0.25,0.4; 0.375,0.465; 0.5,0.5;  0.625,0.535; 0.75,0.6; 0.875,0.7335; 1,1">
+                                          <p:stCondLst>
+                                            <p:cond delay="664"/>
+                                          </p:stCondLst>
+                                        </p:cTn>
+                                        <p:tgtEl>
+                                          <p:spTgt spid="26"/>
+                                        </p:tgtEl>
+                                        <p:attrNameLst>
+                                          <p:attrName>ppt_y</p:attrName>
+                                        </p:attrNameLst>
+                                      </p:cBhvr>
+                                      <p:tavLst>
+                                        <p:tav tm="0" fmla="#ppt_y-sin(pi*$)/9">
+                                          <p:val>
+                                            <p:fltVal val="0"/>
+                                          </p:val>
+                                        </p:tav>
+                                        <p:tav tm="100000">
+                                          <p:val>
+                                            <p:fltVal val="1"/>
+                                          </p:val>
+                                        </p:tav>
+                                      </p:tavLst>
+                                    </p:anim>
+                                    <p:anim calcmode="lin" valueType="num">
+                                      <p:cBhvr>
+                                        <p:cTn id="24" dur="332" tmFilter="0, 0; 0.125,0.2665; 0.25,0.4; 0.375,0.465; 0.5,0.5;  0.625,0.535; 0.75,0.6; 0.875,0.7335; 1,1">
+                                          <p:stCondLst>
+                                            <p:cond delay="1324"/>
+                                          </p:stCondLst>
+                                        </p:cTn>
+                                        <p:tgtEl>
+                                          <p:spTgt spid="26"/>
+                                        </p:tgtEl>
+                                        <p:attrNameLst>
+                                          <p:attrName>ppt_y</p:attrName>
+                                        </p:attrNameLst>
+                                      </p:cBhvr>
+                                      <p:tavLst>
+                                        <p:tav tm="0" fmla="#ppt_y-sin(pi*$)/27">
+                                          <p:val>
+                                            <p:fltVal val="0"/>
+                                          </p:val>
+                                        </p:tav>
+                                        <p:tav tm="100000">
+                                          <p:val>
+                                            <p:fltVal val="1"/>
+                                          </p:val>
+                                        </p:tav>
+                                      </p:tavLst>
+                                    </p:anim>
+                                    <p:anim calcmode="lin" valueType="num">
+                                      <p:cBhvr>
+                                        <p:cTn id="25" dur="164" tmFilter="0, 0; 0.125,0.2665; 0.25,0.4; 0.375,0.465; 0.5,0.5;  0.625,0.535; 0.75,0.6; 0.875,0.7335; 1,1">
+                                          <p:stCondLst>
+                                            <p:cond delay="1656"/>
+                                          </p:stCondLst>
+                                        </p:cTn>
+                                        <p:tgtEl>
+                                          <p:spTgt spid="26"/>
+                                        </p:tgtEl>
+                                        <p:attrNameLst>
+                                          <p:attrName>ppt_y</p:attrName>
+                                        </p:attrNameLst>
+                                      </p:cBhvr>
+                                      <p:tavLst>
+                                        <p:tav tm="0" fmla="#ppt_y-sin(pi*$)/81">
+                                          <p:val>
+                                            <p:fltVal val="0"/>
+                                          </p:val>
+                                        </p:tav>
+                                        <p:tav tm="100000">
+                                          <p:val>
+                                            <p:fltVal val="1"/>
+                                          </p:val>
+                                        </p:tav>
+                                      </p:tavLst>
+                                    </p:anim>
+                                    <p:animScale>
+                                      <p:cBhvr>
+                                        <p:cTn id="26" dur="26">
+                                          <p:stCondLst>
+                                            <p:cond delay="650"/>
+                                          </p:stCondLst>
+                                        </p:cTn>
+                                        <p:tgtEl>
+                                          <p:spTgt spid="26"/>
+                                        </p:tgtEl>
+                                      </p:cBhvr>
+                                      <p:to x="100000" y="60000"/>
+                                    </p:animScale>
+                                    <p:animScale>
+                                      <p:cBhvr>
+                                        <p:cTn id="27" dur="166" decel="50000">
+                                          <p:stCondLst>
+                                            <p:cond delay="676"/>
+                                          </p:stCondLst>
+                                        </p:cTn>
+                                        <p:tgtEl>
+                                          <p:spTgt spid="26"/>
+                                        </p:tgtEl>
+                                      </p:cBhvr>
+                                      <p:to x="100000" y="100000"/>
+                                    </p:animScale>
+                                    <p:animScale>
+                                      <p:cBhvr>
+                                        <p:cTn id="28" dur="26">
+                                          <p:stCondLst>
+                                            <p:cond delay="1312"/>
+                                          </p:stCondLst>
+                                        </p:cTn>
+                                        <p:tgtEl>
+                                          <p:spTgt spid="26"/>
+                                        </p:tgtEl>
+                                      </p:cBhvr>
+                                      <p:to x="100000" y="80000"/>
+                                    </p:animScale>
+                                    <p:animScale>
+                                      <p:cBhvr>
+                                        <p:cTn id="29" dur="166" decel="50000">
+                                          <p:stCondLst>
+                                            <p:cond delay="1338"/>
+                                          </p:stCondLst>
+                                        </p:cTn>
+                                        <p:tgtEl>
+                                          <p:spTgt spid="26"/>
+                                        </p:tgtEl>
+                                      </p:cBhvr>
+                                      <p:to x="100000" y="100000"/>
+                                    </p:animScale>
+                                    <p:animScale>
+                                      <p:cBhvr>
+                                        <p:cTn id="30" dur="26">
+                                          <p:stCondLst>
+                                            <p:cond delay="1642"/>
+                                          </p:stCondLst>
+                                        </p:cTn>
+                                        <p:tgtEl>
+                                          <p:spTgt spid="26"/>
+                                        </p:tgtEl>
+                                      </p:cBhvr>
+                                      <p:to x="100000" y="90000"/>
+                                    </p:animScale>
+                                    <p:animScale>
+                                      <p:cBhvr>
+                                        <p:cTn id="31" dur="166" decel="50000">
+                                          <p:stCondLst>
+                                            <p:cond delay="1668"/>
+                                          </p:stCondLst>
+                                        </p:cTn>
+                                        <p:tgtEl>
+                                          <p:spTgt spid="26"/>
+                                        </p:tgtEl>
+                                      </p:cBhvr>
+                                      <p:to x="100000" y="100000"/>
+                                    </p:animScale>
+                                    <p:animScale>
+                                      <p:cBhvr>
+                                        <p:cTn id="32" dur="26">
+                                          <p:stCondLst>
+                                            <p:cond delay="1808"/>
+                                          </p:stCondLst>
+                                        </p:cTn>
+                                        <p:tgtEl>
+                                          <p:spTgt spid="26"/>
+                                        </p:tgtEl>
+                                      </p:cBhvr>
+                                      <p:to x="100000" y="95000"/>
+                                    </p:animScale>
+                                    <p:animScale>
+                                      <p:cBhvr>
+                                        <p:cTn id="33" dur="166" decel="50000">
+                                          <p:stCondLst>
+                                            <p:cond delay="1834"/>
+                                          </p:stCondLst>
+                                        </p:cTn>
+                                        <p:tgtEl>
+                                          <p:spTgt spid="26"/>
+                                        </p:tgtEl>
+                                      </p:cBhvr>
+                                      <p:to x="100000" y="100000"/>
+                                    </p:animScale>
+                                  </p:childTnLst>
+                                </p:cTn>
+                              </p:par>
+                            </p:childTnLst>
+                          </p:cTn>
+                        </p:par>
+                      </p:childTnLst>
+                    </p:cTn>
+                  </p:par>
+                  <p:par>
+                    <p:cTn id="34" fill="hold">
+                      <p:stCondLst>
+                        <p:cond delay="indefinite"/>
+                      </p:stCondLst>
+                      <p:childTnLst>
+                        <p:par>
+                          <p:cTn id="35" fill="hold">
+                            <p:stCondLst>
+                              <p:cond delay="0"/>
+                            </p:stCondLst>
+                            <p:childTnLst>
+                              <p:par>
+                                <p:cTn id="36" presetID="26" presetClass="entr" presetSubtype="0" fill="hold" grpId="0" nodeType="clickEffect">
+                                  <p:stCondLst>
+                                    <p:cond delay="0"/>
+                                  </p:stCondLst>
+                                  <p:childTnLst>
+                                    <p:set>
+                                      <p:cBhvr>
+                                        <p:cTn id="37" dur="1" fill="hold">
+                                          <p:stCondLst>
+                                            <p:cond delay="0"/>
+                                          </p:stCondLst>
+                                        </p:cTn>
+                                        <p:tgtEl>
+                                          <p:spTgt spid="27"/>
+                                        </p:tgtEl>
+                                        <p:attrNameLst>
+                                          <p:attrName>style.visibility</p:attrName>
+                                        </p:attrNameLst>
+                                      </p:cBhvr>
+                                      <p:to>
+                                        <p:strVal val="visible"/>
+                                      </p:to>
+                                    </p:set>
+                                    <p:animEffect transition="in" filter="wipe(down)">
+                                      <p:cBhvr>
+                                        <p:cTn id="38" dur="580">
+                                          <p:stCondLst>
+                                            <p:cond delay="0"/>
+                                          </p:stCondLst>
+                                        </p:cTn>
+                                        <p:tgtEl>
+                                          <p:spTgt spid="27"/>
+                                        </p:tgtEl>
+                                      </p:cBhvr>
+                                    </p:animEffect>
+                                    <p:anim calcmode="lin" valueType="num">
+                                      <p:cBhvr>
+                                        <p:cTn id="39" dur="1822" tmFilter="0,0; 0.14,0.36; 0.43,0.73; 0.71,0.91; 1.0,1.0">
+                                          <p:stCondLst>
+                                            <p:cond delay="0"/>
+                                          </p:stCondLst>
+                                        </p:cTn>
+                                        <p:tgtEl>
+                                          <p:spTgt spid="27"/>
+                                        </p:tgtEl>
+                                        <p:attrNameLst>
+                                          <p:attrName>ppt_x</p:attrName>
+                                        </p:attrNameLst>
+                                      </p:cBhvr>
+                                      <p:tavLst>
+                                        <p:tav tm="0">
+                                          <p:val>
+                                            <p:strVal val="#ppt_x-0.25"/>
+                                          </p:val>
+                                        </p:tav>
+                                        <p:tav tm="100000">
+                                          <p:val>
+                                            <p:strVal val="#ppt_x"/>
+                                          </p:val>
+                                        </p:tav>
+                                      </p:tavLst>
+                                    </p:anim>
+                                    <p:anim calcmode="lin" valueType="num">
+                                      <p:cBhvr>
+                                        <p:cTn id="40" dur="664" tmFilter="0.0,0.0; 0.25,0.07; 0.50,0.2; 0.75,0.467; 1.0,1.0">
+                                          <p:stCondLst>
+                                            <p:cond delay="0"/>
+                                          </p:stCondLst>
+                                        </p:cTn>
+                                        <p:tgtEl>
+                                          <p:spTgt spid="27"/>
+                                        </p:tgtEl>
+                                        <p:attrNameLst>
+                                          <p:attrName>ppt_y</p:attrName>
+                                        </p:attrNameLst>
+                                      </p:cBhvr>
+                                      <p:tavLst>
+                                        <p:tav tm="0" fmla="#ppt_y-sin(pi*$)/3">
+                                          <p:val>
+                                            <p:fltVal val="0.5"/>
+                                          </p:val>
+                                        </p:tav>
+                                        <p:tav tm="100000">
+                                          <p:val>
+                                            <p:fltVal val="1"/>
+                                          </p:val>
+                                        </p:tav>
+                                      </p:tavLst>
+                                    </p:anim>
+                                    <p:anim calcmode="lin" valueType="num">
+                                      <p:cBhvr>
+                                        <p:cTn id="41" dur="664" tmFilter="0, 0; 0.125,0.2665; 0.25,0.4; 0.375,0.465; 0.5,0.5;  0.625,0.535; 0.75,0.6; 0.875,0.7335; 1,1">
+                                          <p:stCondLst>
+                                            <p:cond delay="664"/>
+                                          </p:stCondLst>
+                                        </p:cTn>
+                                        <p:tgtEl>
+                                          <p:spTgt spid="27"/>
+                                        </p:tgtEl>
+                                        <p:attrNameLst>
+                                          <p:attrName>ppt_y</p:attrName>
+                                        </p:attrNameLst>
+                                      </p:cBhvr>
+                                      <p:tavLst>
+                                        <p:tav tm="0" fmla="#ppt_y-sin(pi*$)/9">
+                                          <p:val>
+                                            <p:fltVal val="0"/>
+                                          </p:val>
+                                        </p:tav>
+                                        <p:tav tm="100000">
+                                          <p:val>
+                                            <p:fltVal val="1"/>
+                                          </p:val>
+                                        </p:tav>
+                                      </p:tavLst>
+                                    </p:anim>
+                                    <p:anim calcmode="lin" valueType="num">
+                                      <p:cBhvr>
+                                        <p:cTn id="42" dur="332" tmFilter="0, 0; 0.125,0.2665; 0.25,0.4; 0.375,0.465; 0.5,0.5;  0.625,0.535; 0.75,0.6; 0.875,0.7335; 1,1">
+                                          <p:stCondLst>
+                                            <p:cond delay="1324"/>
+                                          </p:stCondLst>
+                                        </p:cTn>
+                                        <p:tgtEl>
+                                          <p:spTgt spid="27"/>
+                                        </p:tgtEl>
+                                        <p:attrNameLst>
+                                          <p:attrName>ppt_y</p:attrName>
+                                        </p:attrNameLst>
+                                      </p:cBhvr>
+                                      <p:tavLst>
+                                        <p:tav tm="0" fmla="#ppt_y-sin(pi*$)/27">
+                                          <p:val>
+                                            <p:fltVal val="0"/>
+                                          </p:val>
+                                        </p:tav>
+                                        <p:tav tm="100000">
+                                          <p:val>
+                                            <p:fltVal val="1"/>
+                                          </p:val>
+                                        </p:tav>
+                                      </p:tavLst>
+                                    </p:anim>
+                                    <p:anim calcmode="lin" valueType="num">
+                                      <p:cBhvr>
+                                        <p:cTn id="43" dur="164" tmFilter="0, 0; 0.125,0.2665; 0.25,0.4; 0.375,0.465; 0.5,0.5;  0.625,0.535; 0.75,0.6; 0.875,0.7335; 1,1">
+                                          <p:stCondLst>
+                                            <p:cond delay="1656"/>
+                                          </p:stCondLst>
+                                        </p:cTn>
+                                        <p:tgtEl>
+                                          <p:spTgt spid="27"/>
+                                        </p:tgtEl>
+                                        <p:attrNameLst>
+                                          <p:attrName>ppt_y</p:attrName>
+                                        </p:attrNameLst>
+                                      </p:cBhvr>
+                                      <p:tavLst>
+                                        <p:tav tm="0" fmla="#ppt_y-sin(pi*$)/81">
+                                          <p:val>
+                                            <p:fltVal val="0"/>
+                                          </p:val>
+                                        </p:tav>
+                                        <p:tav tm="100000">
+                                          <p:val>
+                                            <p:fltVal val="1"/>
+                                          </p:val>
+                                        </p:tav>
+                                      </p:tavLst>
+                                    </p:anim>
+                                    <p:animScale>
+                                      <p:cBhvr>
+                                        <p:cTn id="44" dur="26">
+                                          <p:stCondLst>
+                                            <p:cond delay="650"/>
+                                          </p:stCondLst>
+                                        </p:cTn>
+                                        <p:tgtEl>
+                                          <p:spTgt spid="27"/>
+                                        </p:tgtEl>
+                                      </p:cBhvr>
+                                      <p:to x="100000" y="60000"/>
+                                    </p:animScale>
+                                    <p:animScale>
+                                      <p:cBhvr>
+                                        <p:cTn id="45" dur="166" decel="50000">
+                                          <p:stCondLst>
+                                            <p:cond delay="676"/>
+                                          </p:stCondLst>
+                                        </p:cTn>
+                                        <p:tgtEl>
+                                          <p:spTgt spid="27"/>
+                                        </p:tgtEl>
+                                      </p:cBhvr>
+                                      <p:to x="100000" y="100000"/>
+                                    </p:animScale>
+                                    <p:animScale>
+                                      <p:cBhvr>
+                                        <p:cTn id="46" dur="26">
+                                          <p:stCondLst>
+                                            <p:cond delay="1312"/>
+                                          </p:stCondLst>
+                                        </p:cTn>
+                                        <p:tgtEl>
+                                          <p:spTgt spid="27"/>
+                                        </p:tgtEl>
+                                      </p:cBhvr>
+                                      <p:to x="100000" y="80000"/>
+                                    </p:animScale>
+                                    <p:animScale>
+                                      <p:cBhvr>
+                                        <p:cTn id="47" dur="166" decel="50000">
+                                          <p:stCondLst>
+                                            <p:cond delay="1338"/>
+                                          </p:stCondLst>
+                                        </p:cTn>
+                                        <p:tgtEl>
+                                          <p:spTgt spid="27"/>
+                                        </p:tgtEl>
+                                      </p:cBhvr>
+                                      <p:to x="100000" y="100000"/>
+                                    </p:animScale>
+                                    <p:animScale>
+                                      <p:cBhvr>
+                                        <p:cTn id="48" dur="26">
+                                          <p:stCondLst>
+                                            <p:cond delay="1642"/>
+                                          </p:stCondLst>
+                                        </p:cTn>
+                                        <p:tgtEl>
+                                          <p:spTgt spid="27"/>
+                                        </p:tgtEl>
+                                      </p:cBhvr>
+                                      <p:to x="100000" y="90000"/>
+                                    </p:animScale>
+                                    <p:animScale>
+                                      <p:cBhvr>
+                                        <p:cTn id="49" dur="166" decel="50000">
+                                          <p:stCondLst>
+                                            <p:cond delay="1668"/>
+                                          </p:stCondLst>
+                                        </p:cTn>
+                                        <p:tgtEl>
+                                          <p:spTgt spid="27"/>
+                                        </p:tgtEl>
+                                      </p:cBhvr>
+                                      <p:to x="100000" y="100000"/>
+                                    </p:animScale>
+                                    <p:animScale>
+                                      <p:cBhvr>
+                                        <p:cTn id="50" dur="26">
+                                          <p:stCondLst>
+                                            <p:cond delay="1808"/>
+                                          </p:stCondLst>
+                                        </p:cTn>
+                                        <p:tgtEl>
+                                          <p:spTgt spid="27"/>
+                                        </p:tgtEl>
+                                      </p:cBhvr>
+                                      <p:to x="100000" y="95000"/>
+                                    </p:animScale>
+                                    <p:animScale>
+                                      <p:cBhvr>
+                                        <p:cTn id="51" dur="166" decel="50000">
+                                          <p:stCondLst>
+                                            <p:cond delay="1834"/>
+                                          </p:stCondLst>
+                                        </p:cTn>
+                                        <p:tgtEl>
+                                          <p:spTgt spid="27"/>
+                                        </p:tgtEl>
+                                      </p:cBhvr>
+                                      <p:to x="100000" y="100000"/>
+                                    </p:animScale>
+                                  </p:childTnLst>
+                                </p:cTn>
+                              </p:par>
+                            </p:childTnLst>
+                          </p:cTn>
+                        </p:par>
+                      </p:childTnLst>
+                    </p:cTn>
+                  </p:par>
+                  <p:par>
+                    <p:cTn id="52" fill="hold">
+                      <p:stCondLst>
+                        <p:cond delay="indefinite"/>
+                      </p:stCondLst>
+                      <p:childTnLst>
+                        <p:par>
+                          <p:cTn id="53" fill="hold">
+                            <p:stCondLst>
+                              <p:cond delay="0"/>
+                            </p:stCondLst>
+                            <p:childTnLst>
+                              <p:par>
+                                <p:cTn id="54" presetID="10" presetClass="entr" presetSubtype="0" fill="hold" nodeType="clickEffect">
+                                  <p:stCondLst>
+                                    <p:cond delay="0"/>
+                                  </p:stCondLst>
+                                  <p:childTnLst>
+                                    <p:set>
+                                      <p:cBhvr>
+                                        <p:cTn id="55" dur="1" fill="hold">
+                                          <p:stCondLst>
+                                            <p:cond delay="0"/>
+                                          </p:stCondLst>
+                                        </p:cTn>
+                                        <p:tgtEl>
+                                          <p:spTgt spid="7170"/>
+                                        </p:tgtEl>
+                                        <p:attrNameLst>
+                                          <p:attrName>style.visibility</p:attrName>
+                                        </p:attrNameLst>
+                                      </p:cBhvr>
+                                      <p:to>
+                                        <p:strVal val="visible"/>
+                                      </p:to>
+                                    </p:set>
+                                    <p:animEffect transition="in" filter="fade">
+                                      <p:cBhvr>
+                                        <p:cTn id="56" dur="500"/>
+                                        <p:tgtEl>
+                                          <p:spTgt spid="7170"/>
+                                        </p:tgtEl>
+                                      </p:cBhvr>
+                                    </p:animEffect>
+                                  </p:childTnLst>
+                                </p:cTn>
+                              </p:par>
+                              <p:par>
+                                <p:cTn id="57" presetID="10" presetClass="entr" presetSubtype="0" fill="hold" nodeType="withEffect">
+                                  <p:stCondLst>
+                                    <p:cond delay="0"/>
+                                  </p:stCondLst>
+                                  <p:childTnLst>
+                                    <p:set>
+                                      <p:cBhvr>
+                                        <p:cTn id="58" dur="1" fill="hold">
+                                          <p:stCondLst>
+                                            <p:cond delay="0"/>
+                                          </p:stCondLst>
+                                        </p:cTn>
+                                        <p:tgtEl>
+                                          <p:spTgt spid="28"/>
+                                        </p:tgtEl>
+                                        <p:attrNameLst>
+                                          <p:attrName>style.visibility</p:attrName>
+                                        </p:attrNameLst>
+                                      </p:cBhvr>
+                                      <p:to>
+                                        <p:strVal val="visible"/>
+                                      </p:to>
+                                    </p:set>
+                                    <p:animEffect transition="in" filter="fade">
+                                      <p:cBhvr>
+                                        <p:cTn id="59" dur="500"/>
+                                        <p:tgtEl>
+                                          <p:spTgt spid="28"/>
+                                        </p:tgtEl>
+                                      </p:cBhvr>
+                                    </p:animEffect>
+                                  </p:childTnLst>
+                                </p:cTn>
+                              </p:par>
+                              <p:par>
+                                <p:cTn id="60" presetID="10" presetClass="entr" presetSubtype="0" fill="hold" nodeType="withEffect">
+                                  <p:stCondLst>
+                                    <p:cond delay="0"/>
+                                  </p:stCondLst>
+                                  <p:childTnLst>
+                                    <p:set>
+                                      <p:cBhvr>
+                                        <p:cTn id="61" dur="1" fill="hold">
+                                          <p:stCondLst>
+                                            <p:cond delay="0"/>
+                                          </p:stCondLst>
+                                        </p:cTn>
+                                        <p:tgtEl>
+                                          <p:spTgt spid="4"/>
+                                        </p:tgtEl>
+                                        <p:attrNameLst>
+                                          <p:attrName>style.visibility</p:attrName>
+                                        </p:attrNameLst>
+                                      </p:cBhvr>
+                                      <p:to>
+                                        <p:strVal val="visible"/>
+                                      </p:to>
+                                    </p:set>
+                                    <p:animEffect transition="in" filter="fade">
+                                      <p:cBhvr>
+                                        <p:cTn id="62" dur="500"/>
+                                        <p:tgtEl>
+                                          <p:spTgt spid="4"/>
+                                        </p:tgtEl>
+                                      </p:cBhvr>
+                                    </p:animEffect>
+                                  </p:childTnLst>
+                                </p:cTn>
+                              </p:par>
+                            </p:childTnLst>
+                          </p:cTn>
+                        </p:par>
+                      </p:childTnLst>
+                    </p:cTn>
+                  </p:par>
+                </p:childTnLst>
+              </p:cTn>
+              <p:prevCondLst>
+                <p:cond evt="onPrev" delay="0">
+                  <p:tgtEl>
+                    <p:sldTgt/>
+                  </p:tgtEl>
+                </p:cond>
+              </p:prevCondLst>
+              <p:nextCondLst>
+                <p:cond evt="onNext" delay="0">
+                  <p:tgtEl>
+                    <p:sldTgt/>
+                  </p:tgtEl>
+                </p:cond>
+              </p:nextCondLst>
+            </p:seq>
+          </p:childTnLst>
+        </p:cTn>
+      </p:par>
+    </p:tnLst>
+    <p:bldLst>
+      <p:bldP spid="25" grpId="0" animBg="1"/>
+      <p:bldP spid="26" grpId="0" animBg="1"/>
+      <p:bldP spid="27" grpId="0" animBg="1"/>
+      <p:bldP spid="8" grpId="0"/>
+    </p:bldLst>
+  </p:timing>
+</p:sld>
+</file>
+
+<file path=ppt/slides/slide21.xml><?xml version="1.0" encoding="utf-8"?>
 <p:sld xmlns:a="http://schemas.openxmlformats.org/drawingml/2006/main" xmlns:r="http://schemas.openxmlformats.org/officeDocument/2006/relationships" xmlns:p="http://schemas.openxmlformats.org/presentationml/2006/main">
   <p:cSld>
     <p:bg>
@@ -33372,326 +39270,8 @@
 </p:sld>
 </file>
 
-<file path=ppt/slides/slide2.xml><?xml version="1.0" encoding="utf-8"?>
-<p:sld xmlns:a="http://schemas.openxmlformats.org/drawingml/2006/main" xmlns:r="http://schemas.openxmlformats.org/officeDocument/2006/relationships" xmlns:p="http://schemas.openxmlformats.org/presentationml/2006/main">
-  <p:cSld>
-    <p:bg>
-      <p:bgPr>
-        <a:solidFill>
-          <a:schemeClr val="bg1">
-            <a:tint val="95000"/>
-            <a:shade val="85000"/>
-            <a:satMod val="125000"/>
-          </a:schemeClr>
-        </a:solidFill>
-        <a:effectLst/>
-      </p:bgPr>
-    </p:bg>
-    <p:spTree>
-      <p:nvGrpSpPr>
-        <p:cNvPr id="1" name=""/>
-        <p:cNvGrpSpPr/>
-        <p:nvPr/>
-      </p:nvGrpSpPr>
-      <p:grpSpPr>
-        <a:xfrm>
-          <a:off x="0" y="0"/>
-          <a:ext cx="0" cy="0"/>
-          <a:chOff x="0" y="0"/>
-          <a:chExt cx="0" cy="0"/>
-        </a:xfrm>
-      </p:grpSpPr>
-      <p:sp useBgFill="1">
-        <p:nvSpPr>
-          <p:cNvPr id="8" name="Rectangle 7">
-            <a:extLst>
-              <a:ext uri="{FF2B5EF4-FFF2-40B4-BE49-F238E27FC236}">
-                <a16:creationId xmlns:a16="http://schemas.microsoft.com/office/drawing/2014/main" id="{F9B8E572-2CE6-4185-BC38-989024BC010D}"/>
-              </a:ext>
-              <a:ext uri="{C183D7F6-B498-43B3-948B-1728B52AA6E4}">
-                <adec:decorative xmlns:adec="http://schemas.microsoft.com/office/drawing/2017/decorative" val="1"/>
-              </a:ext>
-            </a:extLst>
-          </p:cNvPr>
-          <p:cNvSpPr>
-            <a:spLocks noGrp="1" noRot="1" noChangeAspect="1" noMove="1" noResize="1" noEditPoints="1" noAdjustHandles="1" noChangeArrowheads="1" noChangeShapeType="1" noTextEdit="1"/>
-          </p:cNvSpPr>
-          <p:nvPr>
-            <p:extLst>
-              <p:ext uri="{386F3935-93C4-4BCD-93E2-E3B085C9AB24}">
-                <p16:designElem xmlns:p16="http://schemas.microsoft.com/office/powerpoint/2015/main" val="1"/>
-              </p:ext>
-            </p:extLst>
-          </p:nvPr>
-        </p:nvSpPr>
-        <p:spPr>
-          <a:xfrm>
-            <a:off x="0" y="0"/>
-            <a:ext cx="12192000" cy="6858000"/>
-          </a:xfrm>
-          <a:prstGeom prst="rect">
-            <a:avLst/>
-          </a:prstGeom>
-          <a:ln>
-            <a:noFill/>
-          </a:ln>
-        </p:spPr>
-        <p:style>
-          <a:lnRef idx="2">
-            <a:schemeClr val="accent1">
-              <a:shade val="50000"/>
-            </a:schemeClr>
-          </a:lnRef>
-          <a:fillRef idx="1">
-            <a:schemeClr val="accent1"/>
-          </a:fillRef>
-          <a:effectRef idx="0">
-            <a:schemeClr val="accent1"/>
-          </a:effectRef>
-          <a:fontRef idx="minor">
-            <a:schemeClr val="lt1"/>
-          </a:fontRef>
-        </p:style>
-        <p:txBody>
-          <a:bodyPr rtlCol="0" anchor="ctr"/>
-          <a:lstStyle/>
-          <a:p>
-            <a:pPr algn="ctr"/>
-            <a:endParaRPr lang="en-US"/>
-          </a:p>
-        </p:txBody>
-      </p:sp>
-      <p:sp>
-        <p:nvSpPr>
-          <p:cNvPr id="2" name="Title 1">
-            <a:extLst>
-              <a:ext uri="{FF2B5EF4-FFF2-40B4-BE49-F238E27FC236}">
-                <a16:creationId xmlns:a16="http://schemas.microsoft.com/office/drawing/2014/main" id="{C42A5C9E-B316-4DBD-BB36-FE9D2519E3CF}"/>
-              </a:ext>
-            </a:extLst>
-          </p:cNvPr>
-          <p:cNvSpPr>
-            <a:spLocks noGrp="1"/>
-          </p:cNvSpPr>
-          <p:nvPr>
-            <p:ph type="title"/>
-          </p:nvPr>
-        </p:nvSpPr>
-        <p:spPr>
-          <a:xfrm>
-            <a:off x="1024128" y="585216"/>
-            <a:ext cx="9720072" cy="1499616"/>
-          </a:xfrm>
-        </p:spPr>
-        <p:txBody>
-          <a:bodyPr>
-            <a:normAutofit/>
-          </a:bodyPr>
-          <a:lstStyle/>
-          <a:p>
-            <a:r>
-              <a:rPr lang="en-GB" dirty="0"/>
-              <a:t>AGENDA</a:t>
-            </a:r>
-          </a:p>
-        </p:txBody>
-      </p:sp>
-      <p:cxnSp>
-        <p:nvCxnSpPr>
-          <p:cNvPr id="10" name="Straight Connector 9">
-            <a:extLst>
-              <a:ext uri="{FF2B5EF4-FFF2-40B4-BE49-F238E27FC236}">
-                <a16:creationId xmlns:a16="http://schemas.microsoft.com/office/drawing/2014/main" id="{75415567-45D9-4FB5-B020-6FAD77889407}"/>
-              </a:ext>
-              <a:ext uri="{C183D7F6-B498-43B3-948B-1728B52AA6E4}">
-                <adec:decorative xmlns:adec="http://schemas.microsoft.com/office/drawing/2017/decorative" val="1"/>
-              </a:ext>
-            </a:extLst>
-          </p:cNvPr>
-          <p:cNvCxnSpPr>
-            <a:cxnSpLocks noGrp="1" noRot="1" noChangeAspect="1" noMove="1" noResize="1" noEditPoints="1" noAdjustHandles="1" noChangeArrowheads="1" noChangeShapeType="1"/>
-          </p:cNvCxnSpPr>
-          <p:nvPr>
-            <p:extLst>
-              <p:ext uri="{386F3935-93C4-4BCD-93E2-E3B085C9AB24}">
-                <p16:designElem xmlns:p16="http://schemas.microsoft.com/office/powerpoint/2015/main" val="1"/>
-              </p:ext>
-            </p:extLst>
-          </p:nvPr>
-        </p:nvCxnSpPr>
-        <p:spPr>
-          <a:xfrm flipV="1">
-            <a:off x="762000" y="826324"/>
-            <a:ext cx="0" cy="914400"/>
-          </a:xfrm>
-          <a:prstGeom prst="line">
-            <a:avLst/>
-          </a:prstGeom>
-          <a:ln w="19050">
-            <a:solidFill>
-              <a:schemeClr val="accent1"/>
-            </a:solidFill>
-          </a:ln>
-        </p:spPr>
-        <p:style>
-          <a:lnRef idx="1">
-            <a:schemeClr val="accent1"/>
-          </a:lnRef>
-          <a:fillRef idx="0">
-            <a:schemeClr val="accent1"/>
-          </a:fillRef>
-          <a:effectRef idx="0">
-            <a:schemeClr val="accent1"/>
-          </a:effectRef>
-          <a:fontRef idx="minor">
-            <a:schemeClr val="tx1"/>
-          </a:fontRef>
-        </p:style>
-      </p:cxnSp>
-      <p:sp>
-        <p:nvSpPr>
-          <p:cNvPr id="3" name="Content Placeholder 2">
-            <a:extLst>
-              <a:ext uri="{FF2B5EF4-FFF2-40B4-BE49-F238E27FC236}">
-                <a16:creationId xmlns:a16="http://schemas.microsoft.com/office/drawing/2014/main" id="{E3C48C3F-953D-4D5E-A879-647887BF7B92}"/>
-              </a:ext>
-            </a:extLst>
-          </p:cNvPr>
-          <p:cNvSpPr>
-            <a:spLocks noGrp="1"/>
-          </p:cNvSpPr>
-          <p:nvPr>
-            <p:ph idx="1"/>
-          </p:nvPr>
-        </p:nvSpPr>
-        <p:spPr>
-          <a:xfrm>
-            <a:off x="1024128" y="2084832"/>
-            <a:ext cx="9720073" cy="4224528"/>
-          </a:xfrm>
-        </p:spPr>
-        <p:txBody>
-          <a:bodyPr>
-            <a:normAutofit fontScale="92500" lnSpcReduction="10000"/>
-          </a:bodyPr>
-          <a:lstStyle/>
-          <a:p>
-            <a:pPr>
-              <a:buFont typeface="Arial" panose="020B0604020202020204" pitchFamily="34" charset="0"/>
-              <a:buChar char="•"/>
-            </a:pPr>
-            <a:r>
-              <a:rPr lang="en-GB" dirty="0"/>
-              <a:t> Background </a:t>
-            </a:r>
-          </a:p>
-          <a:p>
-            <a:pPr>
-              <a:buFont typeface="Arial" panose="020B0604020202020204" pitchFamily="34" charset="0"/>
-              <a:buChar char="•"/>
-            </a:pPr>
-            <a:r>
-              <a:rPr lang="en-GB" dirty="0"/>
-              <a:t> Motivation behind this project</a:t>
-            </a:r>
-          </a:p>
-          <a:p>
-            <a:pPr>
-              <a:buFont typeface="Arial" panose="020B0604020202020204" pitchFamily="34" charset="0"/>
-              <a:buChar char="•"/>
-            </a:pPr>
-            <a:r>
-              <a:rPr lang="en-GB" dirty="0"/>
-              <a:t> Problem definition</a:t>
-            </a:r>
-          </a:p>
-          <a:p>
-            <a:pPr>
-              <a:buFont typeface="Arial" panose="020B0604020202020204" pitchFamily="34" charset="0"/>
-              <a:buChar char="•"/>
-            </a:pPr>
-            <a:r>
-              <a:rPr lang="en-GB" dirty="0"/>
-              <a:t> Components &amp; Design</a:t>
-            </a:r>
-          </a:p>
-          <a:p>
-            <a:pPr>
-              <a:buFont typeface="Arial" panose="020B0604020202020204" pitchFamily="34" charset="0"/>
-              <a:buChar char="•"/>
-            </a:pPr>
-            <a:r>
-              <a:rPr lang="en-GB" dirty="0"/>
-              <a:t> Functionality</a:t>
-            </a:r>
-          </a:p>
-          <a:p>
-            <a:pPr>
-              <a:buFont typeface="Arial" panose="020B0604020202020204" pitchFamily="34" charset="0"/>
-              <a:buChar char="•"/>
-            </a:pPr>
-            <a:r>
-              <a:rPr lang="en-GB" dirty="0"/>
-              <a:t> Complexity &amp; Problems</a:t>
-            </a:r>
-          </a:p>
-          <a:p>
-            <a:pPr>
-              <a:buFont typeface="Arial" panose="020B0604020202020204" pitchFamily="34" charset="0"/>
-              <a:buChar char="•"/>
-            </a:pPr>
-            <a:r>
-              <a:rPr lang="en-GB" dirty="0"/>
-              <a:t> Optimizations </a:t>
-            </a:r>
-          </a:p>
-          <a:p>
-            <a:pPr>
-              <a:buFont typeface="Arial" panose="020B0604020202020204" pitchFamily="34" charset="0"/>
-              <a:buChar char="•"/>
-            </a:pPr>
-            <a:r>
-              <a:rPr lang="en-GB" dirty="0"/>
-              <a:t> Testing &amp; Evaluation</a:t>
-            </a:r>
-          </a:p>
-          <a:p>
-            <a:pPr>
-              <a:buFont typeface="Arial" panose="020B0604020202020204" pitchFamily="34" charset="0"/>
-              <a:buChar char="•"/>
-            </a:pPr>
-            <a:r>
-              <a:rPr lang="en-GB" dirty="0"/>
-              <a:t> Results</a:t>
-            </a:r>
-          </a:p>
-          <a:p>
-            <a:pPr>
-              <a:buFont typeface="Arial" panose="020B0604020202020204" pitchFamily="34" charset="0"/>
-              <a:buChar char="•"/>
-            </a:pPr>
-            <a:r>
-              <a:rPr lang="en-GB" dirty="0"/>
-              <a:t> Conclusion</a:t>
-            </a:r>
-          </a:p>
-        </p:txBody>
-      </p:sp>
-    </p:spTree>
-    <p:extLst>
-      <p:ext uri="{BB962C8B-B14F-4D97-AF65-F5344CB8AC3E}">
-        <p14:creationId xmlns:p14="http://schemas.microsoft.com/office/powerpoint/2010/main" val="4093930436"/>
-      </p:ext>
-    </p:extLst>
-  </p:cSld>
-  <p:clrMapOvr>
-    <a:overrideClrMapping bg1="dk1" tx1="lt1" bg2="dk2" tx2="lt2" accent1="accent1" accent2="accent2" accent3="accent3" accent4="accent4" accent5="accent5" accent6="accent6" hlink="hlink" folHlink="folHlink"/>
-  </p:clrMapOvr>
-</p:sld>
-</file>
-
-<file path=ppt/slides/slide20.xml><?xml version="1.0" encoding="utf-8"?>
-<p:sld xmlns:a="http://schemas.openxmlformats.org/drawingml/2006/main" xmlns:r="http://schemas.openxmlformats.org/officeDocument/2006/relationships" xmlns:p="http://schemas.openxmlformats.org/presentationml/2006/main">
+<file path=ppt/slides/slide22.xml><?xml version="1.0" encoding="utf-8"?>
+<p:sld xmlns:a="http://schemas.openxmlformats.org/drawingml/2006/main" xmlns:r="http://schemas.openxmlformats.org/officeDocument/2006/relationships" xmlns:p="http://schemas.openxmlformats.org/presentationml/2006/main" show="0">
   <p:cSld>
     <p:bg>
       <p:bgPr>
@@ -33932,7 +39512,1225 @@
 </p:sld>
 </file>
 
-<file path=ppt/slides/slide21.xml><?xml version="1.0" encoding="utf-8"?>
+<file path=ppt/slides/slide23.xml><?xml version="1.0" encoding="utf-8"?>
+<p:sld xmlns:a="http://schemas.openxmlformats.org/drawingml/2006/main" xmlns:r="http://schemas.openxmlformats.org/officeDocument/2006/relationships" xmlns:p="http://schemas.openxmlformats.org/presentationml/2006/main">
+  <p:cSld>
+    <p:bg>
+      <p:bgPr>
+        <a:solidFill>
+          <a:schemeClr val="bg1">
+            <a:tint val="95000"/>
+            <a:shade val="85000"/>
+            <a:satMod val="125000"/>
+          </a:schemeClr>
+        </a:solidFill>
+        <a:effectLst/>
+      </p:bgPr>
+    </p:bg>
+    <p:spTree>
+      <p:nvGrpSpPr>
+        <p:cNvPr id="1" name=""/>
+        <p:cNvGrpSpPr/>
+        <p:nvPr/>
+      </p:nvGrpSpPr>
+      <p:grpSpPr>
+        <a:xfrm>
+          <a:off x="0" y="0"/>
+          <a:ext cx="0" cy="0"/>
+          <a:chOff x="0" y="0"/>
+          <a:chExt cx="0" cy="0"/>
+        </a:xfrm>
+      </p:grpSpPr>
+      <p:sp>
+        <p:nvSpPr>
+          <p:cNvPr id="2" name="Title 1">
+            <a:extLst>
+              <a:ext uri="{FF2B5EF4-FFF2-40B4-BE49-F238E27FC236}">
+                <a16:creationId xmlns:a16="http://schemas.microsoft.com/office/drawing/2014/main" id="{C42A5C9E-B316-4DBD-BB36-FE9D2519E3CF}"/>
+              </a:ext>
+            </a:extLst>
+          </p:cNvPr>
+          <p:cNvSpPr>
+            <a:spLocks noGrp="1"/>
+          </p:cNvSpPr>
+          <p:nvPr>
+            <p:ph type="title"/>
+          </p:nvPr>
+        </p:nvSpPr>
+        <p:spPr>
+          <a:xfrm>
+            <a:off x="1024128" y="585216"/>
+            <a:ext cx="9720072" cy="1152144"/>
+          </a:xfrm>
+        </p:spPr>
+        <p:txBody>
+          <a:bodyPr>
+            <a:normAutofit/>
+          </a:bodyPr>
+          <a:lstStyle/>
+          <a:p>
+            <a:r>
+              <a:rPr lang="en-GB" dirty="0"/>
+              <a:t>WRITE_BLOCK()</a:t>
+            </a:r>
+          </a:p>
+        </p:txBody>
+      </p:sp>
+      <p:sp>
+        <p:nvSpPr>
+          <p:cNvPr id="4" name="Rectangle 3">
+            <a:extLst>
+              <a:ext uri="{FF2B5EF4-FFF2-40B4-BE49-F238E27FC236}">
+                <a16:creationId xmlns:a16="http://schemas.microsoft.com/office/drawing/2014/main" id="{27A0E576-7637-4955-97EB-E87FB3927AA0}"/>
+              </a:ext>
+            </a:extLst>
+          </p:cNvPr>
+          <p:cNvSpPr/>
+          <p:nvPr/>
+        </p:nvSpPr>
+        <p:spPr>
+          <a:xfrm>
+            <a:off x="709223" y="2294704"/>
+            <a:ext cx="2085278" cy="1152144"/>
+          </a:xfrm>
+          <a:prstGeom prst="rect">
+            <a:avLst/>
+          </a:prstGeom>
+        </p:spPr>
+        <p:style>
+          <a:lnRef idx="2">
+            <a:schemeClr val="accent1">
+              <a:shade val="50000"/>
+            </a:schemeClr>
+          </a:lnRef>
+          <a:fillRef idx="1">
+            <a:schemeClr val="accent1"/>
+          </a:fillRef>
+          <a:effectRef idx="0">
+            <a:schemeClr val="accent1"/>
+          </a:effectRef>
+          <a:fontRef idx="minor">
+            <a:schemeClr val="lt1"/>
+          </a:fontRef>
+        </p:style>
+        <p:txBody>
+          <a:bodyPr rtlCol="0" anchor="ctr"/>
+          <a:lstStyle/>
+          <a:p>
+            <a:pPr algn="ctr"/>
+            <a:r>
+              <a:rPr lang="en-US" dirty="0"/>
+              <a:t>Write Request to Block #2</a:t>
+            </a:r>
+            <a:endParaRPr lang="en-GB" dirty="0"/>
+          </a:p>
+        </p:txBody>
+      </p:sp>
+      <p:sp>
+        <p:nvSpPr>
+          <p:cNvPr id="5" name="Rectangle 4">
+            <a:extLst>
+              <a:ext uri="{FF2B5EF4-FFF2-40B4-BE49-F238E27FC236}">
+                <a16:creationId xmlns:a16="http://schemas.microsoft.com/office/drawing/2014/main" id="{360D1F0C-18FA-48CF-859D-F1ABB2B34815}"/>
+              </a:ext>
+            </a:extLst>
+          </p:cNvPr>
+          <p:cNvSpPr/>
+          <p:nvPr/>
+        </p:nvSpPr>
+        <p:spPr>
+          <a:xfrm>
+            <a:off x="6117910" y="2547968"/>
+            <a:ext cx="1710782" cy="594584"/>
+          </a:xfrm>
+          <a:prstGeom prst="rect">
+            <a:avLst/>
+          </a:prstGeom>
+        </p:spPr>
+        <p:style>
+          <a:lnRef idx="2">
+            <a:schemeClr val="accent1">
+              <a:shade val="50000"/>
+            </a:schemeClr>
+          </a:lnRef>
+          <a:fillRef idx="1">
+            <a:schemeClr val="accent1"/>
+          </a:fillRef>
+          <a:effectRef idx="0">
+            <a:schemeClr val="accent1"/>
+          </a:effectRef>
+          <a:fontRef idx="minor">
+            <a:schemeClr val="lt1"/>
+          </a:fontRef>
+        </p:style>
+        <p:txBody>
+          <a:bodyPr rtlCol="0" anchor="ctr"/>
+          <a:lstStyle/>
+          <a:p>
+            <a:pPr algn="ctr"/>
+            <a:r>
+              <a:rPr lang="en-US" dirty="0"/>
+              <a:t>Generate new Nonce</a:t>
+            </a:r>
+            <a:endParaRPr lang="en-GB" dirty="0"/>
+          </a:p>
+        </p:txBody>
+      </p:sp>
+      <p:sp>
+        <p:nvSpPr>
+          <p:cNvPr id="6" name="Rectangle 5">
+            <a:extLst>
+              <a:ext uri="{FF2B5EF4-FFF2-40B4-BE49-F238E27FC236}">
+                <a16:creationId xmlns:a16="http://schemas.microsoft.com/office/drawing/2014/main" id="{6217A0CD-2265-43C3-90F0-C0187BCAF709}"/>
+              </a:ext>
+            </a:extLst>
+          </p:cNvPr>
+          <p:cNvSpPr/>
+          <p:nvPr/>
+        </p:nvSpPr>
+        <p:spPr>
+          <a:xfrm>
+            <a:off x="8626239" y="2264236"/>
+            <a:ext cx="2085278" cy="1152144"/>
+          </a:xfrm>
+          <a:prstGeom prst="rect">
+            <a:avLst/>
+          </a:prstGeom>
+        </p:spPr>
+        <p:style>
+          <a:lnRef idx="2">
+            <a:schemeClr val="accent1">
+              <a:shade val="50000"/>
+            </a:schemeClr>
+          </a:lnRef>
+          <a:fillRef idx="1">
+            <a:schemeClr val="accent1"/>
+          </a:fillRef>
+          <a:effectRef idx="0">
+            <a:schemeClr val="accent1"/>
+          </a:effectRef>
+          <a:fontRef idx="minor">
+            <a:schemeClr val="lt1"/>
+          </a:fontRef>
+        </p:style>
+        <p:txBody>
+          <a:bodyPr rtlCol="0" anchor="ctr"/>
+          <a:lstStyle/>
+          <a:p>
+            <a:pPr algn="ctr"/>
+            <a:r>
+              <a:rPr lang="en-US" dirty="0"/>
+              <a:t>Encrypt the Data </a:t>
+            </a:r>
+            <a:r>
+              <a:rPr lang="en-US" sz="1400" i="1" dirty="0"/>
+              <a:t>using new Nonce </a:t>
+            </a:r>
+            <a:endParaRPr lang="en-GB" i="1" dirty="0"/>
+          </a:p>
+        </p:txBody>
+      </p:sp>
+      <p:sp>
+        <p:nvSpPr>
+          <p:cNvPr id="7" name="Rectangle 6">
+            <a:extLst>
+              <a:ext uri="{FF2B5EF4-FFF2-40B4-BE49-F238E27FC236}">
+                <a16:creationId xmlns:a16="http://schemas.microsoft.com/office/drawing/2014/main" id="{16AC104E-E480-4253-984B-3D06C0FC821C}"/>
+              </a:ext>
+            </a:extLst>
+          </p:cNvPr>
+          <p:cNvSpPr/>
+          <p:nvPr/>
+        </p:nvSpPr>
+        <p:spPr>
+          <a:xfrm>
+            <a:off x="4339373" y="5332420"/>
+            <a:ext cx="2085277" cy="1152144"/>
+          </a:xfrm>
+          <a:prstGeom prst="rect">
+            <a:avLst/>
+          </a:prstGeom>
+        </p:spPr>
+        <p:style>
+          <a:lnRef idx="2">
+            <a:schemeClr val="accent1">
+              <a:shade val="50000"/>
+            </a:schemeClr>
+          </a:lnRef>
+          <a:fillRef idx="1">
+            <a:schemeClr val="accent1"/>
+          </a:fillRef>
+          <a:effectRef idx="0">
+            <a:schemeClr val="accent1"/>
+          </a:effectRef>
+          <a:fontRef idx="minor">
+            <a:schemeClr val="lt1"/>
+          </a:fontRef>
+        </p:style>
+        <p:txBody>
+          <a:bodyPr rtlCol="0" anchor="ctr"/>
+          <a:lstStyle/>
+          <a:p>
+            <a:pPr algn="ctr"/>
+            <a:r>
+              <a:rPr lang="en-US" dirty="0"/>
+              <a:t>Calculate the new Root</a:t>
+            </a:r>
+            <a:endParaRPr lang="en-GB" i="1" dirty="0"/>
+          </a:p>
+        </p:txBody>
+      </p:sp>
+      <p:sp>
+        <p:nvSpPr>
+          <p:cNvPr id="8" name="Rectangle 7">
+            <a:extLst>
+              <a:ext uri="{FF2B5EF4-FFF2-40B4-BE49-F238E27FC236}">
+                <a16:creationId xmlns:a16="http://schemas.microsoft.com/office/drawing/2014/main" id="{B3E49088-4F1C-4FF4-A329-2D8A0949C3BA}"/>
+              </a:ext>
+            </a:extLst>
+          </p:cNvPr>
+          <p:cNvSpPr/>
+          <p:nvPr/>
+        </p:nvSpPr>
+        <p:spPr>
+          <a:xfrm>
+            <a:off x="7529391" y="5370948"/>
+            <a:ext cx="2321238" cy="1152144"/>
+          </a:xfrm>
+          <a:prstGeom prst="rect">
+            <a:avLst/>
+          </a:prstGeom>
+        </p:spPr>
+        <p:style>
+          <a:lnRef idx="2">
+            <a:schemeClr val="accent1">
+              <a:shade val="50000"/>
+            </a:schemeClr>
+          </a:lnRef>
+          <a:fillRef idx="1">
+            <a:schemeClr val="accent1"/>
+          </a:fillRef>
+          <a:effectRef idx="0">
+            <a:schemeClr val="accent1"/>
+          </a:effectRef>
+          <a:fontRef idx="minor">
+            <a:schemeClr val="lt1"/>
+          </a:fontRef>
+        </p:style>
+        <p:txBody>
+          <a:bodyPr rtlCol="0" anchor="ctr"/>
+          <a:lstStyle/>
+          <a:p>
+            <a:pPr algn="ctr"/>
+            <a:r>
+              <a:rPr lang="en-US" dirty="0"/>
+              <a:t>Update Trusted area </a:t>
+            </a:r>
+          </a:p>
+          <a:p>
+            <a:pPr algn="ctr"/>
+            <a:r>
+              <a:rPr lang="en-US" sz="1400" i="1" dirty="0"/>
+              <a:t>Trusted root = new root</a:t>
+            </a:r>
+            <a:endParaRPr lang="en-GB" sz="1400" i="1" dirty="0"/>
+          </a:p>
+        </p:txBody>
+      </p:sp>
+      <p:sp>
+        <p:nvSpPr>
+          <p:cNvPr id="12" name="Rectangle 11">
+            <a:extLst>
+              <a:ext uri="{FF2B5EF4-FFF2-40B4-BE49-F238E27FC236}">
+                <a16:creationId xmlns:a16="http://schemas.microsoft.com/office/drawing/2014/main" id="{70A5962F-1E8A-4968-891C-B21737A71714}"/>
+              </a:ext>
+            </a:extLst>
+          </p:cNvPr>
+          <p:cNvSpPr/>
+          <p:nvPr/>
+        </p:nvSpPr>
+        <p:spPr>
+          <a:xfrm>
+            <a:off x="1115393" y="5332420"/>
+            <a:ext cx="2085278" cy="1152144"/>
+          </a:xfrm>
+          <a:prstGeom prst="rect">
+            <a:avLst/>
+          </a:prstGeom>
+        </p:spPr>
+        <p:style>
+          <a:lnRef idx="2">
+            <a:schemeClr val="accent1">
+              <a:shade val="50000"/>
+            </a:schemeClr>
+          </a:lnRef>
+          <a:fillRef idx="1">
+            <a:schemeClr val="accent1"/>
+          </a:fillRef>
+          <a:effectRef idx="0">
+            <a:schemeClr val="accent1"/>
+          </a:effectRef>
+          <a:fontRef idx="minor">
+            <a:schemeClr val="lt1"/>
+          </a:fontRef>
+        </p:style>
+        <p:txBody>
+          <a:bodyPr rtlCol="0" anchor="ctr"/>
+          <a:lstStyle/>
+          <a:p>
+            <a:pPr algn="ctr"/>
+            <a:r>
+              <a:rPr lang="en-US" dirty="0"/>
+              <a:t>Overwrite current </a:t>
+            </a:r>
+            <a:r>
+              <a:rPr lang="en-US" sz="1400" dirty="0"/>
+              <a:t>ciphertext, HMAC, Nonce </a:t>
+            </a:r>
+            <a:r>
+              <a:rPr lang="en-US" dirty="0"/>
+              <a:t>with new values</a:t>
+            </a:r>
+            <a:endParaRPr lang="en-GB" i="1" dirty="0"/>
+          </a:p>
+        </p:txBody>
+      </p:sp>
+      <p:sp>
+        <p:nvSpPr>
+          <p:cNvPr id="13" name="Rectangle 12">
+            <a:extLst>
+              <a:ext uri="{FF2B5EF4-FFF2-40B4-BE49-F238E27FC236}">
+                <a16:creationId xmlns:a16="http://schemas.microsoft.com/office/drawing/2014/main" id="{FFCDF8E7-DF44-43E0-88E8-3D70CACB7AAC}"/>
+              </a:ext>
+            </a:extLst>
+          </p:cNvPr>
+          <p:cNvSpPr/>
+          <p:nvPr/>
+        </p:nvSpPr>
+        <p:spPr>
+          <a:xfrm>
+            <a:off x="3349935" y="2313432"/>
+            <a:ext cx="1978877" cy="1115568"/>
+          </a:xfrm>
+          <a:prstGeom prst="rect">
+            <a:avLst/>
+          </a:prstGeom>
+        </p:spPr>
+        <p:style>
+          <a:lnRef idx="2">
+            <a:schemeClr val="accent1">
+              <a:shade val="50000"/>
+            </a:schemeClr>
+          </a:lnRef>
+          <a:fillRef idx="1">
+            <a:schemeClr val="accent1"/>
+          </a:fillRef>
+          <a:effectRef idx="0">
+            <a:schemeClr val="accent1"/>
+          </a:effectRef>
+          <a:fontRef idx="minor">
+            <a:schemeClr val="lt1"/>
+          </a:fontRef>
+        </p:style>
+        <p:txBody>
+          <a:bodyPr rtlCol="0" anchor="ctr"/>
+          <a:lstStyle/>
+          <a:p>
+            <a:pPr algn="ctr"/>
+            <a:r>
+              <a:rPr lang="en-US" dirty="0"/>
+              <a:t>Verify Integrity</a:t>
+            </a:r>
+          </a:p>
+          <a:p>
+            <a:pPr algn="ctr"/>
+            <a:r>
+              <a:rPr lang="en-US" sz="1400" i="1" dirty="0"/>
+              <a:t>In case of failure: Abort</a:t>
+            </a:r>
+            <a:endParaRPr lang="en-GB" sz="1400" i="1" dirty="0"/>
+          </a:p>
+        </p:txBody>
+      </p:sp>
+      <p:cxnSp>
+        <p:nvCxnSpPr>
+          <p:cNvPr id="15" name="Straight Arrow Connector 14">
+            <a:extLst>
+              <a:ext uri="{FF2B5EF4-FFF2-40B4-BE49-F238E27FC236}">
+                <a16:creationId xmlns:a16="http://schemas.microsoft.com/office/drawing/2014/main" id="{87D16385-13B5-4489-BF83-29A7557EE14B}"/>
+              </a:ext>
+            </a:extLst>
+          </p:cNvPr>
+          <p:cNvCxnSpPr>
+            <a:stCxn id="4" idx="3"/>
+          </p:cNvCxnSpPr>
+          <p:nvPr/>
+        </p:nvCxnSpPr>
+        <p:spPr>
+          <a:xfrm>
+            <a:off x="2794501" y="2870776"/>
+            <a:ext cx="528562" cy="0"/>
+          </a:xfrm>
+          <a:prstGeom prst="straightConnector1">
+            <a:avLst/>
+          </a:prstGeom>
+          <a:ln>
+            <a:tailEnd type="triangle"/>
+          </a:ln>
+        </p:spPr>
+        <p:style>
+          <a:lnRef idx="1">
+            <a:schemeClr val="accent1"/>
+          </a:lnRef>
+          <a:fillRef idx="0">
+            <a:schemeClr val="accent1"/>
+          </a:fillRef>
+          <a:effectRef idx="0">
+            <a:schemeClr val="accent1"/>
+          </a:effectRef>
+          <a:fontRef idx="minor">
+            <a:schemeClr val="tx1"/>
+          </a:fontRef>
+        </p:style>
+      </p:cxnSp>
+      <p:cxnSp>
+        <p:nvCxnSpPr>
+          <p:cNvPr id="17" name="Straight Arrow Connector 16">
+            <a:extLst>
+              <a:ext uri="{FF2B5EF4-FFF2-40B4-BE49-F238E27FC236}">
+                <a16:creationId xmlns:a16="http://schemas.microsoft.com/office/drawing/2014/main" id="{5D1516FA-C5F1-4F4B-A83B-63897FA70EC1}"/>
+              </a:ext>
+            </a:extLst>
+          </p:cNvPr>
+          <p:cNvCxnSpPr>
+            <a:cxnSpLocks/>
+            <a:stCxn id="13" idx="3"/>
+            <a:endCxn id="5" idx="1"/>
+          </p:cNvCxnSpPr>
+          <p:nvPr/>
+        </p:nvCxnSpPr>
+        <p:spPr>
+          <a:xfrm flipV="1">
+            <a:off x="5328812" y="2845260"/>
+            <a:ext cx="789098" cy="25956"/>
+          </a:xfrm>
+          <a:prstGeom prst="straightConnector1">
+            <a:avLst/>
+          </a:prstGeom>
+          <a:ln>
+            <a:tailEnd type="triangle"/>
+          </a:ln>
+        </p:spPr>
+        <p:style>
+          <a:lnRef idx="1">
+            <a:schemeClr val="accent1"/>
+          </a:lnRef>
+          <a:fillRef idx="0">
+            <a:schemeClr val="accent1"/>
+          </a:fillRef>
+          <a:effectRef idx="0">
+            <a:schemeClr val="accent1"/>
+          </a:effectRef>
+          <a:fontRef idx="minor">
+            <a:schemeClr val="tx1"/>
+          </a:fontRef>
+        </p:style>
+      </p:cxnSp>
+      <p:cxnSp>
+        <p:nvCxnSpPr>
+          <p:cNvPr id="18" name="Straight Arrow Connector 17">
+            <a:extLst>
+              <a:ext uri="{FF2B5EF4-FFF2-40B4-BE49-F238E27FC236}">
+                <a16:creationId xmlns:a16="http://schemas.microsoft.com/office/drawing/2014/main" id="{13155608-57C8-4DCE-BC7C-1A9B60118C6B}"/>
+              </a:ext>
+            </a:extLst>
+          </p:cNvPr>
+          <p:cNvCxnSpPr/>
+          <p:nvPr/>
+        </p:nvCxnSpPr>
+        <p:spPr>
+          <a:xfrm flipV="1">
+            <a:off x="7837141" y="2840308"/>
+            <a:ext cx="789098" cy="9903"/>
+          </a:xfrm>
+          <a:prstGeom prst="straightConnector1">
+            <a:avLst/>
+          </a:prstGeom>
+          <a:ln>
+            <a:tailEnd type="triangle"/>
+          </a:ln>
+        </p:spPr>
+        <p:style>
+          <a:lnRef idx="1">
+            <a:schemeClr val="accent1"/>
+          </a:lnRef>
+          <a:fillRef idx="0">
+            <a:schemeClr val="accent1"/>
+          </a:fillRef>
+          <a:effectRef idx="0">
+            <a:schemeClr val="accent1"/>
+          </a:effectRef>
+          <a:fontRef idx="minor">
+            <a:schemeClr val="tx1"/>
+          </a:fontRef>
+        </p:style>
+      </p:cxnSp>
+      <p:cxnSp>
+        <p:nvCxnSpPr>
+          <p:cNvPr id="20" name="Connector: Elbow 19">
+            <a:extLst>
+              <a:ext uri="{FF2B5EF4-FFF2-40B4-BE49-F238E27FC236}">
+                <a16:creationId xmlns:a16="http://schemas.microsoft.com/office/drawing/2014/main" id="{8FFFBFF8-327E-4EA8-91EC-731871755DF3}"/>
+              </a:ext>
+            </a:extLst>
+          </p:cNvPr>
+          <p:cNvCxnSpPr>
+            <a:cxnSpLocks/>
+            <a:stCxn id="6" idx="2"/>
+            <a:endCxn id="12" idx="0"/>
+          </p:cNvCxnSpPr>
+          <p:nvPr/>
+        </p:nvCxnSpPr>
+        <p:spPr>
+          <a:xfrm rot="5400000">
+            <a:off x="4955435" y="618977"/>
+            <a:ext cx="1916040" cy="7510846"/>
+          </a:xfrm>
+          <a:prstGeom prst="bentConnector3">
+            <a:avLst>
+              <a:gd name="adj1" fmla="val 50000"/>
+            </a:avLst>
+          </a:prstGeom>
+          <a:ln>
+            <a:tailEnd type="triangle"/>
+          </a:ln>
+        </p:spPr>
+        <p:style>
+          <a:lnRef idx="1">
+            <a:schemeClr val="accent1"/>
+          </a:lnRef>
+          <a:fillRef idx="0">
+            <a:schemeClr val="accent1"/>
+          </a:fillRef>
+          <a:effectRef idx="0">
+            <a:schemeClr val="accent1"/>
+          </a:effectRef>
+          <a:fontRef idx="minor">
+            <a:schemeClr val="tx1"/>
+          </a:fontRef>
+        </p:style>
+      </p:cxnSp>
+      <p:cxnSp>
+        <p:nvCxnSpPr>
+          <p:cNvPr id="23" name="Straight Arrow Connector 22">
+            <a:extLst>
+              <a:ext uri="{FF2B5EF4-FFF2-40B4-BE49-F238E27FC236}">
+                <a16:creationId xmlns:a16="http://schemas.microsoft.com/office/drawing/2014/main" id="{F07ADC97-FFCE-4707-A723-BDC94037ACB8}"/>
+              </a:ext>
+            </a:extLst>
+          </p:cNvPr>
+          <p:cNvCxnSpPr>
+            <a:stCxn id="12" idx="3"/>
+            <a:endCxn id="7" idx="1"/>
+          </p:cNvCxnSpPr>
+          <p:nvPr/>
+        </p:nvCxnSpPr>
+        <p:spPr>
+          <a:xfrm>
+            <a:off x="3200671" y="5908492"/>
+            <a:ext cx="1138702" cy="0"/>
+          </a:xfrm>
+          <a:prstGeom prst="straightConnector1">
+            <a:avLst/>
+          </a:prstGeom>
+          <a:ln>
+            <a:tailEnd type="triangle"/>
+          </a:ln>
+        </p:spPr>
+        <p:style>
+          <a:lnRef idx="1">
+            <a:schemeClr val="accent1"/>
+          </a:lnRef>
+          <a:fillRef idx="0">
+            <a:schemeClr val="accent1"/>
+          </a:fillRef>
+          <a:effectRef idx="0">
+            <a:schemeClr val="accent1"/>
+          </a:effectRef>
+          <a:fontRef idx="minor">
+            <a:schemeClr val="tx1"/>
+          </a:fontRef>
+        </p:style>
+      </p:cxnSp>
+      <p:cxnSp>
+        <p:nvCxnSpPr>
+          <p:cNvPr id="24" name="Straight Arrow Connector 23">
+            <a:extLst>
+              <a:ext uri="{FF2B5EF4-FFF2-40B4-BE49-F238E27FC236}">
+                <a16:creationId xmlns:a16="http://schemas.microsoft.com/office/drawing/2014/main" id="{1FBBBD5A-BDA7-415D-89D3-7B533BA22B8C}"/>
+              </a:ext>
+            </a:extLst>
+          </p:cNvPr>
+          <p:cNvCxnSpPr/>
+          <p:nvPr/>
+        </p:nvCxnSpPr>
+        <p:spPr>
+          <a:xfrm>
+            <a:off x="6390689" y="5908492"/>
+            <a:ext cx="1138702" cy="0"/>
+          </a:xfrm>
+          <a:prstGeom prst="straightConnector1">
+            <a:avLst/>
+          </a:prstGeom>
+          <a:ln>
+            <a:tailEnd type="triangle"/>
+          </a:ln>
+        </p:spPr>
+        <p:style>
+          <a:lnRef idx="1">
+            <a:schemeClr val="accent1"/>
+          </a:lnRef>
+          <a:fillRef idx="0">
+            <a:schemeClr val="accent1"/>
+          </a:fillRef>
+          <a:effectRef idx="0">
+            <a:schemeClr val="accent1"/>
+          </a:effectRef>
+          <a:fontRef idx="minor">
+            <a:schemeClr val="tx1"/>
+          </a:fontRef>
+        </p:style>
+      </p:cxnSp>
+    </p:spTree>
+    <p:extLst>
+      <p:ext uri="{BB962C8B-B14F-4D97-AF65-F5344CB8AC3E}">
+        <p14:creationId xmlns:p14="http://schemas.microsoft.com/office/powerpoint/2010/main" val="2503077672"/>
+      </p:ext>
+    </p:extLst>
+  </p:cSld>
+  <p:clrMapOvr>
+    <a:overrideClrMapping bg1="dk1" tx1="lt1" bg2="dk2" tx2="lt2" accent1="accent1" accent2="accent2" accent3="accent3" accent4="accent4" accent5="accent5" accent6="accent6" hlink="hlink" folHlink="folHlink"/>
+  </p:clrMapOvr>
+  <p:timing>
+    <p:tnLst>
+      <p:par>
+        <p:cTn id="1" dur="indefinite" restart="never" nodeType="tmRoot">
+          <p:childTnLst>
+            <p:seq concurrent="1" nextAc="seek">
+              <p:cTn id="2" dur="indefinite" nodeType="mainSeq">
+                <p:childTnLst>
+                  <p:par>
+                    <p:cTn id="3" fill="hold">
+                      <p:stCondLst>
+                        <p:cond delay="indefinite"/>
+                      </p:stCondLst>
+                      <p:childTnLst>
+                        <p:par>
+                          <p:cTn id="4" fill="hold">
+                            <p:stCondLst>
+                              <p:cond delay="0"/>
+                            </p:stCondLst>
+                            <p:childTnLst>
+                              <p:par>
+                                <p:cTn id="5" presetID="1" presetClass="entr" presetSubtype="0" fill="hold" grpId="0" nodeType="clickEffect">
+                                  <p:stCondLst>
+                                    <p:cond delay="0"/>
+                                  </p:stCondLst>
+                                  <p:childTnLst>
+                                    <p:set>
+                                      <p:cBhvr>
+                                        <p:cTn id="6" dur="1" fill="hold">
+                                          <p:stCondLst>
+                                            <p:cond delay="0"/>
+                                          </p:stCondLst>
+                                        </p:cTn>
+                                        <p:tgtEl>
+                                          <p:spTgt spid="4"/>
+                                        </p:tgtEl>
+                                        <p:attrNameLst>
+                                          <p:attrName>style.visibility</p:attrName>
+                                        </p:attrNameLst>
+                                      </p:cBhvr>
+                                      <p:to>
+                                        <p:strVal val="visible"/>
+                                      </p:to>
+                                    </p:set>
+                                  </p:childTnLst>
+                                </p:cTn>
+                              </p:par>
+                            </p:childTnLst>
+                          </p:cTn>
+                        </p:par>
+                      </p:childTnLst>
+                    </p:cTn>
+                  </p:par>
+                  <p:par>
+                    <p:cTn id="7" fill="hold">
+                      <p:stCondLst>
+                        <p:cond delay="indefinite"/>
+                      </p:stCondLst>
+                      <p:childTnLst>
+                        <p:par>
+                          <p:cTn id="8" fill="hold">
+                            <p:stCondLst>
+                              <p:cond delay="0"/>
+                            </p:stCondLst>
+                            <p:childTnLst>
+                              <p:par>
+                                <p:cTn id="9" presetID="1" presetClass="entr" presetSubtype="0" fill="hold" nodeType="clickEffect">
+                                  <p:stCondLst>
+                                    <p:cond delay="0"/>
+                                  </p:stCondLst>
+                                  <p:childTnLst>
+                                    <p:set>
+                                      <p:cBhvr>
+                                        <p:cTn id="10" dur="1" fill="hold">
+                                          <p:stCondLst>
+                                            <p:cond delay="0"/>
+                                          </p:stCondLst>
+                                        </p:cTn>
+                                        <p:tgtEl>
+                                          <p:spTgt spid="15"/>
+                                        </p:tgtEl>
+                                        <p:attrNameLst>
+                                          <p:attrName>style.visibility</p:attrName>
+                                        </p:attrNameLst>
+                                      </p:cBhvr>
+                                      <p:to>
+                                        <p:strVal val="visible"/>
+                                      </p:to>
+                                    </p:set>
+                                  </p:childTnLst>
+                                </p:cTn>
+                              </p:par>
+                              <p:par>
+                                <p:cTn id="11" presetID="1" presetClass="entr" presetSubtype="0" fill="hold" grpId="0" nodeType="withEffect">
+                                  <p:stCondLst>
+                                    <p:cond delay="0"/>
+                                  </p:stCondLst>
+                                  <p:childTnLst>
+                                    <p:set>
+                                      <p:cBhvr>
+                                        <p:cTn id="12" dur="1" fill="hold">
+                                          <p:stCondLst>
+                                            <p:cond delay="0"/>
+                                          </p:stCondLst>
+                                        </p:cTn>
+                                        <p:tgtEl>
+                                          <p:spTgt spid="13"/>
+                                        </p:tgtEl>
+                                        <p:attrNameLst>
+                                          <p:attrName>style.visibility</p:attrName>
+                                        </p:attrNameLst>
+                                      </p:cBhvr>
+                                      <p:to>
+                                        <p:strVal val="visible"/>
+                                      </p:to>
+                                    </p:set>
+                                  </p:childTnLst>
+                                </p:cTn>
+                              </p:par>
+                            </p:childTnLst>
+                          </p:cTn>
+                        </p:par>
+                      </p:childTnLst>
+                    </p:cTn>
+                  </p:par>
+                  <p:par>
+                    <p:cTn id="13" fill="hold">
+                      <p:stCondLst>
+                        <p:cond delay="indefinite"/>
+                      </p:stCondLst>
+                      <p:childTnLst>
+                        <p:par>
+                          <p:cTn id="14" fill="hold">
+                            <p:stCondLst>
+                              <p:cond delay="0"/>
+                            </p:stCondLst>
+                            <p:childTnLst>
+                              <p:par>
+                                <p:cTn id="15" presetID="1" presetClass="entr" presetSubtype="0" fill="hold" nodeType="clickEffect">
+                                  <p:stCondLst>
+                                    <p:cond delay="0"/>
+                                  </p:stCondLst>
+                                  <p:childTnLst>
+                                    <p:set>
+                                      <p:cBhvr>
+                                        <p:cTn id="16" dur="1" fill="hold">
+                                          <p:stCondLst>
+                                            <p:cond delay="0"/>
+                                          </p:stCondLst>
+                                        </p:cTn>
+                                        <p:tgtEl>
+                                          <p:spTgt spid="17"/>
+                                        </p:tgtEl>
+                                        <p:attrNameLst>
+                                          <p:attrName>style.visibility</p:attrName>
+                                        </p:attrNameLst>
+                                      </p:cBhvr>
+                                      <p:to>
+                                        <p:strVal val="visible"/>
+                                      </p:to>
+                                    </p:set>
+                                  </p:childTnLst>
+                                </p:cTn>
+                              </p:par>
+                              <p:par>
+                                <p:cTn id="17" presetID="1" presetClass="entr" presetSubtype="0" fill="hold" grpId="0" nodeType="withEffect">
+                                  <p:stCondLst>
+                                    <p:cond delay="0"/>
+                                  </p:stCondLst>
+                                  <p:childTnLst>
+                                    <p:set>
+                                      <p:cBhvr>
+                                        <p:cTn id="18" dur="1" fill="hold">
+                                          <p:stCondLst>
+                                            <p:cond delay="0"/>
+                                          </p:stCondLst>
+                                        </p:cTn>
+                                        <p:tgtEl>
+                                          <p:spTgt spid="5"/>
+                                        </p:tgtEl>
+                                        <p:attrNameLst>
+                                          <p:attrName>style.visibility</p:attrName>
+                                        </p:attrNameLst>
+                                      </p:cBhvr>
+                                      <p:to>
+                                        <p:strVal val="visible"/>
+                                      </p:to>
+                                    </p:set>
+                                  </p:childTnLst>
+                                </p:cTn>
+                              </p:par>
+                            </p:childTnLst>
+                          </p:cTn>
+                        </p:par>
+                      </p:childTnLst>
+                    </p:cTn>
+                  </p:par>
+                  <p:par>
+                    <p:cTn id="19" fill="hold">
+                      <p:stCondLst>
+                        <p:cond delay="indefinite"/>
+                      </p:stCondLst>
+                      <p:childTnLst>
+                        <p:par>
+                          <p:cTn id="20" fill="hold">
+                            <p:stCondLst>
+                              <p:cond delay="0"/>
+                            </p:stCondLst>
+                            <p:childTnLst>
+                              <p:par>
+                                <p:cTn id="21" presetID="1" presetClass="entr" presetSubtype="0" fill="hold" nodeType="clickEffect">
+                                  <p:stCondLst>
+                                    <p:cond delay="0"/>
+                                  </p:stCondLst>
+                                  <p:childTnLst>
+                                    <p:set>
+                                      <p:cBhvr>
+                                        <p:cTn id="22" dur="1" fill="hold">
+                                          <p:stCondLst>
+                                            <p:cond delay="0"/>
+                                          </p:stCondLst>
+                                        </p:cTn>
+                                        <p:tgtEl>
+                                          <p:spTgt spid="18"/>
+                                        </p:tgtEl>
+                                        <p:attrNameLst>
+                                          <p:attrName>style.visibility</p:attrName>
+                                        </p:attrNameLst>
+                                      </p:cBhvr>
+                                      <p:to>
+                                        <p:strVal val="visible"/>
+                                      </p:to>
+                                    </p:set>
+                                  </p:childTnLst>
+                                </p:cTn>
+                              </p:par>
+                              <p:par>
+                                <p:cTn id="23" presetID="1" presetClass="entr" presetSubtype="0" fill="hold" grpId="0" nodeType="withEffect">
+                                  <p:stCondLst>
+                                    <p:cond delay="0"/>
+                                  </p:stCondLst>
+                                  <p:childTnLst>
+                                    <p:set>
+                                      <p:cBhvr>
+                                        <p:cTn id="24" dur="1" fill="hold">
+                                          <p:stCondLst>
+                                            <p:cond delay="0"/>
+                                          </p:stCondLst>
+                                        </p:cTn>
+                                        <p:tgtEl>
+                                          <p:spTgt spid="6"/>
+                                        </p:tgtEl>
+                                        <p:attrNameLst>
+                                          <p:attrName>style.visibility</p:attrName>
+                                        </p:attrNameLst>
+                                      </p:cBhvr>
+                                      <p:to>
+                                        <p:strVal val="visible"/>
+                                      </p:to>
+                                    </p:set>
+                                  </p:childTnLst>
+                                </p:cTn>
+                              </p:par>
+                            </p:childTnLst>
+                          </p:cTn>
+                        </p:par>
+                      </p:childTnLst>
+                    </p:cTn>
+                  </p:par>
+                  <p:par>
+                    <p:cTn id="25" fill="hold">
+                      <p:stCondLst>
+                        <p:cond delay="indefinite"/>
+                      </p:stCondLst>
+                      <p:childTnLst>
+                        <p:par>
+                          <p:cTn id="26" fill="hold">
+                            <p:stCondLst>
+                              <p:cond delay="0"/>
+                            </p:stCondLst>
+                            <p:childTnLst>
+                              <p:par>
+                                <p:cTn id="27" presetID="1" presetClass="entr" presetSubtype="0" fill="hold" nodeType="clickEffect">
+                                  <p:stCondLst>
+                                    <p:cond delay="0"/>
+                                  </p:stCondLst>
+                                  <p:childTnLst>
+                                    <p:set>
+                                      <p:cBhvr>
+                                        <p:cTn id="28" dur="1" fill="hold">
+                                          <p:stCondLst>
+                                            <p:cond delay="0"/>
+                                          </p:stCondLst>
+                                        </p:cTn>
+                                        <p:tgtEl>
+                                          <p:spTgt spid="20"/>
+                                        </p:tgtEl>
+                                        <p:attrNameLst>
+                                          <p:attrName>style.visibility</p:attrName>
+                                        </p:attrNameLst>
+                                      </p:cBhvr>
+                                      <p:to>
+                                        <p:strVal val="visible"/>
+                                      </p:to>
+                                    </p:set>
+                                  </p:childTnLst>
+                                </p:cTn>
+                              </p:par>
+                              <p:par>
+                                <p:cTn id="29" presetID="1" presetClass="entr" presetSubtype="0" fill="hold" grpId="0" nodeType="withEffect">
+                                  <p:stCondLst>
+                                    <p:cond delay="0"/>
+                                  </p:stCondLst>
+                                  <p:childTnLst>
+                                    <p:set>
+                                      <p:cBhvr>
+                                        <p:cTn id="30" dur="1" fill="hold">
+                                          <p:stCondLst>
+                                            <p:cond delay="0"/>
+                                          </p:stCondLst>
+                                        </p:cTn>
+                                        <p:tgtEl>
+                                          <p:spTgt spid="12"/>
+                                        </p:tgtEl>
+                                        <p:attrNameLst>
+                                          <p:attrName>style.visibility</p:attrName>
+                                        </p:attrNameLst>
+                                      </p:cBhvr>
+                                      <p:to>
+                                        <p:strVal val="visible"/>
+                                      </p:to>
+                                    </p:set>
+                                  </p:childTnLst>
+                                </p:cTn>
+                              </p:par>
+                            </p:childTnLst>
+                          </p:cTn>
+                        </p:par>
+                      </p:childTnLst>
+                    </p:cTn>
+                  </p:par>
+                  <p:par>
+                    <p:cTn id="31" fill="hold">
+                      <p:stCondLst>
+                        <p:cond delay="indefinite"/>
+                      </p:stCondLst>
+                      <p:childTnLst>
+                        <p:par>
+                          <p:cTn id="32" fill="hold">
+                            <p:stCondLst>
+                              <p:cond delay="0"/>
+                            </p:stCondLst>
+                            <p:childTnLst>
+                              <p:par>
+                                <p:cTn id="33" presetID="1" presetClass="entr" presetSubtype="0" fill="hold" nodeType="clickEffect">
+                                  <p:stCondLst>
+                                    <p:cond delay="0"/>
+                                  </p:stCondLst>
+                                  <p:childTnLst>
+                                    <p:set>
+                                      <p:cBhvr>
+                                        <p:cTn id="34" dur="1" fill="hold">
+                                          <p:stCondLst>
+                                            <p:cond delay="0"/>
+                                          </p:stCondLst>
+                                        </p:cTn>
+                                        <p:tgtEl>
+                                          <p:spTgt spid="23"/>
+                                        </p:tgtEl>
+                                        <p:attrNameLst>
+                                          <p:attrName>style.visibility</p:attrName>
+                                        </p:attrNameLst>
+                                      </p:cBhvr>
+                                      <p:to>
+                                        <p:strVal val="visible"/>
+                                      </p:to>
+                                    </p:set>
+                                  </p:childTnLst>
+                                </p:cTn>
+                              </p:par>
+                              <p:par>
+                                <p:cTn id="35" presetID="1" presetClass="entr" presetSubtype="0" fill="hold" grpId="0" nodeType="withEffect">
+                                  <p:stCondLst>
+                                    <p:cond delay="0"/>
+                                  </p:stCondLst>
+                                  <p:childTnLst>
+                                    <p:set>
+                                      <p:cBhvr>
+                                        <p:cTn id="36" dur="1" fill="hold">
+                                          <p:stCondLst>
+                                            <p:cond delay="0"/>
+                                          </p:stCondLst>
+                                        </p:cTn>
+                                        <p:tgtEl>
+                                          <p:spTgt spid="7"/>
+                                        </p:tgtEl>
+                                        <p:attrNameLst>
+                                          <p:attrName>style.visibility</p:attrName>
+                                        </p:attrNameLst>
+                                      </p:cBhvr>
+                                      <p:to>
+                                        <p:strVal val="visible"/>
+                                      </p:to>
+                                    </p:set>
+                                  </p:childTnLst>
+                                </p:cTn>
+                              </p:par>
+                            </p:childTnLst>
+                          </p:cTn>
+                        </p:par>
+                      </p:childTnLst>
+                    </p:cTn>
+                  </p:par>
+                  <p:par>
+                    <p:cTn id="37" fill="hold">
+                      <p:stCondLst>
+                        <p:cond delay="indefinite"/>
+                      </p:stCondLst>
+                      <p:childTnLst>
+                        <p:par>
+                          <p:cTn id="38" fill="hold">
+                            <p:stCondLst>
+                              <p:cond delay="0"/>
+                            </p:stCondLst>
+                            <p:childTnLst>
+                              <p:par>
+                                <p:cTn id="39" presetID="1" presetClass="entr" presetSubtype="0" fill="hold" nodeType="clickEffect">
+                                  <p:stCondLst>
+                                    <p:cond delay="0"/>
+                                  </p:stCondLst>
+                                  <p:childTnLst>
+                                    <p:set>
+                                      <p:cBhvr>
+                                        <p:cTn id="40" dur="1" fill="hold">
+                                          <p:stCondLst>
+                                            <p:cond delay="0"/>
+                                          </p:stCondLst>
+                                        </p:cTn>
+                                        <p:tgtEl>
+                                          <p:spTgt spid="24"/>
+                                        </p:tgtEl>
+                                        <p:attrNameLst>
+                                          <p:attrName>style.visibility</p:attrName>
+                                        </p:attrNameLst>
+                                      </p:cBhvr>
+                                      <p:to>
+                                        <p:strVal val="visible"/>
+                                      </p:to>
+                                    </p:set>
+                                  </p:childTnLst>
+                                </p:cTn>
+                              </p:par>
+                              <p:par>
+                                <p:cTn id="41" presetID="1" presetClass="entr" presetSubtype="0" fill="hold" grpId="0" nodeType="withEffect">
+                                  <p:stCondLst>
+                                    <p:cond delay="0"/>
+                                  </p:stCondLst>
+                                  <p:childTnLst>
+                                    <p:set>
+                                      <p:cBhvr>
+                                        <p:cTn id="42" dur="1" fill="hold">
+                                          <p:stCondLst>
+                                            <p:cond delay="0"/>
+                                          </p:stCondLst>
+                                        </p:cTn>
+                                        <p:tgtEl>
+                                          <p:spTgt spid="8"/>
+                                        </p:tgtEl>
+                                        <p:attrNameLst>
+                                          <p:attrName>style.visibility</p:attrName>
+                                        </p:attrNameLst>
+                                      </p:cBhvr>
+                                      <p:to>
+                                        <p:strVal val="visible"/>
+                                      </p:to>
+                                    </p:set>
+                                  </p:childTnLst>
+                                </p:cTn>
+                              </p:par>
+                            </p:childTnLst>
+                          </p:cTn>
+                        </p:par>
+                      </p:childTnLst>
+                    </p:cTn>
+                  </p:par>
+                </p:childTnLst>
+              </p:cTn>
+              <p:prevCondLst>
+                <p:cond evt="onPrev" delay="0">
+                  <p:tgtEl>
+                    <p:sldTgt/>
+                  </p:tgtEl>
+                </p:cond>
+              </p:prevCondLst>
+              <p:nextCondLst>
+                <p:cond evt="onNext" delay="0">
+                  <p:tgtEl>
+                    <p:sldTgt/>
+                  </p:tgtEl>
+                </p:cond>
+              </p:nextCondLst>
+            </p:seq>
+          </p:childTnLst>
+        </p:cTn>
+      </p:par>
+    </p:tnLst>
+    <p:bldLst>
+      <p:bldP spid="4" grpId="0" animBg="1"/>
+      <p:bldP spid="5" grpId="0" animBg="1"/>
+      <p:bldP spid="6" grpId="0" animBg="1"/>
+      <p:bldP spid="7" grpId="0" animBg="1"/>
+      <p:bldP spid="8" grpId="0" animBg="1"/>
+      <p:bldP spid="12" grpId="0" animBg="1"/>
+      <p:bldP spid="13" grpId="0" animBg="1"/>
+    </p:bldLst>
+  </p:timing>
+</p:sld>
+</file>
+
+<file path=ppt/slides/slide24.xml><?xml version="1.0" encoding="utf-8"?>
 <p:sld xmlns:a="http://schemas.openxmlformats.org/drawingml/2006/main" xmlns:r="http://schemas.openxmlformats.org/officeDocument/2006/relationships" xmlns:p="http://schemas.openxmlformats.org/presentationml/2006/main">
   <p:cSld>
     <p:bg>
@@ -34364,7 +41162,7 @@
 </p:sld>
 </file>
 
-<file path=ppt/slides/slide22.xml><?xml version="1.0" encoding="utf-8"?>
+<file path=ppt/slides/slide25.xml><?xml version="1.0" encoding="utf-8"?>
 <p:sld xmlns:a="http://schemas.openxmlformats.org/drawingml/2006/main" xmlns:r="http://schemas.openxmlformats.org/officeDocument/2006/relationships" xmlns:p="http://schemas.openxmlformats.org/presentationml/2006/main">
   <p:cSld>
     <p:bg>
@@ -34916,7 +41714,7 @@
 </p:sld>
 </file>
 
-<file path=ppt/slides/slide23.xml><?xml version="1.0" encoding="utf-8"?>
+<file path=ppt/slides/slide26.xml><?xml version="1.0" encoding="utf-8"?>
 <p:sld xmlns:a="http://schemas.openxmlformats.org/drawingml/2006/main" xmlns:r="http://schemas.openxmlformats.org/officeDocument/2006/relationships" xmlns:p="http://schemas.openxmlformats.org/presentationml/2006/main">
   <p:cSld>
     <p:bg>
@@ -35106,8 +41904,8 @@
         </p:nvSpPr>
         <p:spPr>
           <a:xfrm>
-            <a:off x="809625" y="2133600"/>
-            <a:ext cx="10977563" cy="2585323"/>
+            <a:off x="680229" y="2133600"/>
+            <a:ext cx="11106960" cy="2031325"/>
           </a:xfrm>
           <a:prstGeom prst="rect">
             <a:avLst/>
@@ -35136,17 +41934,7 @@
             </a:pPr>
             <a:r>
               <a:rPr lang="en-US" dirty="0"/>
-              <a:t>We tested our implementation under various configurations.</a:t>
-            </a:r>
-          </a:p>
-          <a:p>
-            <a:pPr marL="285750" indent="-285750">
-              <a:buFont typeface="Wingdings" panose="05000000000000000000" pitchFamily="2" charset="2"/>
-              <a:buChar char="v"/>
-            </a:pPr>
-            <a:r>
-              <a:rPr lang="en-US" dirty="0"/>
-              <a:t> We used 128MB DRAM, 6400B LRU cache and 64B/4KB data blocks. </a:t>
+              <a:t>We used 128MB DRAM, 6400B LRU cache and 64B/4KB data blocks. </a:t>
             </a:r>
           </a:p>
           <a:p>
@@ -35185,6 +41973,53 @@
           </a:p>
         </p:txBody>
       </p:sp>
+      <p:pic>
+        <p:nvPicPr>
+          <p:cNvPr id="8194" name="Picture 2" descr="Samsung brings cutting-edge ultraviolet light technology to DRAM production">
+            <a:extLst>
+              <a:ext uri="{FF2B5EF4-FFF2-40B4-BE49-F238E27FC236}">
+                <a16:creationId xmlns:a16="http://schemas.microsoft.com/office/drawing/2014/main" id="{47B4DD2D-2C96-4884-9A88-2746B04E21CB}"/>
+              </a:ext>
+            </a:extLst>
+          </p:cNvPr>
+          <p:cNvPicPr>
+            <a:picLocks noChangeAspect="1" noChangeArrowheads="1"/>
+          </p:cNvPicPr>
+          <p:nvPr/>
+        </p:nvPicPr>
+        <p:blipFill>
+          <a:blip r:embed="rId2">
+            <a:extLst>
+              <a:ext uri="{28A0092B-C50C-407E-A947-70E740481C1C}">
+                <a14:useLocalDpi xmlns:a14="http://schemas.microsoft.com/office/drawing/2010/main" val="0"/>
+              </a:ext>
+            </a:extLst>
+          </a:blip>
+          <a:srcRect/>
+          <a:stretch>
+            <a:fillRect/>
+          </a:stretch>
+        </p:blipFill>
+        <p:spPr bwMode="auto">
+          <a:xfrm>
+            <a:off x="9252045" y="4992063"/>
+            <a:ext cx="2356374" cy="1280721"/>
+          </a:xfrm>
+          <a:prstGeom prst="rect">
+            <a:avLst/>
+          </a:prstGeom>
+          <a:noFill/>
+          <a:extLst>
+            <a:ext uri="{909E8E84-426E-40DD-AFC4-6F175D3DCCD1}">
+              <a14:hiddenFill xmlns:a14="http://schemas.microsoft.com/office/drawing/2010/main">
+                <a:solidFill>
+                  <a:srgbClr val="FFFFFF"/>
+                </a:solidFill>
+              </a14:hiddenFill>
+            </a:ext>
+          </a:extLst>
+        </p:spPr>
+      </p:pic>
     </p:spTree>
     <p:extLst>
       <p:ext uri="{BB962C8B-B14F-4D97-AF65-F5344CB8AC3E}">
@@ -35195,10 +42030,93 @@
   <p:clrMapOvr>
     <a:overrideClrMapping bg1="dk1" tx1="lt1" bg2="dk2" tx2="lt2" accent1="accent1" accent2="accent2" accent3="accent3" accent4="accent4" accent5="accent5" accent6="accent6" hlink="hlink" folHlink="folHlink"/>
   </p:clrMapOvr>
+  <p:timing>
+    <p:tnLst>
+      <p:par>
+        <p:cTn id="1" dur="indefinite" restart="never" nodeType="tmRoot">
+          <p:childTnLst>
+            <p:seq concurrent="1" nextAc="seek">
+              <p:cTn id="2" dur="indefinite" nodeType="mainSeq">
+                <p:childTnLst>
+                  <p:par>
+                    <p:cTn id="3" fill="hold">
+                      <p:stCondLst>
+                        <p:cond delay="indefinite"/>
+                      </p:stCondLst>
+                      <p:childTnLst>
+                        <p:par>
+                          <p:cTn id="4" fill="hold">
+                            <p:stCondLst>
+                              <p:cond delay="0"/>
+                            </p:stCondLst>
+                            <p:childTnLst>
+                              <p:par>
+                                <p:cTn id="5" presetID="10" presetClass="entr" presetSubtype="0" fill="hold" nodeType="clickEffect">
+                                  <p:stCondLst>
+                                    <p:cond delay="0"/>
+                                  </p:stCondLst>
+                                  <p:childTnLst>
+                                    <p:set>
+                                      <p:cBhvr>
+                                        <p:cTn id="6" dur="1" fill="hold">
+                                          <p:stCondLst>
+                                            <p:cond delay="0"/>
+                                          </p:stCondLst>
+                                        </p:cTn>
+                                        <p:tgtEl>
+                                          <p:spTgt spid="8194"/>
+                                        </p:tgtEl>
+                                        <p:attrNameLst>
+                                          <p:attrName>style.visibility</p:attrName>
+                                        </p:attrNameLst>
+                                      </p:cBhvr>
+                                      <p:to>
+                                        <p:strVal val="visible"/>
+                                      </p:to>
+                                    </p:set>
+                                    <p:animEffect transition="in" filter="fade">
+                                      <p:cBhvr>
+                                        <p:cTn id="7" dur="500"/>
+                                        <p:tgtEl>
+                                          <p:spTgt spid="8194"/>
+                                        </p:tgtEl>
+                                      </p:cBhvr>
+                                    </p:animEffect>
+                                  </p:childTnLst>
+                                </p:cTn>
+                              </p:par>
+                            </p:childTnLst>
+                          </p:cTn>
+                        </p:par>
+                      </p:childTnLst>
+                    </p:cTn>
+                  </p:par>
+                </p:childTnLst>
+              </p:cTn>
+              <p:prevCondLst>
+                <p:cond evt="onPrev" delay="0">
+                  <p:tgtEl>
+                    <p:sldTgt/>
+                  </p:tgtEl>
+                </p:cond>
+              </p:prevCondLst>
+              <p:nextCondLst>
+                <p:cond evt="onNext" delay="0">
+                  <p:tgtEl>
+                    <p:sldTgt/>
+                  </p:tgtEl>
+                </p:cond>
+              </p:nextCondLst>
+            </p:seq>
+          </p:childTnLst>
+        </p:cTn>
+      </p:par>
+    </p:tnLst>
+  </p:timing>
 </p:sld>
 </file>
 
-<file path=ppt/slides/slide24.xml><?xml version="1.0" encoding="utf-8"?>
+<file path=ppt/slides/slide27.xml><?xml version="1.0" encoding="utf-8"?>
 <p:sld xmlns:a="http://schemas.openxmlformats.org/drawingml/2006/main" xmlns:r="http://schemas.openxmlformats.org/officeDocument/2006/relationships" xmlns:p="http://schemas.openxmlformats.org/presentationml/2006/main">
   <p:cSld>
     <p:bg>
@@ -35457,7 +42375,7 @@
 </p:sld>
 </file>
 
-<file path=ppt/slides/slide25.xml><?xml version="1.0" encoding="utf-8"?>
+<file path=ppt/slides/slide28.xml><?xml version="1.0" encoding="utf-8"?>
 <p:sld xmlns:a="http://schemas.openxmlformats.org/drawingml/2006/main" xmlns:r="http://schemas.openxmlformats.org/officeDocument/2006/relationships" xmlns:p="http://schemas.openxmlformats.org/presentationml/2006/main">
   <p:cSld>
     <p:bg>
@@ -35716,7 +42634,7 @@
 </p:sld>
 </file>
 
-<file path=ppt/slides/slide26.xml><?xml version="1.0" encoding="utf-8"?>
+<file path=ppt/slides/slide29.xml><?xml version="1.0" encoding="utf-8"?>
 <p:sld xmlns:a="http://schemas.openxmlformats.org/drawingml/2006/main" xmlns:r="http://schemas.openxmlformats.org/officeDocument/2006/relationships" xmlns:p="http://schemas.openxmlformats.org/presentationml/2006/main">
   <p:cSld>
     <p:bg>
@@ -35941,7 +42859,7 @@
                   <a:srgbClr val="FFFFFF"/>
                 </a:solidFill>
               </a:rPr>
-              <a:t> We tested our implementation by simulating NV-RAM and measuring the  performance of read/write operations </a:t>
+              <a:t> We tested our implementation by simulating NV-RAM and measuring the performance of read/write operations  	</a:t>
             </a:r>
           </a:p>
           <a:p>
@@ -36083,6 +43001,306 @@
   <p:clrMapOvr>
     <a:overrideClrMapping bg1="dk1" tx1="lt1" bg2="dk2" tx2="lt2" accent1="accent1" accent2="accent2" accent3="accent3" accent4="accent4" accent5="accent5" accent6="accent6" hlink="hlink" folHlink="folHlink"/>
   </p:clrMapOvr>
+  <p:timing>
+    <p:tnLst>
+      <p:par>
+        <p:cTn id="1" dur="indefinite" restart="never" nodeType="tmRoot">
+          <p:childTnLst>
+            <p:seq concurrent="1" nextAc="seek">
+              <p:cTn id="2" dur="indefinite" nodeType="mainSeq">
+                <p:childTnLst>
+                  <p:par>
+                    <p:cTn id="3" fill="hold">
+                      <p:stCondLst>
+                        <p:cond delay="indefinite"/>
+                      </p:stCondLst>
+                      <p:childTnLst>
+                        <p:par>
+                          <p:cTn id="4" fill="hold">
+                            <p:stCondLst>
+                              <p:cond delay="0"/>
+                            </p:stCondLst>
+                            <p:childTnLst>
+                              <p:par>
+                                <p:cTn id="5" presetID="1" presetClass="entr" presetSubtype="0" fill="hold" nodeType="clickEffect">
+                                  <p:stCondLst>
+                                    <p:cond delay="0"/>
+                                  </p:stCondLst>
+                                  <p:childTnLst>
+                                    <p:set>
+                                      <p:cBhvr>
+                                        <p:cTn id="6" dur="1" fill="hold">
+                                          <p:stCondLst>
+                                            <p:cond delay="0"/>
+                                          </p:stCondLst>
+                                        </p:cTn>
+                                        <p:tgtEl>
+                                          <p:spTgt spid="5">
+                                            <p:txEl>
+                                              <p:pRg st="1" end="1"/>
+                                            </p:txEl>
+                                          </p:spTgt>
+                                        </p:tgtEl>
+                                        <p:attrNameLst>
+                                          <p:attrName>style.visibility</p:attrName>
+                                        </p:attrNameLst>
+                                      </p:cBhvr>
+                                      <p:to>
+                                        <p:strVal val="visible"/>
+                                      </p:to>
+                                    </p:set>
+                                  </p:childTnLst>
+                                </p:cTn>
+                              </p:par>
+                            </p:childTnLst>
+                          </p:cTn>
+                        </p:par>
+                      </p:childTnLst>
+                    </p:cTn>
+                  </p:par>
+                  <p:par>
+                    <p:cTn id="7" fill="hold">
+                      <p:stCondLst>
+                        <p:cond delay="indefinite"/>
+                      </p:stCondLst>
+                      <p:childTnLst>
+                        <p:par>
+                          <p:cTn id="8" fill="hold">
+                            <p:stCondLst>
+                              <p:cond delay="0"/>
+                            </p:stCondLst>
+                            <p:childTnLst>
+                              <p:par>
+                                <p:cTn id="9" presetID="1" presetClass="entr" presetSubtype="0" fill="hold" nodeType="clickEffect">
+                                  <p:stCondLst>
+                                    <p:cond delay="0"/>
+                                  </p:stCondLst>
+                                  <p:childTnLst>
+                                    <p:set>
+                                      <p:cBhvr>
+                                        <p:cTn id="10" dur="1" fill="hold">
+                                          <p:stCondLst>
+                                            <p:cond delay="0"/>
+                                          </p:stCondLst>
+                                        </p:cTn>
+                                        <p:tgtEl>
+                                          <p:spTgt spid="5">
+                                            <p:txEl>
+                                              <p:pRg st="2" end="2"/>
+                                            </p:txEl>
+                                          </p:spTgt>
+                                        </p:tgtEl>
+                                        <p:attrNameLst>
+                                          <p:attrName>style.visibility</p:attrName>
+                                        </p:attrNameLst>
+                                      </p:cBhvr>
+                                      <p:to>
+                                        <p:strVal val="visible"/>
+                                      </p:to>
+                                    </p:set>
+                                  </p:childTnLst>
+                                </p:cTn>
+                              </p:par>
+                            </p:childTnLst>
+                          </p:cTn>
+                        </p:par>
+                      </p:childTnLst>
+                    </p:cTn>
+                  </p:par>
+                  <p:par>
+                    <p:cTn id="11" fill="hold">
+                      <p:stCondLst>
+                        <p:cond delay="indefinite"/>
+                      </p:stCondLst>
+                      <p:childTnLst>
+                        <p:par>
+                          <p:cTn id="12" fill="hold">
+                            <p:stCondLst>
+                              <p:cond delay="0"/>
+                            </p:stCondLst>
+                            <p:childTnLst>
+                              <p:par>
+                                <p:cTn id="13" presetID="10" presetClass="entr" presetSubtype="0" fill="hold" nodeType="clickEffect">
+                                  <p:stCondLst>
+                                    <p:cond delay="0"/>
+                                  </p:stCondLst>
+                                  <p:childTnLst>
+                                    <p:set>
+                                      <p:cBhvr>
+                                        <p:cTn id="14" dur="1" fill="hold">
+                                          <p:stCondLst>
+                                            <p:cond delay="0"/>
+                                          </p:stCondLst>
+                                        </p:cTn>
+                                        <p:tgtEl>
+                                          <p:spTgt spid="5">
+                                            <p:txEl>
+                                              <p:pRg st="3" end="3"/>
+                                            </p:txEl>
+                                          </p:spTgt>
+                                        </p:tgtEl>
+                                        <p:attrNameLst>
+                                          <p:attrName>style.visibility</p:attrName>
+                                        </p:attrNameLst>
+                                      </p:cBhvr>
+                                      <p:to>
+                                        <p:strVal val="visible"/>
+                                      </p:to>
+                                    </p:set>
+                                    <p:animEffect transition="in" filter="fade">
+                                      <p:cBhvr>
+                                        <p:cTn id="15" dur="500"/>
+                                        <p:tgtEl>
+                                          <p:spTgt spid="5">
+                                            <p:txEl>
+                                              <p:pRg st="3" end="3"/>
+                                            </p:txEl>
+                                          </p:spTgt>
+                                        </p:tgtEl>
+                                      </p:cBhvr>
+                                    </p:animEffect>
+                                  </p:childTnLst>
+                                </p:cTn>
+                              </p:par>
+                            </p:childTnLst>
+                          </p:cTn>
+                        </p:par>
+                      </p:childTnLst>
+                    </p:cTn>
+                  </p:par>
+                  <p:par>
+                    <p:cTn id="16" fill="hold">
+                      <p:stCondLst>
+                        <p:cond delay="indefinite"/>
+                      </p:stCondLst>
+                      <p:childTnLst>
+                        <p:par>
+                          <p:cTn id="17" fill="hold">
+                            <p:stCondLst>
+                              <p:cond delay="0"/>
+                            </p:stCondLst>
+                            <p:childTnLst>
+                              <p:par>
+                                <p:cTn id="18" presetID="1" presetClass="entr" presetSubtype="0" fill="hold" nodeType="clickEffect">
+                                  <p:stCondLst>
+                                    <p:cond delay="0"/>
+                                  </p:stCondLst>
+                                  <p:childTnLst>
+                                    <p:set>
+                                      <p:cBhvr>
+                                        <p:cTn id="19" dur="1" fill="hold">
+                                          <p:stCondLst>
+                                            <p:cond delay="0"/>
+                                          </p:stCondLst>
+                                        </p:cTn>
+                                        <p:tgtEl>
+                                          <p:spTgt spid="5">
+                                            <p:txEl>
+                                              <p:pRg st="5" end="5"/>
+                                            </p:txEl>
+                                          </p:spTgt>
+                                        </p:tgtEl>
+                                        <p:attrNameLst>
+                                          <p:attrName>style.visibility</p:attrName>
+                                        </p:attrNameLst>
+                                      </p:cBhvr>
+                                      <p:to>
+                                        <p:strVal val="visible"/>
+                                      </p:to>
+                                    </p:set>
+                                  </p:childTnLst>
+                                </p:cTn>
+                              </p:par>
+                              <p:par>
+                                <p:cTn id="20" presetID="1" presetClass="entr" presetSubtype="0" fill="hold" nodeType="withEffect">
+                                  <p:stCondLst>
+                                    <p:cond delay="0"/>
+                                  </p:stCondLst>
+                                  <p:childTnLst>
+                                    <p:set>
+                                      <p:cBhvr>
+                                        <p:cTn id="21" dur="1" fill="hold">
+                                          <p:stCondLst>
+                                            <p:cond delay="0"/>
+                                          </p:stCondLst>
+                                        </p:cTn>
+                                        <p:tgtEl>
+                                          <p:spTgt spid="5">
+                                            <p:txEl>
+                                              <p:pRg st="6" end="6"/>
+                                            </p:txEl>
+                                          </p:spTgt>
+                                        </p:tgtEl>
+                                        <p:attrNameLst>
+                                          <p:attrName>style.visibility</p:attrName>
+                                        </p:attrNameLst>
+                                      </p:cBhvr>
+                                      <p:to>
+                                        <p:strVal val="visible"/>
+                                      </p:to>
+                                    </p:set>
+                                  </p:childTnLst>
+                                </p:cTn>
+                              </p:par>
+                              <p:par>
+                                <p:cTn id="22" presetID="1" presetClass="entr" presetSubtype="0" fill="hold" nodeType="withEffect">
+                                  <p:stCondLst>
+                                    <p:cond delay="0"/>
+                                  </p:stCondLst>
+                                  <p:childTnLst>
+                                    <p:set>
+                                      <p:cBhvr>
+                                        <p:cTn id="23" dur="1" fill="hold">
+                                          <p:stCondLst>
+                                            <p:cond delay="0"/>
+                                          </p:stCondLst>
+                                        </p:cTn>
+                                        <p:tgtEl>
+                                          <p:spTgt spid="5">
+                                            <p:txEl>
+                                              <p:pRg st="7" end="7"/>
+                                            </p:txEl>
+                                          </p:spTgt>
+                                        </p:tgtEl>
+                                        <p:attrNameLst>
+                                          <p:attrName>style.visibility</p:attrName>
+                                        </p:attrNameLst>
+                                      </p:cBhvr>
+                                      <p:to>
+                                        <p:strVal val="visible"/>
+                                      </p:to>
+                                    </p:set>
+                                  </p:childTnLst>
+                                </p:cTn>
+                              </p:par>
+                            </p:childTnLst>
+                          </p:cTn>
+                        </p:par>
+                      </p:childTnLst>
+                    </p:cTn>
+                  </p:par>
+                </p:childTnLst>
+              </p:cTn>
+              <p:prevCondLst>
+                <p:cond evt="onPrev" delay="0">
+                  <p:tgtEl>
+                    <p:sldTgt/>
+                  </p:tgtEl>
+                </p:cond>
+              </p:prevCondLst>
+              <p:nextCondLst>
+                <p:cond evt="onNext" delay="0">
+                  <p:tgtEl>
+                    <p:sldTgt/>
+                  </p:tgtEl>
+                </p:cond>
+              </p:nextCondLst>
+            </p:seq>
+          </p:childTnLst>
+        </p:cTn>
+      </p:par>
+    </p:tnLst>
+  </p:timing>
 </p:sld>
 </file>
 
@@ -42014,6 +49232,49 @@
 </a:themeOverride>
 </file>
 
+<file path=ppt/theme/themeOverride2.xml><?xml version="1.0" encoding="utf-8"?>
+<a:themeOverride xmlns:a="http://schemas.openxmlformats.org/drawingml/2006/main">
+  <a:clrScheme name="Integral">
+    <a:dk1>
+      <a:sysClr val="windowText" lastClr="000000"/>
+    </a:dk1>
+    <a:lt1>
+      <a:sysClr val="window" lastClr="FFFFFF"/>
+    </a:lt1>
+    <a:dk2>
+      <a:srgbClr val="335B74"/>
+    </a:dk2>
+    <a:lt2>
+      <a:srgbClr val="DFE3E5"/>
+    </a:lt2>
+    <a:accent1>
+      <a:srgbClr val="1CADE4"/>
+    </a:accent1>
+    <a:accent2>
+      <a:srgbClr val="2683C6"/>
+    </a:accent2>
+    <a:accent3>
+      <a:srgbClr val="27CED7"/>
+    </a:accent3>
+    <a:accent4>
+      <a:srgbClr val="42BA97"/>
+    </a:accent4>
+    <a:accent5>
+      <a:srgbClr val="3E8853"/>
+    </a:accent5>
+    <a:accent6>
+      <a:srgbClr val="62A39F"/>
+    </a:accent6>
+    <a:hlink>
+      <a:srgbClr val="6B9F25"/>
+    </a:hlink>
+    <a:folHlink>
+      <a:srgbClr val="B26B02"/>
+    </a:folHlink>
+  </a:clrScheme>
+</a:themeOverride>
+</file>
+
 <file path=customXml/item1.xml><?xml version="1.0" encoding="utf-8"?>
 <p:properties xmlns:p="http://schemas.microsoft.com/office/2006/metadata/properties" xmlns:xsi="http://www.w3.org/2001/XMLSchema-instance" xmlns:pc="http://schemas.microsoft.com/office/infopath/2007/PartnerControls">
   <documentManagement>
